--- a/documentation/ShibbolethExtensions.pptx
+++ b/documentation/ShibbolethExtensions.pptx
@@ -1371,6 +1371,11 @@
         </p:txBody>
       </p:sp>
     </p:spTree>
+    <p:extLst>
+      <p:ext uri="{BB962C8B-B14F-4D97-AF65-F5344CB8AC3E}">
+        <p14:creationId xmlns:p14="http://schemas.microsoft.com/office/powerpoint/2010/main" val="2493935456"/>
+      </p:ext>
+    </p:extLst>
   </p:cSld>
   <p:clrMap bg1="lt1" tx1="dk1" bg2="lt2" tx2="dk2" accent1="accent1" accent2="accent2" accent3="accent3" accent4="accent4" accent5="accent5" accent6="accent6" hlink="hlink" folHlink="folHlink"/>
   <p:notesStyle>
@@ -7874,8 +7879,8 @@
         </p:nvSpPr>
         <p:spPr bwMode="auto">
           <a:xfrm>
-            <a:off x="-228600" y="1219200"/>
-            <a:ext cx="10287000" cy="1493837"/>
+            <a:off x="0" y="1219200"/>
+            <a:ext cx="10058400" cy="1493837"/>
           </a:xfrm>
           <a:prstGeom prst="rect">
             <a:avLst/>
@@ -7927,24 +7932,14 @@
               </a:tabLst>
             </a:pPr>
             <a:r>
-              <a:rPr lang="en-US" sz="4400" b="1" dirty="0" err="1" smtClean="0">
+              <a:rPr lang="it-IT" sz="4400" b="1" smtClean="0">
                 <a:solidFill>
                   <a:srgbClr val="CC0000"/>
                 </a:solidFill>
                 <a:latin typeface="Times New Roman" pitchFamily="16" charset="0"/>
                 <a:cs typeface="DejaVu Sans" charset="0"/>
               </a:rPr>
-              <a:t>Estensioni</a:t>
-            </a:r>
-            <a:r>
-              <a:rPr lang="en-US" sz="4400" b="1" dirty="0" smtClean="0">
-                <a:solidFill>
-                  <a:srgbClr val="CC0000"/>
-                </a:solidFill>
-                <a:latin typeface="Times New Roman" pitchFamily="16" charset="0"/>
-                <a:cs typeface="DejaVu Sans" charset="0"/>
-              </a:rPr>
-              <a:t> a Shibboleth</a:t>
+              <a:t>Estensioni a Shibboleth</a:t>
             </a:r>
           </a:p>
           <a:p>
@@ -7982,36 +7977,16 @@
               </a:tabLst>
             </a:pPr>
             <a:r>
-              <a:rPr lang="en-US" sz="4400" b="1" dirty="0" smtClean="0">
+              <a:rPr lang="it-IT" sz="4400" b="1" smtClean="0">
                 <a:solidFill>
                   <a:srgbClr val="CC0000"/>
                 </a:solidFill>
                 <a:latin typeface="Times New Roman" pitchFamily="16" charset="0"/>
                 <a:cs typeface="DejaVu Sans" charset="0"/>
               </a:rPr>
-              <a:t>per la </a:t>
-            </a:r>
-            <a:r>
-              <a:rPr lang="en-US" sz="4400" b="1" dirty="0" err="1" smtClean="0">
-                <a:solidFill>
-                  <a:srgbClr val="CC0000"/>
-                </a:solidFill>
-                <a:latin typeface="Times New Roman" pitchFamily="16" charset="0"/>
-                <a:cs typeface="DejaVu Sans" charset="0"/>
-              </a:rPr>
-              <a:t>federazione</a:t>
-            </a:r>
-            <a:r>
-              <a:rPr lang="en-US" sz="4400" b="1" dirty="0" smtClean="0">
-                <a:solidFill>
-                  <a:srgbClr val="CC0000"/>
-                </a:solidFill>
-                <a:latin typeface="Times New Roman" pitchFamily="16" charset="0"/>
-                <a:cs typeface="DejaVu Sans" charset="0"/>
-              </a:rPr>
-              <a:t> IDEM</a:t>
-            </a:r>
-            <a:endParaRPr lang="en-US" sz="4400" b="1" dirty="0">
+              <a:t>per la federazione IDEM</a:t>
+            </a:r>
+            <a:endParaRPr lang="it-IT" sz="4400" b="1">
               <a:solidFill>
                 <a:srgbClr val="CC0000"/>
               </a:solidFill>
@@ -8501,7 +8476,82 @@
                 </a:solidFill>
                 <a:cs typeface="Arial" charset="0"/>
               </a:rPr>
-              <a:t>Le estensioni 1 e 2 permettono ad IDEM di allargarsi includendo nuove applicazioni.</a:t>
+              <a:t>Le </a:t>
+            </a:r>
+            <a:r>
+              <a:rPr lang="it-IT" sz="3200" dirty="0" smtClean="0">
+                <a:solidFill>
+                  <a:srgbClr val="000000"/>
+                </a:solidFill>
+                <a:cs typeface="Arial" charset="0"/>
+              </a:rPr>
+              <a:t>estensioni </a:t>
+            </a:r>
+            <a:r>
+              <a:rPr lang="it-IT" sz="3200" b="1" dirty="0" smtClean="0">
+                <a:solidFill>
+                  <a:schemeClr val="tx1"/>
+                </a:solidFill>
+                <a:ea typeface="Arial Unicode MS" charset="0"/>
+                <a:cs typeface="Arial Unicode MS" charset="0"/>
+              </a:rPr>
+              <a:t>① </a:t>
+            </a:r>
+            <a:r>
+              <a:rPr lang="it-IT" sz="3200" dirty="0" smtClean="0">
+                <a:solidFill>
+                  <a:schemeClr val="tx1"/>
+                </a:solidFill>
+                <a:cs typeface="Arial" charset="0"/>
+              </a:rPr>
+              <a:t>+</a:t>
+            </a:r>
+            <a:r>
+              <a:rPr lang="en-US" sz="3200" dirty="0" smtClean="0">
+                <a:solidFill>
+                  <a:schemeClr val="tx1"/>
+                </a:solidFill>
+                <a:ea typeface="Arial Unicode MS" charset="0"/>
+                <a:cs typeface="Arial Unicode MS" charset="0"/>
+              </a:rPr>
+              <a:t> </a:t>
+            </a:r>
+            <a:r>
+              <a:rPr lang="it-IT" sz="3200" b="1" dirty="0" smtClean="0">
+                <a:solidFill>
+                  <a:schemeClr val="tx1"/>
+                </a:solidFill>
+                <a:ea typeface="Arial Unicode MS" charset="0"/>
+                <a:cs typeface="Arial Unicode MS" charset="0"/>
+              </a:rPr>
+              <a:t>②</a:t>
+            </a:r>
+            <a:r>
+              <a:rPr lang="it-IT" sz="3200" dirty="0" smtClean="0">
+                <a:solidFill>
+                  <a:schemeClr val="tx1"/>
+                </a:solidFill>
+                <a:cs typeface="Arial" charset="0"/>
+              </a:rPr>
+              <a:t> </a:t>
+            </a:r>
+            <a:r>
+              <a:rPr lang="it-IT" sz="3200" dirty="0" smtClean="0">
+                <a:solidFill>
+                  <a:schemeClr val="tx1"/>
+                </a:solidFill>
+                <a:cs typeface="Arial" charset="0"/>
+              </a:rPr>
+              <a:t>p</a:t>
+            </a:r>
+            <a:r>
+              <a:rPr lang="it-IT" sz="3200" dirty="0" smtClean="0">
+                <a:solidFill>
+                  <a:srgbClr val="000000"/>
+                </a:solidFill>
+                <a:cs typeface="Arial" charset="0"/>
+              </a:rPr>
+              <a:t>ermettono ad IDEM di allargarsi includendo nuove applicazioni.</a:t>
             </a:r>
           </a:p>
           <a:p>
@@ -8869,7 +8919,73 @@
                 </a:solidFill>
                 <a:cs typeface="Arial" charset="0"/>
               </a:rPr>
-              <a:t>Attualmente le estensioni 1 e 2 non supportano il </a:t>
+              <a:t>Attualmente le estensioni </a:t>
+            </a:r>
+            <a:r>
+              <a:rPr lang="it-IT" sz="3200" b="1" dirty="0">
+                <a:solidFill>
+                  <a:schemeClr val="tx1"/>
+                </a:solidFill>
+                <a:ea typeface="Arial Unicode MS" charset="0"/>
+                <a:cs typeface="Arial Unicode MS" charset="0"/>
+              </a:rPr>
+              <a:t>① </a:t>
+            </a:r>
+            <a:r>
+              <a:rPr lang="it-IT" sz="3200" dirty="0" smtClean="0">
+                <a:solidFill>
+                  <a:schemeClr val="tx1"/>
+                </a:solidFill>
+                <a:cs typeface="Arial" charset="0"/>
+              </a:rPr>
+              <a:t>e</a:t>
+            </a:r>
+            <a:r>
+              <a:rPr lang="en-US" sz="3200" dirty="0" smtClean="0">
+                <a:solidFill>
+                  <a:schemeClr val="tx1"/>
+                </a:solidFill>
+                <a:ea typeface="Arial Unicode MS" charset="0"/>
+                <a:cs typeface="Arial Unicode MS" charset="0"/>
+              </a:rPr>
+              <a:t> </a:t>
+            </a:r>
+            <a:r>
+              <a:rPr lang="it-IT" sz="3200" b="1" dirty="0">
+                <a:solidFill>
+                  <a:schemeClr val="tx1"/>
+                </a:solidFill>
+                <a:ea typeface="Arial Unicode MS" charset="0"/>
+                <a:cs typeface="Arial Unicode MS" charset="0"/>
+              </a:rPr>
+              <a:t>②</a:t>
+            </a:r>
+            <a:r>
+              <a:rPr lang="it-IT" sz="3200" dirty="0">
+                <a:solidFill>
+                  <a:schemeClr val="tx1"/>
+                </a:solidFill>
+                <a:cs typeface="Arial" charset="0"/>
+              </a:rPr>
+              <a:t> </a:t>
+            </a:r>
+            <a:r>
+              <a:rPr lang="it-IT" sz="3200" dirty="0" smtClean="0">
+                <a:solidFill>
+                  <a:srgbClr val="000000"/>
+                </a:solidFill>
+                <a:cs typeface="Arial" charset="0"/>
+              </a:rPr>
+              <a:t>non </a:t>
+            </a:r>
+            <a:r>
+              <a:rPr lang="it-IT" sz="3200" dirty="0" smtClean="0">
+                <a:solidFill>
+                  <a:srgbClr val="000000"/>
+                </a:solidFill>
+                <a:cs typeface="Arial" charset="0"/>
+              </a:rPr>
+              <a:t>supportano il </a:t>
             </a:r>
             <a:r>
               <a:rPr lang="it-IT" sz="3200" dirty="0" err="1" smtClean="0">
@@ -8887,7 +9003,7 @@
                 </a:solidFill>
                 <a:cs typeface="Arial" charset="0"/>
               </a:rPr>
-              <a:t> dell’</a:t>
+              <a:t> </a:t>
             </a:r>
             <a:r>
               <a:rPr lang="it-IT" sz="3200" dirty="0" err="1" smtClean="0">
@@ -8896,7 +9012,7 @@
                 </a:solidFill>
                 <a:cs typeface="Arial" charset="0"/>
               </a:rPr>
-              <a:t>IdP</a:t>
+              <a:t>dell’IdP</a:t>
             </a:r>
             <a:r>
               <a:rPr lang="it-IT" sz="3200" dirty="0" smtClean="0">
@@ -8992,7 +9108,73 @@
                 </a:solidFill>
                 <a:cs typeface="Arial" charset="0"/>
               </a:rPr>
-              <a:t>Le estensioni 1 e 2 necessitano di un </a:t>
+              <a:t>Le estensioni </a:t>
+            </a:r>
+            <a:r>
+              <a:rPr lang="it-IT" sz="3200" b="1" dirty="0">
+                <a:solidFill>
+                  <a:schemeClr val="tx1"/>
+                </a:solidFill>
+                <a:ea typeface="Arial Unicode MS" charset="0"/>
+                <a:cs typeface="Arial Unicode MS" charset="0"/>
+              </a:rPr>
+              <a:t>① </a:t>
+            </a:r>
+            <a:r>
+              <a:rPr lang="it-IT" sz="3200" dirty="0" smtClean="0">
+                <a:solidFill>
+                  <a:schemeClr val="tx1"/>
+                </a:solidFill>
+                <a:cs typeface="Arial" charset="0"/>
+              </a:rPr>
+              <a:t>e</a:t>
+            </a:r>
+            <a:r>
+              <a:rPr lang="en-US" sz="3200" dirty="0" smtClean="0">
+                <a:solidFill>
+                  <a:schemeClr val="tx1"/>
+                </a:solidFill>
+                <a:ea typeface="Arial Unicode MS" charset="0"/>
+                <a:cs typeface="Arial Unicode MS" charset="0"/>
+              </a:rPr>
+              <a:t> </a:t>
+            </a:r>
+            <a:r>
+              <a:rPr lang="it-IT" sz="3200" b="1" dirty="0">
+                <a:solidFill>
+                  <a:schemeClr val="tx1"/>
+                </a:solidFill>
+                <a:ea typeface="Arial Unicode MS" charset="0"/>
+                <a:cs typeface="Arial Unicode MS" charset="0"/>
+              </a:rPr>
+              <a:t>②</a:t>
+            </a:r>
+            <a:r>
+              <a:rPr lang="it-IT" sz="3200" dirty="0">
+                <a:solidFill>
+                  <a:schemeClr val="tx1"/>
+                </a:solidFill>
+                <a:cs typeface="Arial" charset="0"/>
+              </a:rPr>
+              <a:t> </a:t>
+            </a:r>
+            <a:r>
+              <a:rPr lang="it-IT" sz="3200" dirty="0" smtClean="0">
+                <a:solidFill>
+                  <a:srgbClr val="000000"/>
+                </a:solidFill>
+                <a:cs typeface="Arial" charset="0"/>
+              </a:rPr>
+              <a:t>necessitano </a:t>
+            </a:r>
+            <a:r>
+              <a:rPr lang="it-IT" sz="3200" dirty="0" smtClean="0">
+                <a:solidFill>
+                  <a:srgbClr val="000000"/>
+                </a:solidFill>
+                <a:cs typeface="Arial" charset="0"/>
+              </a:rPr>
+              <a:t>di un </a:t>
             </a:r>
             <a:r>
               <a:rPr lang="it-IT" sz="3200" dirty="0" err="1" smtClean="0">
@@ -9446,7 +9628,7 @@
               </a:tabLst>
             </a:pPr>
             <a:r>
-              <a:rPr lang="en-US" sz="2800" dirty="0" err="1" smtClean="0">
+              <a:rPr lang="it-IT" sz="2800" dirty="0" smtClean="0">
                 <a:solidFill>
                   <a:srgbClr val="000000"/>
                 </a:solidFill>
@@ -9455,15 +9637,24 @@
               <a:t>Condivisione</a:t>
             </a:r>
             <a:r>
-              <a:rPr lang="en-US" sz="2800" smtClean="0">
+              <a:rPr lang="en-US" sz="2800" dirty="0" smtClean="0">
                 <a:solidFill>
                   <a:srgbClr val="000000"/>
                 </a:solidFill>
                 <a:cs typeface="Arial" charset="0"/>
               </a:rPr>
-              <a:t> delle estensioni proposte con gli altri soggetti della comunità per raccogliere indicazioni, pareri…</a:t>
-            </a:r>
-            <a:endParaRPr lang="en-US" sz="2800" dirty="0" smtClean="0">
+              <a:t> </a:t>
+            </a:r>
+            <a:r>
+              <a:rPr lang="it-IT" sz="2800" dirty="0" smtClean="0">
+                <a:solidFill>
+                  <a:srgbClr val="000000"/>
+                </a:solidFill>
+                <a:cs typeface="Arial" charset="0"/>
+              </a:rPr>
+              <a:t>delle estensioni proposte con gli altri soggetti della comunità per raccogliere indicazioni, pareri…</a:t>
+            </a:r>
+            <a:endParaRPr lang="it-IT" sz="2800" dirty="0" smtClean="0">
               <a:solidFill>
                 <a:srgbClr val="000000"/>
               </a:solidFill>
@@ -9981,7 +10172,16 @@
                 </a:solidFill>
                 <a:cs typeface="Arial" charset="0"/>
               </a:rPr>
-              <a:t>diffusione nella comunità (con vari </a:t>
+              <a:t>diffusione nella comunità (con </a:t>
+            </a:r>
+            <a:r>
+              <a:rPr lang="it-IT" sz="2800" dirty="0" smtClean="0">
+                <a:solidFill>
+                  <a:srgbClr val="000000"/>
+                </a:solidFill>
+                <a:cs typeface="Arial" charset="0"/>
+              </a:rPr>
+              <a:t>diversi </a:t>
             </a:r>
             <a:r>
               <a:rPr lang="it-IT" sz="2800" dirty="0" err="1" smtClean="0">
@@ -9999,7 +10199,16 @@
                 </a:solidFill>
                 <a:cs typeface="Arial" charset="0"/>
               </a:rPr>
-              <a:t> e SP)</a:t>
+              <a:t> </a:t>
+            </a:r>
+            <a:r>
+              <a:rPr lang="it-IT" sz="2800" dirty="0" smtClean="0">
+                <a:solidFill>
+                  <a:srgbClr val="000000"/>
+                </a:solidFill>
+                <a:cs typeface="Arial" charset="0"/>
+              </a:rPr>
+              <a:t>e SP)</a:t>
             </a:r>
           </a:p>
           <a:p>
@@ -10044,7 +10253,25 @@
                 </a:solidFill>
                 <a:cs typeface="Arial" charset="0"/>
               </a:rPr>
-              <a:t>uniformità di tecnologie e prassi di utilizzo</a:t>
+              <a:t>uniformità di tecnologie e </a:t>
+            </a:r>
+            <a:r>
+              <a:rPr lang="it-IT" sz="2800" dirty="0" smtClean="0">
+                <a:solidFill>
+                  <a:srgbClr val="000000"/>
+                </a:solidFill>
+                <a:cs typeface="Arial" charset="0"/>
+              </a:rPr>
+              <a:t>schemi di </a:t>
+            </a:r>
+            <a:r>
+              <a:rPr lang="it-IT" sz="2800" dirty="0" smtClean="0">
+                <a:solidFill>
+                  <a:srgbClr val="000000"/>
+                </a:solidFill>
+                <a:cs typeface="Arial" charset="0"/>
+              </a:rPr>
+              <a:t>utilizzo</a:t>
             </a:r>
           </a:p>
         </p:txBody>
@@ -10160,36 +10387,16 @@
               </a:tabLst>
             </a:pPr>
             <a:r>
-              <a:rPr lang="en-US" sz="4400" dirty="0" err="1" smtClean="0">
+              <a:rPr lang="it-IT" sz="4400" smtClean="0">
                 <a:solidFill>
                   <a:srgbClr val="000080"/>
                 </a:solidFill>
                 <a:ea typeface="Arial Unicode MS" charset="0"/>
                 <a:cs typeface="Arial Unicode MS" charset="0"/>
               </a:rPr>
-              <a:t>Estensioni</a:t>
-            </a:r>
-            <a:r>
-              <a:rPr lang="en-US" sz="4400" dirty="0" smtClean="0">
-                <a:solidFill>
-                  <a:srgbClr val="000080"/>
-                </a:solidFill>
-                <a:ea typeface="Arial Unicode MS" charset="0"/>
-                <a:cs typeface="Arial Unicode MS" charset="0"/>
-              </a:rPr>
-              <a:t> </a:t>
-            </a:r>
-            <a:r>
-              <a:rPr lang="en-US" sz="4400" dirty="0" err="1" smtClean="0">
-                <a:solidFill>
-                  <a:srgbClr val="000080"/>
-                </a:solidFill>
-                <a:ea typeface="Arial Unicode MS" charset="0"/>
-                <a:cs typeface="Arial Unicode MS" charset="0"/>
-              </a:rPr>
-              <a:t>proposte</a:t>
-            </a:r>
-            <a:endParaRPr lang="en-US" sz="4400" dirty="0">
+              <a:t>Estensioni proposte</a:t>
+            </a:r>
+            <a:endParaRPr lang="it-IT" sz="4400">
               <a:solidFill>
                 <a:srgbClr val="000080"/>
               </a:solidFill>
@@ -10205,11 +10412,17 @@
           <p:cNvGraphicFramePr>
             <a:graphicFrameLocks noGrp="1"/>
           </p:cNvGraphicFramePr>
-          <p:nvPr/>
+          <p:nvPr>
+            <p:extLst>
+              <p:ext uri="{D42A27DB-BD31-4B8C-83A1-F6EECF244321}">
+                <p14:modId xmlns:p14="http://schemas.microsoft.com/office/powerpoint/2010/main" val="1271279777"/>
+              </p:ext>
+            </p:extLst>
+          </p:nvPr>
         </p:nvGraphicFramePr>
         <p:xfrm>
           <a:off x="239712" y="1524317"/>
-          <a:ext cx="9220200" cy="3322320"/>
+          <a:ext cx="9220200" cy="3810000"/>
         </p:xfrm>
         <a:graphic>
           <a:graphicData uri="http://schemas.openxmlformats.org/drawingml/2006/table">
@@ -10296,8 +10509,59 @@
                           </a:solidFill>
                           <a:cs typeface="Arial" charset="0"/>
                         </a:rPr>
-                        <a:t>Estensione di IDEM a risorse non online accedute NON tramite browser.</a:t>
+                        <a:t>Estensione di IDEM </a:t>
                       </a:r>
+                      <a:r>
+                        <a:rPr lang="it-IT" sz="3200" b="0" dirty="0" smtClean="0">
+                          <a:solidFill>
+                            <a:srgbClr val="000000"/>
+                          </a:solidFill>
+                          <a:cs typeface="Arial" charset="0"/>
+                        </a:rPr>
+                        <a:t>ad applicazioni non web-</a:t>
+                      </a:r>
+                      <a:r>
+                        <a:rPr lang="it-IT" sz="3200" b="0" dirty="0" err="1" smtClean="0">
+                          <a:solidFill>
+                            <a:srgbClr val="000000"/>
+                          </a:solidFill>
+                          <a:cs typeface="Arial" charset="0"/>
+                        </a:rPr>
+                        <a:t>based</a:t>
+                      </a:r>
+                      <a:r>
+                        <a:rPr lang="it-IT" sz="3200" b="0" dirty="0" smtClean="0">
+                          <a:solidFill>
+                            <a:srgbClr val="000000"/>
+                          </a:solidFill>
+                          <a:cs typeface="Arial" charset="0"/>
+                        </a:rPr>
+                        <a:t> e quindi accedute non</a:t>
+                      </a:r>
+                      <a:r>
+                        <a:rPr lang="it-IT" sz="3200" b="0" baseline="0" dirty="0" smtClean="0">
+                          <a:solidFill>
+                            <a:srgbClr val="000000"/>
+                          </a:solidFill>
+                          <a:cs typeface="Arial" charset="0"/>
+                        </a:rPr>
+                        <a:t> </a:t>
+                      </a:r>
+                      <a:r>
+                        <a:rPr lang="it-IT" sz="3200" b="0" dirty="0" smtClean="0">
+                          <a:solidFill>
+                            <a:srgbClr val="000000"/>
+                          </a:solidFill>
+                          <a:cs typeface="Arial" charset="0"/>
+                        </a:rPr>
+                        <a:t>tramite browser web.</a:t>
+                      </a:r>
+                      <a:endParaRPr lang="it-IT" sz="3200" b="0" dirty="0" smtClean="0">
+                        <a:solidFill>
+                          <a:srgbClr val="000000"/>
+                        </a:solidFill>
+                        <a:cs typeface="Arial" charset="0"/>
+                      </a:endParaRPr>
                     </a:p>
                   </a:txBody>
                   <a:tcPr anchor="ctr">
@@ -10633,36 +10897,16 @@
               <a:t> </a:t>
             </a:r>
             <a:r>
-              <a:rPr lang="en-US" sz="4400" dirty="0" err="1" smtClean="0">
+              <a:rPr lang="it-IT" sz="4400" dirty="0" smtClean="0">
                 <a:solidFill>
                   <a:srgbClr val="000080"/>
                 </a:solidFill>
                 <a:ea typeface="Arial Unicode MS" charset="0"/>
                 <a:cs typeface="Arial Unicode MS" charset="0"/>
               </a:rPr>
-              <a:t>Scopo</a:t>
-            </a:r>
-            <a:r>
-              <a:rPr lang="en-US" sz="4400" dirty="0" smtClean="0">
-                <a:solidFill>
-                  <a:srgbClr val="000080"/>
-                </a:solidFill>
-                <a:ea typeface="Arial Unicode MS" charset="0"/>
-                <a:cs typeface="Arial Unicode MS" charset="0"/>
-              </a:rPr>
-              <a:t> e </a:t>
-            </a:r>
-            <a:r>
-              <a:rPr lang="en-US" sz="4400" dirty="0" err="1" smtClean="0">
-                <a:solidFill>
-                  <a:srgbClr val="000080"/>
-                </a:solidFill>
-                <a:ea typeface="Arial Unicode MS" charset="0"/>
-                <a:cs typeface="Arial Unicode MS" charset="0"/>
-              </a:rPr>
-              <a:t>benefici</a:t>
-            </a:r>
-            <a:endParaRPr lang="en-US" sz="4400" dirty="0">
+              <a:t>Scopo e benefici</a:t>
+            </a:r>
+            <a:endParaRPr lang="it-IT" sz="4400" dirty="0">
               <a:solidFill>
                 <a:srgbClr val="000080"/>
               </a:solidFill>
@@ -10751,7 +10995,43 @@
                 </a:solidFill>
                 <a:cs typeface="Arial" charset="0"/>
               </a:rPr>
-              <a:t>: grazie a queste estensione la federazione IDEM è in grado di raggiungere e includere applicazioni attualmente escluse.</a:t>
+              <a:t>: grazie a queste </a:t>
+            </a:r>
+            <a:r>
+              <a:rPr lang="it-IT" sz="3200" dirty="0" smtClean="0">
+                <a:solidFill>
+                  <a:srgbClr val="000000"/>
+                </a:solidFill>
+                <a:cs typeface="Arial" charset="0"/>
+              </a:rPr>
+              <a:t>estensioni </a:t>
+            </a:r>
+            <a:r>
+              <a:rPr lang="it-IT" sz="3200" dirty="0" smtClean="0">
+                <a:solidFill>
+                  <a:srgbClr val="000000"/>
+                </a:solidFill>
+                <a:cs typeface="Arial" charset="0"/>
+              </a:rPr>
+              <a:t>la federazione IDEM è in grado di </a:t>
+            </a:r>
+            <a:r>
+              <a:rPr lang="it-IT" sz="3200" dirty="0" smtClean="0">
+                <a:solidFill>
+                  <a:srgbClr val="000000"/>
+                </a:solidFill>
+                <a:cs typeface="Arial" charset="0"/>
+              </a:rPr>
+              <a:t>raggiungere famiglie di applicazioni </a:t>
+            </a:r>
+            <a:r>
+              <a:rPr lang="it-IT" sz="3200" dirty="0" smtClean="0">
+                <a:solidFill>
+                  <a:srgbClr val="000000"/>
+                </a:solidFill>
+                <a:cs typeface="Arial" charset="0"/>
+              </a:rPr>
+              <a:t>attualmente escluse.</a:t>
             </a:r>
           </a:p>
           <a:p>
@@ -10847,7 +11127,16 @@
                 </a:solidFill>
                 <a:cs typeface="Arial" charset="0"/>
               </a:rPr>
-              <a:t>: il problema ci si è presentato nel momento in cui in </a:t>
+              <a:t>: il problema ci si è presentato </a:t>
+            </a:r>
+            <a:r>
+              <a:rPr lang="it-IT" sz="3200" dirty="0" smtClean="0">
+                <a:solidFill>
+                  <a:srgbClr val="000000"/>
+                </a:solidFill>
+                <a:cs typeface="Arial" charset="0"/>
+              </a:rPr>
+              <a:t>quando per il progetto </a:t>
             </a:r>
             <a:r>
               <a:rPr lang="it-IT" sz="3200" dirty="0" err="1" smtClean="0">
@@ -10865,7 +11154,16 @@
                 </a:solidFill>
                 <a:cs typeface="Arial" charset="0"/>
               </a:rPr>
-              <a:t> abbiamo valutare interfacce di accesso non tramite browser (CIFS e NFS per l’esportazione di </a:t>
+              <a:t> abbiamo </a:t>
+            </a:r>
+            <a:r>
+              <a:rPr lang="it-IT" sz="3200" dirty="0" smtClean="0">
+                <a:solidFill>
+                  <a:srgbClr val="000000"/>
+                </a:solidFill>
+                <a:cs typeface="Arial" charset="0"/>
+              </a:rPr>
+              <a:t>pensato come includere in </a:t>
             </a:r>
             <a:r>
               <a:rPr lang="it-IT" sz="3200" dirty="0" err="1" smtClean="0">
@@ -10874,16 +11172,70 @@
                 </a:solidFill>
                 <a:cs typeface="Arial" charset="0"/>
               </a:rPr>
+              <a:t>Shibboleth</a:t>
+            </a:r>
+            <a:r>
+              <a:rPr lang="it-IT" sz="3200" dirty="0" smtClean="0">
+                <a:solidFill>
+                  <a:srgbClr val="000000"/>
+                </a:solidFill>
+                <a:cs typeface="Arial" charset="0"/>
+              </a:rPr>
+              <a:t> </a:t>
+            </a:r>
+            <a:r>
+              <a:rPr lang="it-IT" sz="3200" dirty="0" smtClean="0">
+                <a:solidFill>
+                  <a:srgbClr val="000000"/>
+                </a:solidFill>
+                <a:cs typeface="Arial" charset="0"/>
+              </a:rPr>
+              <a:t>interfacce </a:t>
+            </a:r>
+            <a:r>
+              <a:rPr lang="it-IT" sz="3200" dirty="0" smtClean="0">
+                <a:solidFill>
+                  <a:srgbClr val="000000"/>
+                </a:solidFill>
+                <a:cs typeface="Arial" charset="0"/>
+              </a:rPr>
+              <a:t>a blocchi per i </a:t>
+            </a:r>
+            <a:r>
+              <a:rPr lang="it-IT" sz="3200" dirty="0" err="1" smtClean="0">
+                <a:solidFill>
+                  <a:srgbClr val="000000"/>
+                </a:solidFill>
+                <a:cs typeface="Arial" charset="0"/>
+              </a:rPr>
               <a:t>filesystem</a:t>
             </a:r>
             <a:r>
-              <a:rPr lang="en-US" sz="3200" dirty="0" smtClean="0">
+              <a:rPr lang="it-IT" sz="3200" dirty="0" smtClean="0">
                 <a:solidFill>
                   <a:srgbClr val="000000"/>
                 </a:solidFill>
                 <a:cs typeface="Arial" charset="0"/>
               </a:rPr>
-              <a:t>)</a:t>
+              <a:t> (</a:t>
+            </a:r>
+            <a:r>
+              <a:rPr lang="it-IT" sz="3200" dirty="0" smtClean="0">
+                <a:solidFill>
+                  <a:srgbClr val="000000"/>
+                </a:solidFill>
+                <a:cs typeface="Arial" charset="0"/>
+              </a:rPr>
+              <a:t>CIFS e </a:t>
+            </a:r>
+            <a:r>
+              <a:rPr lang="it-IT" sz="3200" dirty="0" smtClean="0">
+                <a:solidFill>
+                  <a:srgbClr val="000000"/>
+                </a:solidFill>
+                <a:cs typeface="Arial" charset="0"/>
+              </a:rPr>
+              <a:t>NFS), le quali non transitano da browser web.</a:t>
             </a:r>
             <a:endParaRPr lang="en-US" sz="2800" dirty="0" smtClean="0">
               <a:solidFill>
@@ -11015,41 +11367,116 @@
               <a:t>① </a:t>
             </a:r>
             <a:r>
-              <a:rPr lang="en-US" sz="4400" dirty="0" err="1" smtClean="0">
+              <a:rPr lang="it-IT" sz="4400" dirty="0" smtClean="0">
                 <a:solidFill>
                   <a:srgbClr val="000080"/>
                 </a:solidFill>
                 <a:ea typeface="Arial Unicode MS" charset="0"/>
                 <a:cs typeface="Arial Unicode MS" charset="0"/>
               </a:rPr>
-              <a:t>Architettura</a:t>
-            </a:r>
-            <a:r>
-              <a:rPr lang="en-US" sz="4400" dirty="0" smtClean="0">
-                <a:solidFill>
-                  <a:srgbClr val="000080"/>
-                </a:solidFill>
-                <a:ea typeface="Arial Unicode MS" charset="0"/>
-                <a:cs typeface="Arial Unicode MS" charset="0"/>
-              </a:rPr>
-              <a:t> ad alto </a:t>
-            </a:r>
-            <a:r>
-              <a:rPr lang="en-US" sz="4400" dirty="0" err="1" smtClean="0">
-                <a:solidFill>
-                  <a:srgbClr val="000080"/>
-                </a:solidFill>
-                <a:ea typeface="Arial Unicode MS" charset="0"/>
-                <a:cs typeface="Arial Unicode MS" charset="0"/>
-              </a:rPr>
-              <a:t>livello</a:t>
-            </a:r>
-            <a:endParaRPr lang="en-US" sz="4400" dirty="0">
+              <a:t>Architettura ad alto livello</a:t>
+            </a:r>
+            <a:endParaRPr lang="it-IT" sz="4400" dirty="0">
               <a:solidFill>
                 <a:srgbClr val="000080"/>
               </a:solidFill>
               <a:ea typeface="Arial Unicode MS" charset="0"/>
               <a:cs typeface="Arial Unicode MS" charset="0"/>
+            </a:endParaRPr>
+          </a:p>
+        </p:txBody>
+      </p:sp>
+      <p:graphicFrame>
+        <p:nvGraphicFramePr>
+          <p:cNvPr id="2" name="Oggetto 1"/>
+          <p:cNvGraphicFramePr>
+            <a:graphicFrameLocks noChangeAspect="1"/>
+          </p:cNvGraphicFramePr>
+          <p:nvPr>
+            <p:extLst>
+              <p:ext uri="{D42A27DB-BD31-4B8C-83A1-F6EECF244321}">
+                <p14:modId xmlns:p14="http://schemas.microsoft.com/office/powerpoint/2010/main" val="2429682805"/>
+              </p:ext>
+            </p:extLst>
+          </p:nvPr>
+        </p:nvGraphicFramePr>
+        <p:xfrm>
+          <a:off x="849312" y="1036637"/>
+          <a:ext cx="8458200" cy="6038589"/>
+        </p:xfrm>
+        <a:graphic>
+          <a:graphicData uri="http://schemas.openxmlformats.org/presentationml/2006/ole">
+            <mc:AlternateContent xmlns:mc="http://schemas.openxmlformats.org/markup-compatibility/2006">
+              <mc:Choice xmlns:v="urn:schemas-microsoft-com:vml" Requires="v">
+                <p:oleObj spid="_x0000_s1032" name="Visio" r:id="rId4" imgW="5788679" imgH="4132634" progId="Visio.Drawing.11">
+                  <p:embed/>
+                </p:oleObj>
+              </mc:Choice>
+              <mc:Fallback>
+                <p:oleObj name="Visio" r:id="rId4" imgW="5788679" imgH="4132634" progId="Visio.Drawing.11">
+                  <p:embed/>
+                  <p:pic>
+                    <p:nvPicPr>
+                      <p:cNvPr id="0" name=""/>
+                      <p:cNvPicPr/>
+                      <p:nvPr/>
+                    </p:nvPicPr>
+                    <p:blipFill>
+                      <a:blip r:embed="rId5"/>
+                      <a:stretch>
+                        <a:fillRect/>
+                      </a:stretch>
+                    </p:blipFill>
+                    <p:spPr>
+                      <a:xfrm>
+                        <a:off x="849312" y="1036637"/>
+                        <a:ext cx="8458200" cy="6038589"/>
+                      </a:xfrm>
+                      <a:prstGeom prst="rect">
+                        <a:avLst/>
+                      </a:prstGeom>
+                    </p:spPr>
+                  </p:pic>
+                </p:oleObj>
+              </mc:Fallback>
+            </mc:AlternateContent>
+          </a:graphicData>
+        </a:graphic>
+      </p:graphicFrame>
+      <p:sp>
+        <p:nvSpPr>
+          <p:cNvPr id="4" name="CasellaDiTesto 3"/>
+          <p:cNvSpPr txBox="1"/>
+          <p:nvPr/>
+        </p:nvSpPr>
+        <p:spPr>
+          <a:xfrm>
+            <a:off x="1657824" y="6894526"/>
+            <a:ext cx="6763390" cy="349968"/>
+          </a:xfrm>
+          <a:prstGeom prst="rect">
+            <a:avLst/>
+          </a:prstGeom>
+          <a:noFill/>
+        </p:spPr>
+        <p:txBody>
+          <a:bodyPr wrap="none" rtlCol="0">
+            <a:spAutoFit/>
+          </a:bodyPr>
+          <a:lstStyle/>
+          <a:p>
+            <a:r>
+              <a:rPr lang="it-IT" dirty="0" smtClean="0">
+                <a:solidFill>
+                  <a:schemeClr val="tx1"/>
+                </a:solidFill>
+              </a:rPr>
+              <a:t>(con bordo rosso le componenti sviluppate o configurate ad-hoc)</a:t>
+            </a:r>
+            <a:endParaRPr lang="it-IT" dirty="0">
+              <a:solidFill>
+                <a:schemeClr val="tx1"/>
+              </a:solidFill>
             </a:endParaRPr>
           </a:p>
         </p:txBody>
@@ -11349,7 +11776,7 @@
                 </a:solidFill>
                 <a:cs typeface="Arial" charset="0"/>
               </a:rPr>
-              <a:t> per fornire gli elenchi di utenti e gruppi da LDAP e attivazione (tramite configurazione) del </a:t>
+              <a:t> per fornire gli elenchi di utenti e gruppi da LDAP e attivazione (tramite configurazione) del Basic </a:t>
             </a:r>
             <a:r>
               <a:rPr lang="it-IT" sz="3200" dirty="0" err="1" smtClean="0">
@@ -11358,7 +11785,7 @@
                 </a:solidFill>
                 <a:cs typeface="Arial" charset="0"/>
               </a:rPr>
-              <a:t>Basic</a:t>
+              <a:t>Authentication</a:t>
             </a:r>
             <a:r>
               <a:rPr lang="it-IT" sz="3200" dirty="0" smtClean="0">
@@ -11370,31 +11797,22 @@
               <a:t> </a:t>
             </a:r>
             <a:r>
+              <a:rPr lang="it-IT" sz="3200" dirty="0" smtClean="0">
+                <a:solidFill>
+                  <a:srgbClr val="000000"/>
+                </a:solidFill>
+                <a:cs typeface="Arial" charset="0"/>
+              </a:rPr>
+              <a:t>Login </a:t>
+            </a:r>
+            <a:r>
               <a:rPr lang="it-IT" sz="3200" dirty="0" err="1" smtClean="0">
                 <a:solidFill>
                   <a:srgbClr val="000000"/>
                 </a:solidFill>
                 <a:cs typeface="Arial" charset="0"/>
               </a:rPr>
-              <a:t>Authentication</a:t>
-            </a:r>
-            <a:r>
-              <a:rPr lang="it-IT" sz="3200" dirty="0" smtClean="0">
-                <a:solidFill>
-                  <a:srgbClr val="000000"/>
-                </a:solidFill>
-                <a:cs typeface="Arial" charset="0"/>
-              </a:rPr>
-              <a:t> login </a:t>
-            </a:r>
-            <a:r>
-              <a:rPr lang="it-IT" sz="3200" dirty="0" err="1" smtClean="0">
-                <a:solidFill>
-                  <a:srgbClr val="000000"/>
-                </a:solidFill>
-                <a:cs typeface="Arial" charset="0"/>
-              </a:rPr>
-              <a:t>handler</a:t>
+              <a:t>Handler</a:t>
             </a:r>
             <a:r>
               <a:rPr lang="it-IT" sz="3200" dirty="0" smtClean="0">
@@ -11499,171 +11917,54 @@
                 </a:solidFill>
                 <a:cs typeface="Arial" charset="0"/>
               </a:rPr>
-              <a:t>: deploy </a:t>
-            </a:r>
-            <a:r>
-              <a:rPr lang="en-US" sz="3200" dirty="0" err="1" smtClean="0">
+              <a:t>: </a:t>
+            </a:r>
+            <a:r>
+              <a:rPr lang="en-US" sz="3200" dirty="0" smtClean="0">
                 <a:solidFill>
                   <a:srgbClr val="000000"/>
                 </a:solidFill>
                 <a:cs typeface="Arial" charset="0"/>
               </a:rPr>
-              <a:t>di</a:t>
-            </a:r>
-            <a:r>
-              <a:rPr lang="en-US" sz="3200" dirty="0" smtClean="0">
+              <a:t>d</a:t>
+            </a:r>
+            <a:r>
+              <a:rPr lang="it-IT" sz="3200" dirty="0" err="1" smtClean="0">
                 <a:solidFill>
                   <a:srgbClr val="000000"/>
                 </a:solidFill>
                 <a:cs typeface="Arial" charset="0"/>
               </a:rPr>
-              <a:t> </a:t>
-            </a:r>
-            <a:r>
-              <a:rPr lang="en-US" sz="3200" dirty="0" err="1" smtClean="0">
+              <a:t>eploy</a:t>
+            </a:r>
+            <a:r>
+              <a:rPr lang="it-IT" sz="3200" dirty="0" smtClean="0">
                 <a:solidFill>
                   <a:srgbClr val="000000"/>
                 </a:solidFill>
                 <a:cs typeface="Arial" charset="0"/>
               </a:rPr>
-              <a:t>librerie</a:t>
-            </a:r>
-            <a:r>
-              <a:rPr lang="en-US" sz="3200" dirty="0" smtClean="0">
+              <a:t> di librerie per PAM (moduli di autorizzazione dei sistemi Linux) e configurazione di </a:t>
+            </a:r>
+            <a:r>
+              <a:rPr lang="it-IT" sz="3200" dirty="0" err="1" smtClean="0">
                 <a:solidFill>
                   <a:srgbClr val="000000"/>
                 </a:solidFill>
                 <a:cs typeface="Arial" charset="0"/>
               </a:rPr>
-              <a:t> per PAM (</a:t>
-            </a:r>
-            <a:r>
-              <a:rPr lang="en-US" sz="3200" dirty="0" err="1" smtClean="0">
+              <a:t>Shibboleth</a:t>
+            </a:r>
+            <a:r>
+              <a:rPr lang="it-IT" sz="3200" dirty="0" smtClean="0">
                 <a:solidFill>
                   <a:srgbClr val="000000"/>
                 </a:solidFill>
                 <a:cs typeface="Arial" charset="0"/>
               </a:rPr>
-              <a:t>moduli</a:t>
-            </a:r>
-            <a:r>
-              <a:rPr lang="en-US" sz="3200" dirty="0" smtClean="0">
-                <a:solidFill>
-                  <a:srgbClr val="000000"/>
-                </a:solidFill>
-                <a:cs typeface="Arial" charset="0"/>
-              </a:rPr>
-              <a:t> </a:t>
-            </a:r>
-            <a:r>
-              <a:rPr lang="en-US" sz="3200" dirty="0" err="1" smtClean="0">
-                <a:solidFill>
-                  <a:srgbClr val="000000"/>
-                </a:solidFill>
-                <a:cs typeface="Arial" charset="0"/>
-              </a:rPr>
-              <a:t>di</a:t>
-            </a:r>
-            <a:r>
-              <a:rPr lang="en-US" sz="3200" dirty="0" smtClean="0">
-                <a:solidFill>
-                  <a:srgbClr val="000000"/>
-                </a:solidFill>
-                <a:cs typeface="Arial" charset="0"/>
-              </a:rPr>
-              <a:t> </a:t>
-            </a:r>
-            <a:r>
-              <a:rPr lang="en-US" sz="3200" dirty="0" err="1" smtClean="0">
-                <a:solidFill>
-                  <a:srgbClr val="000000"/>
-                </a:solidFill>
-                <a:cs typeface="Arial" charset="0"/>
-              </a:rPr>
-              <a:t>autorizzazione</a:t>
-            </a:r>
-            <a:r>
-              <a:rPr lang="en-US" sz="3200" dirty="0" smtClean="0">
-                <a:solidFill>
-                  <a:srgbClr val="000000"/>
-                </a:solidFill>
-                <a:cs typeface="Arial" charset="0"/>
-              </a:rPr>
-              <a:t> </a:t>
-            </a:r>
-            <a:r>
-              <a:rPr lang="en-US" sz="3200" dirty="0" err="1" smtClean="0">
-                <a:solidFill>
-                  <a:srgbClr val="000000"/>
-                </a:solidFill>
-                <a:cs typeface="Arial" charset="0"/>
-              </a:rPr>
-              <a:t>dei</a:t>
-            </a:r>
-            <a:r>
-              <a:rPr lang="en-US" sz="3200" dirty="0" smtClean="0">
-                <a:solidFill>
-                  <a:srgbClr val="000000"/>
-                </a:solidFill>
-                <a:cs typeface="Arial" charset="0"/>
-              </a:rPr>
-              <a:t> </a:t>
-            </a:r>
-            <a:r>
-              <a:rPr lang="en-US" sz="3200" dirty="0" err="1" smtClean="0">
-                <a:solidFill>
-                  <a:srgbClr val="000000"/>
-                </a:solidFill>
-                <a:cs typeface="Arial" charset="0"/>
-              </a:rPr>
-              <a:t>sistmi</a:t>
-            </a:r>
-            <a:r>
-              <a:rPr lang="en-US" sz="3200" dirty="0" smtClean="0">
-                <a:solidFill>
-                  <a:srgbClr val="000000"/>
-                </a:solidFill>
-                <a:cs typeface="Arial" charset="0"/>
-              </a:rPr>
-              <a:t> Linux) e </a:t>
-            </a:r>
-            <a:r>
-              <a:rPr lang="en-US" sz="3200" dirty="0" err="1" smtClean="0">
-                <a:solidFill>
-                  <a:srgbClr val="000000"/>
-                </a:solidFill>
-                <a:cs typeface="Arial" charset="0"/>
-              </a:rPr>
-              <a:t>configurazione</a:t>
-            </a:r>
-            <a:r>
-              <a:rPr lang="en-US" sz="3200" dirty="0" smtClean="0">
-                <a:solidFill>
-                  <a:srgbClr val="000000"/>
-                </a:solidFill>
-                <a:cs typeface="Arial" charset="0"/>
-              </a:rPr>
-              <a:t> </a:t>
-            </a:r>
-            <a:r>
-              <a:rPr lang="en-US" sz="3200" dirty="0" err="1" smtClean="0">
-                <a:solidFill>
-                  <a:srgbClr val="000000"/>
-                </a:solidFill>
-                <a:cs typeface="Arial" charset="0"/>
-              </a:rPr>
-              <a:t>di</a:t>
-            </a:r>
-            <a:r>
-              <a:rPr lang="en-US" sz="3200" dirty="0" smtClean="0">
-                <a:solidFill>
-                  <a:srgbClr val="000000"/>
-                </a:solidFill>
-                <a:cs typeface="Arial" charset="0"/>
-              </a:rPr>
-              <a:t> Shibboleth SP.</a:t>
-            </a:r>
-            <a:endParaRPr lang="en-US" sz="2800" dirty="0" smtClean="0">
+              <a:t> SP.</a:t>
+            </a:r>
+            <a:endParaRPr lang="it-IT" sz="2800" dirty="0" smtClean="0">
               <a:solidFill>
                 <a:srgbClr val="000000"/>
               </a:solidFill>
@@ -11803,36 +12104,16 @@
               <a:t> </a:t>
             </a:r>
             <a:r>
-              <a:rPr lang="en-US" sz="4400" dirty="0" err="1" smtClean="0">
+              <a:rPr lang="it-IT" sz="4400" dirty="0" smtClean="0">
                 <a:solidFill>
                   <a:srgbClr val="000080"/>
                 </a:solidFill>
                 <a:ea typeface="Arial Unicode MS" charset="0"/>
                 <a:cs typeface="Arial Unicode MS" charset="0"/>
               </a:rPr>
-              <a:t>Scopo</a:t>
-            </a:r>
-            <a:r>
-              <a:rPr lang="en-US" sz="4400" dirty="0" smtClean="0">
-                <a:solidFill>
-                  <a:srgbClr val="000080"/>
-                </a:solidFill>
-                <a:ea typeface="Arial Unicode MS" charset="0"/>
-                <a:cs typeface="Arial Unicode MS" charset="0"/>
-              </a:rPr>
-              <a:t> e </a:t>
-            </a:r>
-            <a:r>
-              <a:rPr lang="en-US" sz="4400" dirty="0" err="1" smtClean="0">
-                <a:solidFill>
-                  <a:srgbClr val="000080"/>
-                </a:solidFill>
-                <a:ea typeface="Arial Unicode MS" charset="0"/>
-                <a:cs typeface="Arial Unicode MS" charset="0"/>
-              </a:rPr>
-              <a:t>benefici</a:t>
-            </a:r>
-            <a:endParaRPr lang="en-US" sz="4400" dirty="0">
+              <a:t>Scopo e benefici</a:t>
+            </a:r>
+            <a:endParaRPr lang="it-IT" sz="4400" dirty="0">
               <a:solidFill>
                 <a:srgbClr val="000080"/>
               </a:solidFill>
@@ -11921,8 +12202,23 @@
                 </a:solidFill>
                 <a:cs typeface="Arial" charset="0"/>
               </a:rPr>
-              <a:t>: grazie a queste estensione la federazione IDEM è in grado di raggiungere e includere applicazioni attualmente escluse.</a:t>
-            </a:r>
+              <a:t>: grazie a queste estensione la federazione IDEM è in grado di raggiungere e includere applicazioni </a:t>
+            </a:r>
+            <a:r>
+              <a:rPr lang="it-IT" sz="3200" dirty="0" smtClean="0">
+                <a:solidFill>
+                  <a:srgbClr val="000000"/>
+                </a:solidFill>
+                <a:cs typeface="Arial" charset="0"/>
+              </a:rPr>
+              <a:t>che usano protocolli di autenticazione sofisticati.</a:t>
+            </a:r>
+            <a:endParaRPr lang="it-IT" sz="3200" dirty="0" smtClean="0">
+              <a:solidFill>
+                <a:srgbClr val="000000"/>
+              </a:solidFill>
+              <a:cs typeface="Arial" charset="0"/>
+            </a:endParaRPr>
           </a:p>
           <a:p>
             <a:pPr marL="319088" indent="-319088" hangingPunct="1">
@@ -12035,25 +12331,7 @@
                 </a:solidFill>
                 <a:cs typeface="Arial" charset="0"/>
               </a:rPr>
-              <a:t> abbiamo dovuto integrare l’interfaccia Amazon S3, che ha un suo schema </a:t>
-            </a:r>
-            <a:r>
-              <a:rPr lang="it-IT" sz="3200" dirty="0" err="1" smtClean="0">
-                <a:solidFill>
-                  <a:srgbClr val="000000"/>
-                </a:solidFill>
-                <a:cs typeface="Arial" charset="0"/>
-              </a:rPr>
-              <a:t>autorizzativo</a:t>
-            </a:r>
-            <a:r>
-              <a:rPr lang="it-IT" sz="3200" dirty="0" smtClean="0">
-                <a:solidFill>
-                  <a:srgbClr val="000000"/>
-                </a:solidFill>
-                <a:cs typeface="Arial" charset="0"/>
-              </a:rPr>
-              <a:t> non basato su </a:t>
+              <a:t> abbiamo dovuto integrare l’interfaccia Amazon S3, che ha un suo schema autorizzativo non basato su </a:t>
             </a:r>
             <a:r>
               <a:rPr lang="it-IT" sz="3200" dirty="0" err="1" smtClean="0">
@@ -12213,41 +12491,142 @@
               <a:t> </a:t>
             </a:r>
             <a:r>
-              <a:rPr lang="en-US" sz="4400" dirty="0" err="1" smtClean="0">
+              <a:rPr lang="it-IT" sz="4400" dirty="0" smtClean="0">
                 <a:solidFill>
                   <a:srgbClr val="000080"/>
                 </a:solidFill>
                 <a:ea typeface="Arial Unicode MS" charset="0"/>
                 <a:cs typeface="Arial Unicode MS" charset="0"/>
               </a:rPr>
-              <a:t>Architettura</a:t>
-            </a:r>
-            <a:r>
-              <a:rPr lang="en-US" sz="4400" dirty="0" smtClean="0">
-                <a:solidFill>
-                  <a:srgbClr val="000080"/>
-                </a:solidFill>
-                <a:ea typeface="Arial Unicode MS" charset="0"/>
-                <a:cs typeface="Arial Unicode MS" charset="0"/>
-              </a:rPr>
-              <a:t> ad alto </a:t>
-            </a:r>
-            <a:r>
-              <a:rPr lang="en-US" sz="4400" dirty="0" err="1" smtClean="0">
-                <a:solidFill>
-                  <a:srgbClr val="000080"/>
-                </a:solidFill>
-                <a:ea typeface="Arial Unicode MS" charset="0"/>
-                <a:cs typeface="Arial Unicode MS" charset="0"/>
-              </a:rPr>
-              <a:t>livello</a:t>
-            </a:r>
-            <a:endParaRPr lang="en-US" sz="4400" dirty="0">
+              <a:t>Architettura ad alto livello</a:t>
+            </a:r>
+            <a:endParaRPr lang="it-IT" sz="4400" dirty="0">
               <a:solidFill>
                 <a:srgbClr val="000080"/>
               </a:solidFill>
               <a:ea typeface="Arial Unicode MS" charset="0"/>
               <a:cs typeface="Arial Unicode MS" charset="0"/>
+            </a:endParaRPr>
+          </a:p>
+        </p:txBody>
+      </p:sp>
+      <p:graphicFrame>
+        <p:nvGraphicFramePr>
+          <p:cNvPr id="2" name="Oggetto 1"/>
+          <p:cNvGraphicFramePr>
+            <a:graphicFrameLocks noChangeAspect="1"/>
+          </p:cNvGraphicFramePr>
+          <p:nvPr>
+            <p:extLst>
+              <p:ext uri="{D42A27DB-BD31-4B8C-83A1-F6EECF244321}">
+                <p14:modId xmlns:p14="http://schemas.microsoft.com/office/powerpoint/2010/main" val="3680419785"/>
+              </p:ext>
+            </p:extLst>
+          </p:nvPr>
+        </p:nvGraphicFramePr>
+        <p:xfrm>
+          <a:off x="849313" y="1036638"/>
+          <a:ext cx="8458200" cy="6038850"/>
+        </p:xfrm>
+        <a:graphic>
+          <a:graphicData uri="http://schemas.openxmlformats.org/presentationml/2006/ole">
+            <mc:AlternateContent xmlns:mc="http://schemas.openxmlformats.org/markup-compatibility/2006">
+              <mc:Choice xmlns:v="urn:schemas-microsoft-com:vml" Requires="v">
+                <p:oleObj spid="_x0000_s2055" name="Visio" r:id="rId4" imgW="5788679" imgH="4132634" progId="Visio.Drawing.11">
+                  <p:embed/>
+                </p:oleObj>
+              </mc:Choice>
+              <mc:Fallback>
+                <p:oleObj name="Visio" r:id="rId4" imgW="5788679" imgH="4132634" progId="Visio.Drawing.11">
+                  <p:embed/>
+                  <p:pic>
+                    <p:nvPicPr>
+                      <p:cNvPr id="0" name="Oggetto 1"/>
+                      <p:cNvPicPr>
+                        <a:picLocks noChangeAspect="1" noChangeArrowheads="1"/>
+                      </p:cNvPicPr>
+                      <p:nvPr/>
+                    </p:nvPicPr>
+                    <p:blipFill>
+                      <a:blip r:embed="rId5"/>
+                      <a:srcRect/>
+                      <a:stretch>
+                        <a:fillRect/>
+                      </a:stretch>
+                    </p:blipFill>
+                    <p:spPr bwMode="auto">
+                      <a:xfrm>
+                        <a:off x="849313" y="1036638"/>
+                        <a:ext cx="8458200" cy="6038850"/>
+                      </a:xfrm>
+                      <a:prstGeom prst="rect">
+                        <a:avLst/>
+                      </a:prstGeom>
+                      <a:noFill/>
+                      <a:ln>
+                        <a:noFill/>
+                      </a:ln>
+                      <a:extLst>
+                        <a:ext uri="{909E8E84-426E-40DD-AFC4-6F175D3DCCD1}">
+                          <a14:hiddenFill xmlns:a14="http://schemas.microsoft.com/office/drawing/2010/main">
+                            <a:solidFill>
+                              <a:srgbClr val="FFFFFF"/>
+                            </a:solidFill>
+                          </a14:hiddenFill>
+                        </a:ext>
+                        <a:ext uri="{91240B29-F687-4F45-9708-019B960494DF}">
+                          <a14:hiddenLine xmlns:a14="http://schemas.microsoft.com/office/drawing/2010/main" w="9525">
+                            <a:solidFill>
+                              <a:srgbClr val="000000"/>
+                            </a:solidFill>
+                            <a:miter lim="800000"/>
+                            <a:headEnd/>
+                            <a:tailEnd/>
+                          </a14:hiddenLine>
+                        </a:ext>
+                      </a:extLst>
+                    </p:spPr>
+                  </p:pic>
+                </p:oleObj>
+              </mc:Fallback>
+            </mc:AlternateContent>
+          </a:graphicData>
+        </a:graphic>
+      </p:graphicFrame>
+      <p:sp>
+        <p:nvSpPr>
+          <p:cNvPr id="5" name="CasellaDiTesto 4"/>
+          <p:cNvSpPr txBox="1"/>
+          <p:nvPr/>
+        </p:nvSpPr>
+        <p:spPr>
+          <a:xfrm>
+            <a:off x="1657824" y="6894526"/>
+            <a:ext cx="6763390" cy="349968"/>
+          </a:xfrm>
+          <a:prstGeom prst="rect">
+            <a:avLst/>
+          </a:prstGeom>
+          <a:noFill/>
+        </p:spPr>
+        <p:txBody>
+          <a:bodyPr wrap="none" rtlCol="0">
+            <a:spAutoFit/>
+          </a:bodyPr>
+          <a:lstStyle/>
+          <a:p>
+            <a:r>
+              <a:rPr lang="it-IT" dirty="0" smtClean="0">
+                <a:solidFill>
+                  <a:schemeClr val="tx1"/>
+                </a:solidFill>
+              </a:rPr>
+              <a:t>(con bordo rosso le componenti sviluppate o configurate ad-hoc)</a:t>
+            </a:r>
+            <a:endParaRPr lang="it-IT" dirty="0">
+              <a:solidFill>
+                <a:schemeClr val="tx1"/>
+              </a:solidFill>
             </a:endParaRPr>
           </a:p>
         </p:txBody>
@@ -12383,56 +12762,16 @@
               <a:t> </a:t>
             </a:r>
             <a:r>
-              <a:rPr lang="en-US" sz="4400" dirty="0" err="1" smtClean="0">
+              <a:rPr lang="it-IT" sz="4400" dirty="0" smtClean="0">
                 <a:solidFill>
                   <a:srgbClr val="000080"/>
                 </a:solidFill>
                 <a:ea typeface="Arial Unicode MS" charset="0"/>
                 <a:cs typeface="Arial Unicode MS" charset="0"/>
               </a:rPr>
-              <a:t>Riassunto</a:t>
-            </a:r>
-            <a:r>
-              <a:rPr lang="en-US" sz="4400" dirty="0" smtClean="0">
-                <a:solidFill>
-                  <a:srgbClr val="000080"/>
-                </a:solidFill>
-                <a:ea typeface="Arial Unicode MS" charset="0"/>
-                <a:cs typeface="Arial Unicode MS" charset="0"/>
-              </a:rPr>
-              <a:t> </a:t>
-            </a:r>
-            <a:r>
-              <a:rPr lang="en-US" sz="4400" dirty="0" err="1" smtClean="0">
-                <a:solidFill>
-                  <a:srgbClr val="000080"/>
-                </a:solidFill>
-                <a:ea typeface="Arial Unicode MS" charset="0"/>
-                <a:cs typeface="Arial Unicode MS" charset="0"/>
-              </a:rPr>
-              <a:t>modifiche</a:t>
-            </a:r>
-            <a:r>
-              <a:rPr lang="en-US" sz="4400" dirty="0" smtClean="0">
-                <a:solidFill>
-                  <a:srgbClr val="000080"/>
-                </a:solidFill>
-                <a:ea typeface="Arial Unicode MS" charset="0"/>
-                <a:cs typeface="Arial Unicode MS" charset="0"/>
-              </a:rPr>
-              <a:t> </a:t>
-            </a:r>
-            <a:r>
-              <a:rPr lang="en-US" sz="4400" dirty="0" err="1" smtClean="0">
-                <a:solidFill>
-                  <a:srgbClr val="000080"/>
-                </a:solidFill>
-                <a:ea typeface="Arial Unicode MS" charset="0"/>
-                <a:cs typeface="Arial Unicode MS" charset="0"/>
-              </a:rPr>
-              <a:t>apportate</a:t>
-            </a:r>
-            <a:endParaRPr lang="en-US" sz="4400" dirty="0">
+              <a:t>Riassunto modifiche apportate</a:t>
+            </a:r>
+            <a:endParaRPr lang="it-IT" sz="4400" dirty="0">
               <a:solidFill>
                 <a:srgbClr val="000080"/>
               </a:solidFill>
@@ -12557,16 +12896,61 @@
                 </a:solidFill>
                 <a:cs typeface="Arial" charset="0"/>
               </a:rPr>
+              <a:t> </a:t>
+            </a:r>
+            <a:r>
+              <a:rPr lang="it-IT" sz="3200" dirty="0" smtClean="0">
+                <a:solidFill>
+                  <a:srgbClr val="000000"/>
+                </a:solidFill>
+                <a:cs typeface="Arial" charset="0"/>
+              </a:rPr>
+              <a:t>e di un </a:t>
+            </a:r>
+            <a:r>
+              <a:rPr lang="it-IT" sz="3200" dirty="0" err="1" smtClean="0">
+                <a:solidFill>
+                  <a:srgbClr val="000000"/>
+                </a:solidFill>
+                <a:cs typeface="Arial" charset="0"/>
+              </a:rPr>
+              <a:t>DataConnector</a:t>
+            </a:r>
+            <a:r>
+              <a:rPr lang="it-IT" sz="3200" dirty="0" smtClean="0">
+                <a:solidFill>
+                  <a:srgbClr val="000000"/>
+                </a:solidFill>
+                <a:cs typeface="Arial" charset="0"/>
+              </a:rPr>
               <a:t> e </a:t>
             </a:r>
             <a:r>
+              <a:rPr lang="it-IT" sz="3200" dirty="0" smtClean="0">
+                <a:solidFill>
+                  <a:srgbClr val="000000"/>
+                </a:solidFill>
+                <a:cs typeface="Arial" charset="0"/>
+              </a:rPr>
+              <a:t>loro attivazione (tramite configurazione</a:t>
+            </a:r>
+            <a:r>
+              <a:rPr lang="it-IT" sz="3200" dirty="0" smtClean="0">
+                <a:solidFill>
+                  <a:srgbClr val="000000"/>
+                </a:solidFill>
+                <a:cs typeface="Arial" charset="0"/>
+              </a:rPr>
+              <a:t>), </a:t>
+            </a:r>
+            <a:r>
               <a:rPr lang="it-IT" sz="3200" dirty="0" err="1" smtClean="0">
                 <a:solidFill>
                   <a:srgbClr val="000000"/>
                 </a:solidFill>
                 <a:cs typeface="Arial" charset="0"/>
               </a:rPr>
-              <a:t>AttributeResolver</a:t>
+              <a:t>deploy</a:t>
             </a:r>
             <a:r>
               <a:rPr lang="it-IT" sz="3200" dirty="0" smtClean="0">
@@ -12575,8 +12959,50 @@
                 </a:solidFill>
                 <a:cs typeface="Arial" charset="0"/>
               </a:rPr>
-              <a:t> e loro attivazione (tramite configurazione).</a:t>
-            </a:r>
+              <a:t> di una </a:t>
+            </a:r>
+            <a:r>
+              <a:rPr lang="it-IT" sz="3200" dirty="0" err="1" smtClean="0">
+                <a:solidFill>
+                  <a:srgbClr val="000000"/>
+                </a:solidFill>
+                <a:cs typeface="Arial" charset="0"/>
+              </a:rPr>
+              <a:t>servlet</a:t>
+            </a:r>
+            <a:r>
+              <a:rPr lang="it-IT" sz="3200" dirty="0" smtClean="0">
+                <a:solidFill>
+                  <a:srgbClr val="000000"/>
+                </a:solidFill>
+                <a:cs typeface="Arial" charset="0"/>
+              </a:rPr>
+              <a:t> per l’invio via posta elettronica della Secret </a:t>
+            </a:r>
+            <a:r>
+              <a:rPr lang="it-IT" sz="3200" dirty="0" err="1" smtClean="0">
+                <a:solidFill>
+                  <a:srgbClr val="000000"/>
+                </a:solidFill>
+                <a:cs typeface="Arial" charset="0"/>
+              </a:rPr>
+              <a:t>Key</a:t>
+            </a:r>
+            <a:r>
+              <a:rPr lang="it-IT" sz="3200" dirty="0" smtClean="0">
+                <a:solidFill>
+                  <a:srgbClr val="000000"/>
+                </a:solidFill>
+                <a:cs typeface="Arial" charset="0"/>
+              </a:rPr>
+              <a:t> all’utente.</a:t>
+            </a:r>
+            <a:endParaRPr lang="it-IT" sz="3200" dirty="0" smtClean="0">
+              <a:solidFill>
+                <a:srgbClr val="000000"/>
+              </a:solidFill>
+              <a:cs typeface="Arial" charset="0"/>
+            </a:endParaRPr>
           </a:p>
           <a:p>
             <a:pPr marL="319088" indent="-319088" hangingPunct="1">
@@ -12674,13 +13100,49 @@
               <a:t>: </a:t>
             </a:r>
             <a:r>
-              <a:rPr lang="en-US" sz="3200" dirty="0" err="1" smtClean="0">
+              <a:rPr lang="it-IT" sz="3200" dirty="0" smtClean="0">
                 <a:solidFill>
                   <a:srgbClr val="000000"/>
                 </a:solidFill>
                 <a:cs typeface="Arial" charset="0"/>
               </a:rPr>
-              <a:t>lievi</a:t>
+              <a:t>modifiche solo a livello </a:t>
+            </a:r>
+            <a:r>
+              <a:rPr lang="it-IT" sz="3200" dirty="0" smtClean="0">
+                <a:solidFill>
+                  <a:srgbClr val="000000"/>
+                </a:solidFill>
+                <a:cs typeface="Arial" charset="0"/>
+              </a:rPr>
+              <a:t>dei file di configurazione </a:t>
+            </a:r>
+            <a:r>
+              <a:rPr lang="it-IT" sz="3200" dirty="0" smtClean="0">
+                <a:solidFill>
+                  <a:srgbClr val="000000"/>
+                </a:solidFill>
+                <a:cs typeface="Arial" charset="0"/>
+              </a:rPr>
+              <a:t>del </a:t>
+            </a:r>
+            <a:r>
+              <a:rPr lang="it-IT" sz="3200" dirty="0" err="1" smtClean="0">
+                <a:solidFill>
+                  <a:srgbClr val="000000"/>
+                </a:solidFill>
+                <a:cs typeface="Arial" charset="0"/>
+              </a:rPr>
+              <a:t>Shibboleth</a:t>
+            </a:r>
+            <a:r>
+              <a:rPr lang="it-IT" sz="3200" dirty="0" smtClean="0">
+                <a:solidFill>
+                  <a:srgbClr val="000000"/>
+                </a:solidFill>
+                <a:cs typeface="Arial" charset="0"/>
+              </a:rPr>
+              <a:t> SP</a:t>
             </a:r>
             <a:r>
               <a:rPr lang="en-US" sz="3200" dirty="0" smtClean="0">
@@ -12689,61 +13151,7 @@
                 </a:solidFill>
                 <a:cs typeface="Arial" charset="0"/>
               </a:rPr>
-              <a:t> </a:t>
-            </a:r>
-            <a:r>
-              <a:rPr lang="en-US" sz="3200" dirty="0" err="1" smtClean="0">
-                <a:solidFill>
-                  <a:srgbClr val="000000"/>
-                </a:solidFill>
-                <a:cs typeface="Arial" charset="0"/>
-              </a:rPr>
-              <a:t>modifiche</a:t>
-            </a:r>
-            <a:r>
-              <a:rPr lang="en-US" sz="3200" dirty="0" smtClean="0">
-                <a:solidFill>
-                  <a:srgbClr val="000000"/>
-                </a:solidFill>
-                <a:cs typeface="Arial" charset="0"/>
-              </a:rPr>
-              <a:t> solo </a:t>
-            </a:r>
-            <a:r>
-              <a:rPr lang="en-US" sz="3200" dirty="0" err="1" smtClean="0">
-                <a:solidFill>
-                  <a:srgbClr val="000000"/>
-                </a:solidFill>
-                <a:cs typeface="Arial" charset="0"/>
-              </a:rPr>
-              <a:t>di</a:t>
-            </a:r>
-            <a:r>
-              <a:rPr lang="en-US" sz="3200" dirty="0" smtClean="0">
-                <a:solidFill>
-                  <a:srgbClr val="000000"/>
-                </a:solidFill>
-                <a:cs typeface="Arial" charset="0"/>
-              </a:rPr>
-              <a:t> </a:t>
-            </a:r>
-            <a:r>
-              <a:rPr lang="en-US" sz="3200" dirty="0" err="1" smtClean="0">
-                <a:solidFill>
-                  <a:srgbClr val="000000"/>
-                </a:solidFill>
-                <a:cs typeface="Arial" charset="0"/>
-              </a:rPr>
-              <a:t>configurazione</a:t>
-            </a:r>
-            <a:r>
-              <a:rPr lang="en-US" sz="3200" dirty="0" smtClean="0">
-                <a:solidFill>
-                  <a:srgbClr val="000000"/>
-                </a:solidFill>
-                <a:cs typeface="Arial" charset="0"/>
-              </a:rPr>
-              <a:t> del Shibboleth SP.</a:t>
+              <a:t>.</a:t>
             </a:r>
             <a:endParaRPr lang="en-US" sz="2800" dirty="0" smtClean="0">
               <a:solidFill>

--- a/documentation/ShibbolethExtensions.pptx
+++ b/documentation/ShibbolethExtensions.pptx
@@ -8476,16 +8476,7 @@
                 </a:solidFill>
                 <a:cs typeface="Arial" charset="0"/>
               </a:rPr>
-              <a:t>Le </a:t>
-            </a:r>
-            <a:r>
-              <a:rPr lang="it-IT" sz="3200" dirty="0" smtClean="0">
-                <a:solidFill>
-                  <a:srgbClr val="000000"/>
-                </a:solidFill>
-                <a:cs typeface="Arial" charset="0"/>
-              </a:rPr>
-              <a:t>estensioni </a:t>
+              <a:t>Le estensioni </a:t>
             </a:r>
             <a:r>
               <a:rPr lang="it-IT" sz="3200" b="1" dirty="0" smtClean="0">
@@ -8533,16 +8524,7 @@
                 </a:solidFill>
                 <a:cs typeface="Arial" charset="0"/>
               </a:rPr>
-              <a:t> </a:t>
-            </a:r>
-            <a:r>
-              <a:rPr lang="it-IT" sz="3200" dirty="0" smtClean="0">
-                <a:solidFill>
-                  <a:schemeClr val="tx1"/>
-                </a:solidFill>
-                <a:cs typeface="Arial" charset="0"/>
-              </a:rPr>
-              <a:t>p</a:t>
+              <a:t> p</a:t>
             </a:r>
             <a:r>
               <a:rPr lang="it-IT" sz="3200" dirty="0" smtClean="0">
@@ -8976,16 +8958,7 @@
                 </a:solidFill>
                 <a:cs typeface="Arial" charset="0"/>
               </a:rPr>
-              <a:t>non </a:t>
-            </a:r>
-            <a:r>
-              <a:rPr lang="it-IT" sz="3200" dirty="0" smtClean="0">
-                <a:solidFill>
-                  <a:srgbClr val="000000"/>
-                </a:solidFill>
-                <a:cs typeface="Arial" charset="0"/>
-              </a:rPr>
-              <a:t>supportano il </a:t>
+              <a:t>non supportano il </a:t>
             </a:r>
             <a:r>
               <a:rPr lang="it-IT" sz="3200" dirty="0" err="1" smtClean="0">
@@ -9165,16 +9138,7 @@
                 </a:solidFill>
                 <a:cs typeface="Arial" charset="0"/>
               </a:rPr>
-              <a:t>necessitano </a:t>
-            </a:r>
-            <a:r>
-              <a:rPr lang="it-IT" sz="3200" dirty="0" smtClean="0">
-                <a:solidFill>
-                  <a:srgbClr val="000000"/>
-                </a:solidFill>
-                <a:cs typeface="Arial" charset="0"/>
-              </a:rPr>
-              <a:t>di un </a:t>
+              <a:t>necessitano di un </a:t>
             </a:r>
             <a:r>
               <a:rPr lang="it-IT" sz="3200" dirty="0" err="1" smtClean="0">
@@ -9654,12 +9618,6 @@
               </a:rPr>
               <a:t>delle estensioni proposte con gli altri soggetti della comunità per raccogliere indicazioni, pareri…</a:t>
             </a:r>
-            <a:endParaRPr lang="it-IT" sz="2800" dirty="0" smtClean="0">
-              <a:solidFill>
-                <a:srgbClr val="000000"/>
-              </a:solidFill>
-              <a:cs typeface="Arial" charset="0"/>
-            </a:endParaRPr>
           </a:p>
         </p:txBody>
       </p:sp>
@@ -10172,7 +10130,16 @@
                 </a:solidFill>
                 <a:cs typeface="Arial" charset="0"/>
               </a:rPr>
-              <a:t>diffusione nella comunità (con </a:t>
+              <a:t>diffusione nella comunità (con diversi </a:t>
+            </a:r>
+            <a:r>
+              <a:rPr lang="it-IT" sz="2800" dirty="0" err="1" smtClean="0">
+                <a:solidFill>
+                  <a:srgbClr val="000000"/>
+                </a:solidFill>
+                <a:cs typeface="Arial" charset="0"/>
+              </a:rPr>
+              <a:t>IdP</a:t>
             </a:r>
             <a:r>
               <a:rPr lang="it-IT" sz="2800" dirty="0" smtClean="0">
@@ -10181,34 +10148,7 @@
                 </a:solidFill>
                 <a:cs typeface="Arial" charset="0"/>
               </a:rPr>
-              <a:t>diversi </a:t>
-            </a:r>
-            <a:r>
-              <a:rPr lang="it-IT" sz="2800" dirty="0" err="1" smtClean="0">
-                <a:solidFill>
-                  <a:srgbClr val="000000"/>
-                </a:solidFill>
-                <a:cs typeface="Arial" charset="0"/>
-              </a:rPr>
-              <a:t>IdP</a:t>
-            </a:r>
-            <a:r>
-              <a:rPr lang="it-IT" sz="2800" dirty="0" smtClean="0">
-                <a:solidFill>
-                  <a:srgbClr val="000000"/>
-                </a:solidFill>
-                <a:cs typeface="Arial" charset="0"/>
-              </a:rPr>
-              <a:t> </a:t>
-            </a:r>
-            <a:r>
-              <a:rPr lang="it-IT" sz="2800" dirty="0" smtClean="0">
-                <a:solidFill>
-                  <a:srgbClr val="000000"/>
-                </a:solidFill>
-                <a:cs typeface="Arial" charset="0"/>
-              </a:rPr>
-              <a:t>e SP)</a:t>
+              <a:t> e SP)</a:t>
             </a:r>
           </a:p>
           <a:p>
@@ -10253,25 +10193,7 @@
                 </a:solidFill>
                 <a:cs typeface="Arial" charset="0"/>
               </a:rPr>
-              <a:t>uniformità di tecnologie e </a:t>
-            </a:r>
-            <a:r>
-              <a:rPr lang="it-IT" sz="2800" dirty="0" smtClean="0">
-                <a:solidFill>
-                  <a:srgbClr val="000000"/>
-                </a:solidFill>
-                <a:cs typeface="Arial" charset="0"/>
-              </a:rPr>
-              <a:t>schemi di </a:t>
-            </a:r>
-            <a:r>
-              <a:rPr lang="it-IT" sz="2800" dirty="0" smtClean="0">
-                <a:solidFill>
-                  <a:srgbClr val="000000"/>
-                </a:solidFill>
-                <a:cs typeface="Arial" charset="0"/>
-              </a:rPr>
-              <a:t>utilizzo</a:t>
+              <a:t>uniformità di tecnologie e schemi di utilizzo</a:t>
             </a:r>
           </a:p>
         </p:txBody>
@@ -10509,16 +10431,7 @@
                           </a:solidFill>
                           <a:cs typeface="Arial" charset="0"/>
                         </a:rPr>
-                        <a:t>Estensione di IDEM </a:t>
-                      </a:r>
-                      <a:r>
-                        <a:rPr lang="it-IT" sz="3200" b="0" dirty="0" smtClean="0">
-                          <a:solidFill>
-                            <a:srgbClr val="000000"/>
-                          </a:solidFill>
-                          <a:cs typeface="Arial" charset="0"/>
-                        </a:rPr>
-                        <a:t>ad applicazioni non web-</a:t>
+                        <a:t>Estensione di IDEM ad applicazioni non web-</a:t>
                       </a:r>
                       <a:r>
                         <a:rPr lang="it-IT" sz="3200" b="0" dirty="0" err="1" smtClean="0">
@@ -10556,12 +10469,6 @@
                         </a:rPr>
                         <a:t>tramite browser web.</a:t>
                       </a:r>
-                      <a:endParaRPr lang="it-IT" sz="3200" b="0" dirty="0" smtClean="0">
-                        <a:solidFill>
-                          <a:srgbClr val="000000"/>
-                        </a:solidFill>
-                        <a:cs typeface="Arial" charset="0"/>
-                      </a:endParaRPr>
                     </a:p>
                   </a:txBody>
                   <a:tcPr anchor="ctr">
@@ -10995,43 +10902,7 @@
                 </a:solidFill>
                 <a:cs typeface="Arial" charset="0"/>
               </a:rPr>
-              <a:t>: grazie a queste </a:t>
-            </a:r>
-            <a:r>
-              <a:rPr lang="it-IT" sz="3200" dirty="0" smtClean="0">
-                <a:solidFill>
-                  <a:srgbClr val="000000"/>
-                </a:solidFill>
-                <a:cs typeface="Arial" charset="0"/>
-              </a:rPr>
-              <a:t>estensioni </a:t>
-            </a:r>
-            <a:r>
-              <a:rPr lang="it-IT" sz="3200" dirty="0" smtClean="0">
-                <a:solidFill>
-                  <a:srgbClr val="000000"/>
-                </a:solidFill>
-                <a:cs typeface="Arial" charset="0"/>
-              </a:rPr>
-              <a:t>la federazione IDEM è in grado di </a:t>
-            </a:r>
-            <a:r>
-              <a:rPr lang="it-IT" sz="3200" dirty="0" smtClean="0">
-                <a:solidFill>
-                  <a:srgbClr val="000000"/>
-                </a:solidFill>
-                <a:cs typeface="Arial" charset="0"/>
-              </a:rPr>
-              <a:t>raggiungere famiglie di applicazioni </a:t>
-            </a:r>
-            <a:r>
-              <a:rPr lang="it-IT" sz="3200" dirty="0" smtClean="0">
-                <a:solidFill>
-                  <a:srgbClr val="000000"/>
-                </a:solidFill>
-                <a:cs typeface="Arial" charset="0"/>
-              </a:rPr>
-              <a:t>attualmente escluse.</a:t>
+              <a:t>: grazie a queste estensioni la federazione IDEM è in grado di raggiungere famiglie di applicazioni attualmente escluse.</a:t>
             </a:r>
           </a:p>
           <a:p>
@@ -11127,7 +10998,16 @@
                 </a:solidFill>
                 <a:cs typeface="Arial" charset="0"/>
               </a:rPr>
-              <a:t>: il problema ci si è presentato </a:t>
+              <a:t>: il problema ci si è presentato quando per il progetto </a:t>
+            </a:r>
+            <a:r>
+              <a:rPr lang="it-IT" sz="3200" dirty="0" err="1" smtClean="0">
+                <a:solidFill>
+                  <a:srgbClr val="000000"/>
+                </a:solidFill>
+                <a:cs typeface="Arial" charset="0"/>
+              </a:rPr>
+              <a:t>GarrBox</a:t>
             </a:r>
             <a:r>
               <a:rPr lang="it-IT" sz="3200" dirty="0" smtClean="0">
@@ -11136,7 +11016,7 @@
                 </a:solidFill>
                 <a:cs typeface="Arial" charset="0"/>
               </a:rPr>
-              <a:t>quando per il progetto </a:t>
+              <a:t> abbiamo pensato come includere in </a:t>
             </a:r>
             <a:r>
               <a:rPr lang="it-IT" sz="3200" dirty="0" err="1" smtClean="0">
@@ -11145,7 +11025,7 @@
                 </a:solidFill>
                 <a:cs typeface="Arial" charset="0"/>
               </a:rPr>
-              <a:t>GarrBox</a:t>
+              <a:t>Shibboleth</a:t>
             </a:r>
             <a:r>
               <a:rPr lang="it-IT" sz="3200" dirty="0" smtClean="0">
@@ -11154,7 +11034,16 @@
                 </a:solidFill>
                 <a:cs typeface="Arial" charset="0"/>
               </a:rPr>
-              <a:t> abbiamo </a:t>
+              <a:t> interfacce a blocchi per i </a:t>
+            </a:r>
+            <a:r>
+              <a:rPr lang="it-IT" sz="3200" dirty="0" err="1" smtClean="0">
+                <a:solidFill>
+                  <a:srgbClr val="000000"/>
+                </a:solidFill>
+                <a:cs typeface="Arial" charset="0"/>
+              </a:rPr>
+              <a:t>filesystem</a:t>
             </a:r>
             <a:r>
               <a:rPr lang="it-IT" sz="3200" dirty="0" smtClean="0">
@@ -11163,79 +11052,7 @@
                 </a:solidFill>
                 <a:cs typeface="Arial" charset="0"/>
               </a:rPr>
-              <a:t>pensato come includere in </a:t>
-            </a:r>
-            <a:r>
-              <a:rPr lang="it-IT" sz="3200" dirty="0" err="1" smtClean="0">
-                <a:solidFill>
-                  <a:srgbClr val="000000"/>
-                </a:solidFill>
-                <a:cs typeface="Arial" charset="0"/>
-              </a:rPr>
-              <a:t>Shibboleth</a:t>
-            </a:r>
-            <a:r>
-              <a:rPr lang="it-IT" sz="3200" dirty="0" smtClean="0">
-                <a:solidFill>
-                  <a:srgbClr val="000000"/>
-                </a:solidFill>
-                <a:cs typeface="Arial" charset="0"/>
-              </a:rPr>
-              <a:t> </a:t>
-            </a:r>
-            <a:r>
-              <a:rPr lang="it-IT" sz="3200" dirty="0" smtClean="0">
-                <a:solidFill>
-                  <a:srgbClr val="000000"/>
-                </a:solidFill>
-                <a:cs typeface="Arial" charset="0"/>
-              </a:rPr>
-              <a:t>interfacce </a:t>
-            </a:r>
-            <a:r>
-              <a:rPr lang="it-IT" sz="3200" dirty="0" smtClean="0">
-                <a:solidFill>
-                  <a:srgbClr val="000000"/>
-                </a:solidFill>
-                <a:cs typeface="Arial" charset="0"/>
-              </a:rPr>
-              <a:t>a blocchi per i </a:t>
-            </a:r>
-            <a:r>
-              <a:rPr lang="it-IT" sz="3200" dirty="0" err="1" smtClean="0">
-                <a:solidFill>
-                  <a:srgbClr val="000000"/>
-                </a:solidFill>
-                <a:cs typeface="Arial" charset="0"/>
-              </a:rPr>
-              <a:t>filesystem</a:t>
-            </a:r>
-            <a:r>
-              <a:rPr lang="it-IT" sz="3200" dirty="0" smtClean="0">
-                <a:solidFill>
-                  <a:srgbClr val="000000"/>
-                </a:solidFill>
-                <a:cs typeface="Arial" charset="0"/>
-              </a:rPr>
-              <a:t> (</a:t>
-            </a:r>
-            <a:r>
-              <a:rPr lang="it-IT" sz="3200" dirty="0" smtClean="0">
-                <a:solidFill>
-                  <a:srgbClr val="000000"/>
-                </a:solidFill>
-                <a:cs typeface="Arial" charset="0"/>
-              </a:rPr>
-              <a:t>CIFS e </a:t>
-            </a:r>
-            <a:r>
-              <a:rPr lang="it-IT" sz="3200" dirty="0" smtClean="0">
-                <a:solidFill>
-                  <a:srgbClr val="000000"/>
-                </a:solidFill>
-                <a:cs typeface="Arial" charset="0"/>
-              </a:rPr>
-              <a:t>NFS), le quali non transitano da browser web.</a:t>
+              <a:t> (CIFS e NFS), le quali non transitano da browser web.</a:t>
             </a:r>
             <a:endParaRPr lang="en-US" sz="2800" dirty="0" smtClean="0">
               <a:solidFill>
@@ -11408,7 +11225,7 @@
           <a:graphicData uri="http://schemas.openxmlformats.org/presentationml/2006/ole">
             <mc:AlternateContent xmlns:mc="http://schemas.openxmlformats.org/markup-compatibility/2006">
               <mc:Choice xmlns:v="urn:schemas-microsoft-com:vml" Requires="v">
-                <p:oleObj spid="_x0000_s1032" name="Visio" r:id="rId4" imgW="5788679" imgH="4132634" progId="Visio.Drawing.11">
+                <p:oleObj spid="_x0000_s1033" name="Visio" r:id="rId4" imgW="5788679" imgH="4132634" progId="Visio.Drawing.11">
                   <p:embed/>
                 </p:oleObj>
               </mc:Choice>
@@ -11794,16 +11611,7 @@
                 </a:solidFill>
                 <a:cs typeface="Arial" charset="0"/>
               </a:rPr>
-              <a:t> </a:t>
-            </a:r>
-            <a:r>
-              <a:rPr lang="it-IT" sz="3200" dirty="0" smtClean="0">
-                <a:solidFill>
-                  <a:srgbClr val="000000"/>
-                </a:solidFill>
-                <a:cs typeface="Arial" charset="0"/>
-              </a:rPr>
-              <a:t>Login </a:t>
+              <a:t> Login </a:t>
             </a:r>
             <a:r>
               <a:rPr lang="it-IT" sz="3200" dirty="0" err="1" smtClean="0">
@@ -11917,16 +11725,7 @@
                 </a:solidFill>
                 <a:cs typeface="Arial" charset="0"/>
               </a:rPr>
-              <a:t>: </a:t>
-            </a:r>
-            <a:r>
-              <a:rPr lang="en-US" sz="3200" dirty="0" smtClean="0">
-                <a:solidFill>
-                  <a:srgbClr val="000000"/>
-                </a:solidFill>
-                <a:cs typeface="Arial" charset="0"/>
-              </a:rPr>
-              <a:t>d</a:t>
+              <a:t>: d</a:t>
             </a:r>
             <a:r>
               <a:rPr lang="it-IT" sz="3200" dirty="0" err="1" smtClean="0">
@@ -12202,23 +12001,8 @@
                 </a:solidFill>
                 <a:cs typeface="Arial" charset="0"/>
               </a:rPr>
-              <a:t>: grazie a queste estensione la federazione IDEM è in grado di raggiungere e includere applicazioni </a:t>
-            </a:r>
-            <a:r>
-              <a:rPr lang="it-IT" sz="3200" dirty="0" smtClean="0">
-                <a:solidFill>
-                  <a:srgbClr val="000000"/>
-                </a:solidFill>
-                <a:cs typeface="Arial" charset="0"/>
-              </a:rPr>
-              <a:t>che usano protocolli di autenticazione sofisticati.</a:t>
-            </a:r>
-            <a:endParaRPr lang="it-IT" sz="3200" dirty="0" smtClean="0">
-              <a:solidFill>
-                <a:srgbClr val="000000"/>
-              </a:solidFill>
-              <a:cs typeface="Arial" charset="0"/>
-            </a:endParaRPr>
+              <a:t>: grazie a queste estensione la federazione IDEM è in grado di raggiungere e includere applicazioni che usano protocolli di autenticazione sofisticati.</a:t>
+            </a:r>
           </a:p>
           <a:p>
             <a:pPr marL="319088" indent="-319088" hangingPunct="1">
@@ -12519,20 +12303,20 @@
           <p:nvPr>
             <p:extLst>
               <p:ext uri="{D42A27DB-BD31-4B8C-83A1-F6EECF244321}">
-                <p14:modId xmlns:p14="http://schemas.microsoft.com/office/powerpoint/2010/main" val="3680419785"/>
+                <p14:modId xmlns:p14="http://schemas.microsoft.com/office/powerpoint/2010/main" val="2964046188"/>
               </p:ext>
             </p:extLst>
           </p:nvPr>
         </p:nvGraphicFramePr>
         <p:xfrm>
-          <a:off x="849313" y="1036638"/>
+          <a:off x="849313" y="1036637"/>
           <a:ext cx="8458200" cy="6038850"/>
         </p:xfrm>
         <a:graphic>
           <a:graphicData uri="http://schemas.openxmlformats.org/presentationml/2006/ole">
             <mc:AlternateContent xmlns:mc="http://schemas.openxmlformats.org/markup-compatibility/2006">
               <mc:Choice xmlns:v="urn:schemas-microsoft-com:vml" Requires="v">
-                <p:oleObj spid="_x0000_s2055" name="Visio" r:id="rId4" imgW="5788679" imgH="4132634" progId="Visio.Drawing.11">
+                <p:oleObj spid="_x0000_s2056" name="Visio" r:id="rId4" imgW="5788679" imgH="4132634" progId="Visio.Drawing.11">
                   <p:embed/>
                 </p:oleObj>
               </mc:Choice>
@@ -12556,7 +12340,7 @@
                     </p:blipFill>
                     <p:spPr bwMode="auto">
                       <a:xfrm>
-                        <a:off x="849313" y="1036638"/>
+                        <a:off x="849313" y="1036637"/>
                         <a:ext cx="8458200" cy="6038850"/>
                       </a:xfrm>
                       <a:prstGeom prst="rect">
@@ -12896,7 +12680,16 @@
                 </a:solidFill>
                 <a:cs typeface="Arial" charset="0"/>
               </a:rPr>
-              <a:t> </a:t>
+              <a:t> e di un </a:t>
+            </a:r>
+            <a:r>
+              <a:rPr lang="it-IT" sz="3200" dirty="0" err="1" smtClean="0">
+                <a:solidFill>
+                  <a:srgbClr val="000000"/>
+                </a:solidFill>
+                <a:cs typeface="Arial" charset="0"/>
+              </a:rPr>
+              <a:t>DataConnector</a:t>
             </a:r>
             <a:r>
               <a:rPr lang="it-IT" sz="3200" dirty="0" smtClean="0">
@@ -12905,7 +12698,7 @@
                 </a:solidFill>
                 <a:cs typeface="Arial" charset="0"/>
               </a:rPr>
-              <a:t>e di un </a:t>
+              <a:t> e loro attivazione (tramite configurazione), </a:t>
             </a:r>
             <a:r>
               <a:rPr lang="it-IT" sz="3200" dirty="0" err="1" smtClean="0">
@@ -12914,7 +12707,7 @@
                 </a:solidFill>
                 <a:cs typeface="Arial" charset="0"/>
               </a:rPr>
-              <a:t>DataConnector</a:t>
+              <a:t>deploy</a:t>
             </a:r>
             <a:r>
               <a:rPr lang="it-IT" sz="3200" dirty="0" smtClean="0">
@@ -12923,7 +12716,16 @@
                 </a:solidFill>
                 <a:cs typeface="Arial" charset="0"/>
               </a:rPr>
-              <a:t> e </a:t>
+              <a:t> di una </a:t>
+            </a:r>
+            <a:r>
+              <a:rPr lang="it-IT" sz="3200" dirty="0" err="1" smtClean="0">
+                <a:solidFill>
+                  <a:srgbClr val="000000"/>
+                </a:solidFill>
+                <a:cs typeface="Arial" charset="0"/>
+              </a:rPr>
+              <a:t>servlet</a:t>
             </a:r>
             <a:r>
               <a:rPr lang="it-IT" sz="3200" dirty="0" smtClean="0">
@@ -12932,7 +12734,16 @@
                 </a:solidFill>
                 <a:cs typeface="Arial" charset="0"/>
               </a:rPr>
-              <a:t>loro attivazione (tramite configurazione</a:t>
+              <a:t> per l’invio via posta elettronica della Secret </a:t>
+            </a:r>
+            <a:r>
+              <a:rPr lang="it-IT" sz="3200" dirty="0" err="1" smtClean="0">
+                <a:solidFill>
+                  <a:srgbClr val="000000"/>
+                </a:solidFill>
+                <a:cs typeface="Arial" charset="0"/>
+              </a:rPr>
+              <a:t>Key</a:t>
             </a:r>
             <a:r>
               <a:rPr lang="it-IT" sz="3200" dirty="0" smtClean="0">
@@ -12941,68 +12752,8 @@
                 </a:solidFill>
                 <a:cs typeface="Arial" charset="0"/>
               </a:rPr>
-              <a:t>), </a:t>
-            </a:r>
-            <a:r>
-              <a:rPr lang="it-IT" sz="3200" dirty="0" err="1" smtClean="0">
-                <a:solidFill>
-                  <a:srgbClr val="000000"/>
-                </a:solidFill>
-                <a:cs typeface="Arial" charset="0"/>
-              </a:rPr>
-              <a:t>deploy</a:t>
-            </a:r>
-            <a:r>
-              <a:rPr lang="it-IT" sz="3200" dirty="0" smtClean="0">
-                <a:solidFill>
-                  <a:srgbClr val="000000"/>
-                </a:solidFill>
-                <a:cs typeface="Arial" charset="0"/>
-              </a:rPr>
-              <a:t> di una </a:t>
-            </a:r>
-            <a:r>
-              <a:rPr lang="it-IT" sz="3200" dirty="0" err="1" smtClean="0">
-                <a:solidFill>
-                  <a:srgbClr val="000000"/>
-                </a:solidFill>
-                <a:cs typeface="Arial" charset="0"/>
-              </a:rPr>
-              <a:t>servlet</a:t>
-            </a:r>
-            <a:r>
-              <a:rPr lang="it-IT" sz="3200" dirty="0" smtClean="0">
-                <a:solidFill>
-                  <a:srgbClr val="000000"/>
-                </a:solidFill>
-                <a:cs typeface="Arial" charset="0"/>
-              </a:rPr>
-              <a:t> per l’invio via posta elettronica della Secret </a:t>
-            </a:r>
-            <a:r>
-              <a:rPr lang="it-IT" sz="3200" dirty="0" err="1" smtClean="0">
-                <a:solidFill>
-                  <a:srgbClr val="000000"/>
-                </a:solidFill>
-                <a:cs typeface="Arial" charset="0"/>
-              </a:rPr>
-              <a:t>Key</a:t>
-            </a:r>
-            <a:r>
-              <a:rPr lang="it-IT" sz="3200" dirty="0" smtClean="0">
-                <a:solidFill>
-                  <a:srgbClr val="000000"/>
-                </a:solidFill>
-                <a:cs typeface="Arial" charset="0"/>
-              </a:rPr>
               <a:t> all’utente.</a:t>
             </a:r>
-            <a:endParaRPr lang="it-IT" sz="3200" dirty="0" smtClean="0">
-              <a:solidFill>
-                <a:srgbClr val="000000"/>
-              </a:solidFill>
-              <a:cs typeface="Arial" charset="0"/>
-            </a:endParaRPr>
           </a:p>
           <a:p>
             <a:pPr marL="319088" indent="-319088" hangingPunct="1">
@@ -13106,25 +12857,7 @@
                 </a:solidFill>
                 <a:cs typeface="Arial" charset="0"/>
               </a:rPr>
-              <a:t>modifiche solo a livello </a:t>
-            </a:r>
-            <a:r>
-              <a:rPr lang="it-IT" sz="3200" dirty="0" smtClean="0">
-                <a:solidFill>
-                  <a:srgbClr val="000000"/>
-                </a:solidFill>
-                <a:cs typeface="Arial" charset="0"/>
-              </a:rPr>
-              <a:t>dei file di configurazione </a:t>
-            </a:r>
-            <a:r>
-              <a:rPr lang="it-IT" sz="3200" dirty="0" smtClean="0">
-                <a:solidFill>
-                  <a:srgbClr val="000000"/>
-                </a:solidFill>
-                <a:cs typeface="Arial" charset="0"/>
-              </a:rPr>
-              <a:t>del </a:t>
+              <a:t>modifiche solo a livello dei file di configurazione del </a:t>
             </a:r>
             <a:r>
               <a:rPr lang="it-IT" sz="3200" dirty="0" err="1" smtClean="0">

--- a/documentation/ShibbolethExtensions.pptx
+++ b/documentation/ShibbolethExtensions.pptx
@@ -5,21 +5,23 @@
     <p:sldMasterId id="2147483648" r:id="rId1"/>
   </p:sldMasterIdLst>
   <p:notesMasterIdLst>
-    <p:notesMasterId r:id="rId14"/>
+    <p:notesMasterId r:id="rId16"/>
   </p:notesMasterIdLst>
   <p:sldIdLst>
     <p:sldId id="256" r:id="rId2"/>
     <p:sldId id="257" r:id="rId3"/>
     <p:sldId id="258" r:id="rId4"/>
     <p:sldId id="260" r:id="rId5"/>
-    <p:sldId id="262" r:id="rId6"/>
-    <p:sldId id="261" r:id="rId7"/>
-    <p:sldId id="263" r:id="rId8"/>
-    <p:sldId id="264" r:id="rId9"/>
-    <p:sldId id="265" r:id="rId10"/>
-    <p:sldId id="266" r:id="rId11"/>
-    <p:sldId id="267" r:id="rId12"/>
-    <p:sldId id="268" r:id="rId13"/>
+    <p:sldId id="269" r:id="rId6"/>
+    <p:sldId id="262" r:id="rId7"/>
+    <p:sldId id="261" r:id="rId8"/>
+    <p:sldId id="263" r:id="rId9"/>
+    <p:sldId id="264" r:id="rId10"/>
+    <p:sldId id="265" r:id="rId11"/>
+    <p:sldId id="266" r:id="rId12"/>
+    <p:sldId id="267" r:id="rId13"/>
+    <p:sldId id="270" r:id="rId14"/>
+    <p:sldId id="268" r:id="rId15"/>
   </p:sldIdLst>
   <p:sldSz cx="10080625" cy="7559675"/>
   <p:notesSz cx="7772400" cy="10058400"/>
@@ -2310,6 +2312,522 @@
                 </a:tabLst>
               </a:pPr>
               <a:t>12</a:t>
+            </a:fld>
+            <a:endParaRPr lang="en-US" sz="1200">
+              <a:solidFill>
+                <a:srgbClr val="000000"/>
+              </a:solidFill>
+              <a:cs typeface="Arial" charset="0"/>
+            </a:endParaRPr>
+          </a:p>
+        </p:txBody>
+      </p:sp>
+      <p:sp>
+        <p:nvSpPr>
+          <p:cNvPr id="20482" name="Rectangle 2"/>
+          <p:cNvSpPr txBox="1">
+            <a:spLocks noGrp="1" noRot="1" noChangeAspect="1" noChangeArrowheads="1"/>
+          </p:cNvSpPr>
+          <p:nvPr>
+            <p:ph type="sldImg"/>
+          </p:nvPr>
+        </p:nvSpPr>
+        <p:spPr bwMode="auto">
+          <a:xfrm>
+            <a:off x="1371600" y="754063"/>
+            <a:ext cx="5029200" cy="3771900"/>
+          </a:xfrm>
+          <a:prstGeom prst="rect">
+            <a:avLst/>
+          </a:prstGeom>
+          <a:solidFill>
+            <a:srgbClr val="FFFFFF"/>
+          </a:solidFill>
+          <a:ln>
+            <a:solidFill>
+              <a:srgbClr val="000000"/>
+            </a:solidFill>
+            <a:miter lim="800000"/>
+            <a:headEnd/>
+            <a:tailEnd/>
+          </a:ln>
+        </p:spPr>
+      </p:sp>
+      <p:sp>
+        <p:nvSpPr>
+          <p:cNvPr id="20483" name="Rectangle 3"/>
+          <p:cNvSpPr txBox="1">
+            <a:spLocks noGrp="1" noChangeArrowheads="1"/>
+          </p:cNvSpPr>
+          <p:nvPr>
+            <p:ph type="body" idx="1"/>
+          </p:nvPr>
+        </p:nvSpPr>
+        <p:spPr bwMode="auto">
+          <a:xfrm>
+            <a:off x="776288" y="4776788"/>
+            <a:ext cx="6218237" cy="4525962"/>
+          </a:xfrm>
+          <a:prstGeom prst="rect">
+            <a:avLst/>
+          </a:prstGeom>
+          <a:noFill/>
+          <a:ln>
+            <a:round/>
+            <a:headEnd/>
+            <a:tailEnd/>
+          </a:ln>
+        </p:spPr>
+        <p:txBody>
+          <a:bodyPr wrap="none" anchor="ctr"/>
+          <a:lstStyle/>
+          <a:p>
+            <a:pPr>
+              <a:spcBef>
+                <a:spcPts val="450"/>
+              </a:spcBef>
+              <a:buClrTx/>
+              <a:buFontTx/>
+              <a:buNone/>
+              <a:tabLst>
+                <a:tab pos="0" algn="l"/>
+                <a:tab pos="457200" algn="l"/>
+                <a:tab pos="914400" algn="l"/>
+                <a:tab pos="1371600" algn="l"/>
+                <a:tab pos="1828800" algn="l"/>
+                <a:tab pos="2286000" algn="l"/>
+                <a:tab pos="2743200" algn="l"/>
+                <a:tab pos="3200400" algn="l"/>
+                <a:tab pos="3657600" algn="l"/>
+                <a:tab pos="4114800" algn="l"/>
+                <a:tab pos="4572000" algn="l"/>
+                <a:tab pos="5029200" algn="l"/>
+                <a:tab pos="5486400" algn="l"/>
+                <a:tab pos="5943600" algn="l"/>
+                <a:tab pos="6400800" algn="l"/>
+                <a:tab pos="6858000" algn="l"/>
+                <a:tab pos="7315200" algn="l"/>
+                <a:tab pos="7772400" algn="l"/>
+                <a:tab pos="8229600" algn="l"/>
+                <a:tab pos="8686800" algn="l"/>
+                <a:tab pos="9144000" algn="l"/>
+              </a:tabLst>
+            </a:pPr>
+            <a:endParaRPr lang="en-US">
+              <a:cs typeface="DejaVu Sans" charset="0"/>
+            </a:endParaRPr>
+          </a:p>
+        </p:txBody>
+      </p:sp>
+    </p:spTree>
+  </p:cSld>
+  <p:clrMapOvr>
+    <a:masterClrMapping/>
+  </p:clrMapOvr>
+</p:notes>
+</file>
+
+<file path=ppt/notesSlides/notesSlide13.xml><?xml version="1.0" encoding="utf-8"?>
+<p:notes xmlns:a="http://schemas.openxmlformats.org/drawingml/2006/main" xmlns:r="http://schemas.openxmlformats.org/officeDocument/2006/relationships" xmlns:p="http://schemas.openxmlformats.org/presentationml/2006/main">
+  <p:cSld>
+    <p:bg>
+      <p:bgPr>
+        <a:solidFill>
+          <a:srgbClr val="FFFFFF"/>
+        </a:solidFill>
+        <a:effectLst/>
+      </p:bgPr>
+    </p:bg>
+    <p:spTree>
+      <p:nvGrpSpPr>
+        <p:cNvPr id="1" name=""/>
+        <p:cNvGrpSpPr/>
+        <p:nvPr/>
+      </p:nvGrpSpPr>
+      <p:grpSpPr>
+        <a:xfrm>
+          <a:off x="0" y="0"/>
+          <a:ext cx="0" cy="0"/>
+          <a:chOff x="0" y="0"/>
+          <a:chExt cx="0" cy="0"/>
+        </a:xfrm>
+      </p:grpSpPr>
+      <p:sp>
+        <p:nvSpPr>
+          <p:cNvPr id="8" name="Rectangle 27"/>
+          <p:cNvSpPr>
+            <a:spLocks noGrp="1" noChangeArrowheads="1"/>
+          </p:cNvSpPr>
+          <p:nvPr>
+            <p:ph type="sldNum"/>
+          </p:nvPr>
+        </p:nvSpPr>
+        <p:spPr>
+          <a:ln/>
+        </p:spPr>
+        <p:txBody>
+          <a:bodyPr/>
+          <a:lstStyle/>
+          <a:p>
+            <a:fld id="{587DCFEC-F287-4246-B9BC-6030521D2326}" type="slidenum">
+              <a:rPr lang="en-US"/>
+              <a:pPr/>
+              <a:t>13</a:t>
+            </a:fld>
+            <a:endParaRPr lang="en-US"/>
+          </a:p>
+        </p:txBody>
+      </p:sp>
+      <p:sp>
+        <p:nvSpPr>
+          <p:cNvPr id="20481" name="Text Box 1"/>
+          <p:cNvSpPr txBox="1">
+            <a:spLocks noChangeArrowheads="1"/>
+          </p:cNvSpPr>
+          <p:nvPr/>
+        </p:nvSpPr>
+        <p:spPr bwMode="auto">
+          <a:xfrm>
+            <a:off x="4402138" y="9553575"/>
+            <a:ext cx="3367087" cy="503238"/>
+          </a:xfrm>
+          <a:prstGeom prst="rect">
+            <a:avLst/>
+          </a:prstGeom>
+          <a:noFill/>
+          <a:ln w="9525">
+            <a:noFill/>
+            <a:round/>
+            <a:headEnd/>
+            <a:tailEnd/>
+          </a:ln>
+          <a:effectLst/>
+        </p:spPr>
+        <p:txBody>
+          <a:bodyPr lIns="90000" tIns="46800" rIns="90000" bIns="46800" anchor="b"/>
+          <a:lstStyle/>
+          <a:p>
+            <a:pPr algn="r" hangingPunct="1">
+              <a:buClrTx/>
+              <a:buFontTx/>
+              <a:buNone/>
+              <a:tabLst>
+                <a:tab pos="0" algn="l"/>
+                <a:tab pos="457200" algn="l"/>
+                <a:tab pos="914400" algn="l"/>
+                <a:tab pos="1371600" algn="l"/>
+                <a:tab pos="1828800" algn="l"/>
+                <a:tab pos="2286000" algn="l"/>
+                <a:tab pos="2743200" algn="l"/>
+                <a:tab pos="3200400" algn="l"/>
+                <a:tab pos="3657600" algn="l"/>
+                <a:tab pos="4114800" algn="l"/>
+                <a:tab pos="4572000" algn="l"/>
+                <a:tab pos="5029200" algn="l"/>
+                <a:tab pos="5486400" algn="l"/>
+                <a:tab pos="5943600" algn="l"/>
+                <a:tab pos="6400800" algn="l"/>
+                <a:tab pos="6858000" algn="l"/>
+                <a:tab pos="7315200" algn="l"/>
+                <a:tab pos="7772400" algn="l"/>
+                <a:tab pos="8229600" algn="l"/>
+                <a:tab pos="8686800" algn="l"/>
+                <a:tab pos="9144000" algn="l"/>
+              </a:tabLst>
+            </a:pPr>
+            <a:fld id="{425473C4-7C62-4C9C-B02A-408050B48F65}" type="slidenum">
+              <a:rPr lang="ar-SA" sz="1200">
+                <a:solidFill>
+                  <a:srgbClr val="000000"/>
+                </a:solidFill>
+              </a:rPr>
+              <a:pPr algn="r" hangingPunct="1">
+                <a:buClrTx/>
+                <a:buFontTx/>
+                <a:buNone/>
+                <a:tabLst>
+                  <a:tab pos="0" algn="l"/>
+                  <a:tab pos="457200" algn="l"/>
+                  <a:tab pos="914400" algn="l"/>
+                  <a:tab pos="1371600" algn="l"/>
+                  <a:tab pos="1828800" algn="l"/>
+                  <a:tab pos="2286000" algn="l"/>
+                  <a:tab pos="2743200" algn="l"/>
+                  <a:tab pos="3200400" algn="l"/>
+                  <a:tab pos="3657600" algn="l"/>
+                  <a:tab pos="4114800" algn="l"/>
+                  <a:tab pos="4572000" algn="l"/>
+                  <a:tab pos="5029200" algn="l"/>
+                  <a:tab pos="5486400" algn="l"/>
+                  <a:tab pos="5943600" algn="l"/>
+                  <a:tab pos="6400800" algn="l"/>
+                  <a:tab pos="6858000" algn="l"/>
+                  <a:tab pos="7315200" algn="l"/>
+                  <a:tab pos="7772400" algn="l"/>
+                  <a:tab pos="8229600" algn="l"/>
+                  <a:tab pos="8686800" algn="l"/>
+                  <a:tab pos="9144000" algn="l"/>
+                </a:tabLst>
+              </a:pPr>
+              <a:t>13</a:t>
+            </a:fld>
+            <a:endParaRPr lang="en-US" sz="1200">
+              <a:solidFill>
+                <a:srgbClr val="000000"/>
+              </a:solidFill>
+              <a:cs typeface="Arial" charset="0"/>
+            </a:endParaRPr>
+          </a:p>
+        </p:txBody>
+      </p:sp>
+      <p:sp>
+        <p:nvSpPr>
+          <p:cNvPr id="20482" name="Rectangle 2"/>
+          <p:cNvSpPr txBox="1">
+            <a:spLocks noGrp="1" noRot="1" noChangeAspect="1" noChangeArrowheads="1"/>
+          </p:cNvSpPr>
+          <p:nvPr>
+            <p:ph type="sldImg"/>
+          </p:nvPr>
+        </p:nvSpPr>
+        <p:spPr bwMode="auto">
+          <a:xfrm>
+            <a:off x="1371600" y="754063"/>
+            <a:ext cx="5029200" cy="3771900"/>
+          </a:xfrm>
+          <a:prstGeom prst="rect">
+            <a:avLst/>
+          </a:prstGeom>
+          <a:solidFill>
+            <a:srgbClr val="FFFFFF"/>
+          </a:solidFill>
+          <a:ln>
+            <a:solidFill>
+              <a:srgbClr val="000000"/>
+            </a:solidFill>
+            <a:miter lim="800000"/>
+            <a:headEnd/>
+            <a:tailEnd/>
+          </a:ln>
+        </p:spPr>
+      </p:sp>
+      <p:sp>
+        <p:nvSpPr>
+          <p:cNvPr id="20483" name="Rectangle 3"/>
+          <p:cNvSpPr txBox="1">
+            <a:spLocks noGrp="1" noChangeArrowheads="1"/>
+          </p:cNvSpPr>
+          <p:nvPr>
+            <p:ph type="body" idx="1"/>
+          </p:nvPr>
+        </p:nvSpPr>
+        <p:spPr bwMode="auto">
+          <a:xfrm>
+            <a:off x="776288" y="4776788"/>
+            <a:ext cx="6218237" cy="4525962"/>
+          </a:xfrm>
+          <a:prstGeom prst="rect">
+            <a:avLst/>
+          </a:prstGeom>
+          <a:noFill/>
+          <a:ln>
+            <a:round/>
+            <a:headEnd/>
+            <a:tailEnd/>
+          </a:ln>
+        </p:spPr>
+        <p:txBody>
+          <a:bodyPr wrap="none" anchor="ctr"/>
+          <a:lstStyle/>
+          <a:p>
+            <a:pPr>
+              <a:spcBef>
+                <a:spcPts val="450"/>
+              </a:spcBef>
+              <a:buClrTx/>
+              <a:buFontTx/>
+              <a:buNone/>
+              <a:tabLst>
+                <a:tab pos="0" algn="l"/>
+                <a:tab pos="457200" algn="l"/>
+                <a:tab pos="914400" algn="l"/>
+                <a:tab pos="1371600" algn="l"/>
+                <a:tab pos="1828800" algn="l"/>
+                <a:tab pos="2286000" algn="l"/>
+                <a:tab pos="2743200" algn="l"/>
+                <a:tab pos="3200400" algn="l"/>
+                <a:tab pos="3657600" algn="l"/>
+                <a:tab pos="4114800" algn="l"/>
+                <a:tab pos="4572000" algn="l"/>
+                <a:tab pos="5029200" algn="l"/>
+                <a:tab pos="5486400" algn="l"/>
+                <a:tab pos="5943600" algn="l"/>
+                <a:tab pos="6400800" algn="l"/>
+                <a:tab pos="6858000" algn="l"/>
+                <a:tab pos="7315200" algn="l"/>
+                <a:tab pos="7772400" algn="l"/>
+                <a:tab pos="8229600" algn="l"/>
+                <a:tab pos="8686800" algn="l"/>
+                <a:tab pos="9144000" algn="l"/>
+              </a:tabLst>
+            </a:pPr>
+            <a:endParaRPr lang="en-US">
+              <a:cs typeface="DejaVu Sans" charset="0"/>
+            </a:endParaRPr>
+          </a:p>
+        </p:txBody>
+      </p:sp>
+    </p:spTree>
+  </p:cSld>
+  <p:clrMapOvr>
+    <a:masterClrMapping/>
+  </p:clrMapOvr>
+</p:notes>
+</file>
+
+<file path=ppt/notesSlides/notesSlide14.xml><?xml version="1.0" encoding="utf-8"?>
+<p:notes xmlns:a="http://schemas.openxmlformats.org/drawingml/2006/main" xmlns:r="http://schemas.openxmlformats.org/officeDocument/2006/relationships" xmlns:p="http://schemas.openxmlformats.org/presentationml/2006/main">
+  <p:cSld>
+    <p:bg>
+      <p:bgPr>
+        <a:solidFill>
+          <a:srgbClr val="FFFFFF"/>
+        </a:solidFill>
+        <a:effectLst/>
+      </p:bgPr>
+    </p:bg>
+    <p:spTree>
+      <p:nvGrpSpPr>
+        <p:cNvPr id="1" name=""/>
+        <p:cNvGrpSpPr/>
+        <p:nvPr/>
+      </p:nvGrpSpPr>
+      <p:grpSpPr>
+        <a:xfrm>
+          <a:off x="0" y="0"/>
+          <a:ext cx="0" cy="0"/>
+          <a:chOff x="0" y="0"/>
+          <a:chExt cx="0" cy="0"/>
+        </a:xfrm>
+      </p:grpSpPr>
+      <p:sp>
+        <p:nvSpPr>
+          <p:cNvPr id="8" name="Rectangle 27"/>
+          <p:cNvSpPr>
+            <a:spLocks noGrp="1" noChangeArrowheads="1"/>
+          </p:cNvSpPr>
+          <p:nvPr>
+            <p:ph type="sldNum"/>
+          </p:nvPr>
+        </p:nvSpPr>
+        <p:spPr>
+          <a:ln/>
+        </p:spPr>
+        <p:txBody>
+          <a:bodyPr/>
+          <a:lstStyle/>
+          <a:p>
+            <a:fld id="{587DCFEC-F287-4246-B9BC-6030521D2326}" type="slidenum">
+              <a:rPr lang="en-US"/>
+              <a:pPr/>
+              <a:t>14</a:t>
+            </a:fld>
+            <a:endParaRPr lang="en-US"/>
+          </a:p>
+        </p:txBody>
+      </p:sp>
+      <p:sp>
+        <p:nvSpPr>
+          <p:cNvPr id="20481" name="Text Box 1"/>
+          <p:cNvSpPr txBox="1">
+            <a:spLocks noChangeArrowheads="1"/>
+          </p:cNvSpPr>
+          <p:nvPr/>
+        </p:nvSpPr>
+        <p:spPr bwMode="auto">
+          <a:xfrm>
+            <a:off x="4402138" y="9553575"/>
+            <a:ext cx="3367087" cy="503238"/>
+          </a:xfrm>
+          <a:prstGeom prst="rect">
+            <a:avLst/>
+          </a:prstGeom>
+          <a:noFill/>
+          <a:ln w="9525">
+            <a:noFill/>
+            <a:round/>
+            <a:headEnd/>
+            <a:tailEnd/>
+          </a:ln>
+          <a:effectLst/>
+        </p:spPr>
+        <p:txBody>
+          <a:bodyPr lIns="90000" tIns="46800" rIns="90000" bIns="46800" anchor="b"/>
+          <a:lstStyle/>
+          <a:p>
+            <a:pPr algn="r" hangingPunct="1">
+              <a:buClrTx/>
+              <a:buFontTx/>
+              <a:buNone/>
+              <a:tabLst>
+                <a:tab pos="0" algn="l"/>
+                <a:tab pos="457200" algn="l"/>
+                <a:tab pos="914400" algn="l"/>
+                <a:tab pos="1371600" algn="l"/>
+                <a:tab pos="1828800" algn="l"/>
+                <a:tab pos="2286000" algn="l"/>
+                <a:tab pos="2743200" algn="l"/>
+                <a:tab pos="3200400" algn="l"/>
+                <a:tab pos="3657600" algn="l"/>
+                <a:tab pos="4114800" algn="l"/>
+                <a:tab pos="4572000" algn="l"/>
+                <a:tab pos="5029200" algn="l"/>
+                <a:tab pos="5486400" algn="l"/>
+                <a:tab pos="5943600" algn="l"/>
+                <a:tab pos="6400800" algn="l"/>
+                <a:tab pos="6858000" algn="l"/>
+                <a:tab pos="7315200" algn="l"/>
+                <a:tab pos="7772400" algn="l"/>
+                <a:tab pos="8229600" algn="l"/>
+                <a:tab pos="8686800" algn="l"/>
+                <a:tab pos="9144000" algn="l"/>
+              </a:tabLst>
+            </a:pPr>
+            <a:fld id="{425473C4-7C62-4C9C-B02A-408050B48F65}" type="slidenum">
+              <a:rPr lang="ar-SA" sz="1200">
+                <a:solidFill>
+                  <a:srgbClr val="000000"/>
+                </a:solidFill>
+              </a:rPr>
+              <a:pPr algn="r" hangingPunct="1">
+                <a:buClrTx/>
+                <a:buFontTx/>
+                <a:buNone/>
+                <a:tabLst>
+                  <a:tab pos="0" algn="l"/>
+                  <a:tab pos="457200" algn="l"/>
+                  <a:tab pos="914400" algn="l"/>
+                  <a:tab pos="1371600" algn="l"/>
+                  <a:tab pos="1828800" algn="l"/>
+                  <a:tab pos="2286000" algn="l"/>
+                  <a:tab pos="2743200" algn="l"/>
+                  <a:tab pos="3200400" algn="l"/>
+                  <a:tab pos="3657600" algn="l"/>
+                  <a:tab pos="4114800" algn="l"/>
+                  <a:tab pos="4572000" algn="l"/>
+                  <a:tab pos="5029200" algn="l"/>
+                  <a:tab pos="5486400" algn="l"/>
+                  <a:tab pos="5943600" algn="l"/>
+                  <a:tab pos="6400800" algn="l"/>
+                  <a:tab pos="6858000" algn="l"/>
+                  <a:tab pos="7315200" algn="l"/>
+                  <a:tab pos="7772400" algn="l"/>
+                  <a:tab pos="8229600" algn="l"/>
+                  <a:tab pos="8686800" algn="l"/>
+                  <a:tab pos="9144000" algn="l"/>
+                </a:tabLst>
+              </a:pPr>
+              <a:t>14</a:t>
             </a:fld>
             <a:endParaRPr lang="en-US" sz="1200">
               <a:solidFill>
@@ -8007,7 +8525,7 @@
         <p:spPr bwMode="auto">
           <a:xfrm>
             <a:off x="1828800" y="5029200"/>
-            <a:ext cx="5029200" cy="771623"/>
+            <a:ext cx="6411912" cy="771623"/>
           </a:xfrm>
           <a:prstGeom prst="rect">
             <a:avLst/>
@@ -8022,7 +8540,7 @@
           <a:effectLst/>
         </p:spPr>
         <p:txBody>
-          <a:bodyPr lIns="90000" tIns="46800" rIns="90000" bIns="46800">
+          <a:bodyPr wrap="square" lIns="90000" tIns="46800" rIns="90000" bIns="46800">
             <a:spAutoFit/>
           </a:bodyPr>
           <a:lstStyle/>
@@ -8209,7 +8727,52 @@
                 <a:latin typeface="Times New Roman" pitchFamily="16" charset="0"/>
                 <a:cs typeface="DejaVu Sans" charset="0"/>
               </a:rPr>
-              <a:t> (GARR) </a:t>
+              <a:t>, Simon </a:t>
+            </a:r>
+            <a:r>
+              <a:rPr lang="en-US" sz="2200" b="1" dirty="0" err="1" smtClean="0">
+                <a:solidFill>
+                  <a:srgbClr val="000000"/>
+                </a:solidFill>
+                <a:effectLst>
+                  <a:outerShdw blurRad="38100" dist="38100" dir="2700000" algn="tl">
+                    <a:srgbClr val="C0C0C0"/>
+                  </a:outerShdw>
+                </a:effectLst>
+                <a:latin typeface="Times New Roman" pitchFamily="16" charset="0"/>
+                <a:cs typeface="DejaVu Sans" charset="0"/>
+              </a:rPr>
+              <a:t>Vocella</a:t>
+            </a:r>
+            <a:r>
+              <a:rPr lang="en-US" sz="2200" b="1" dirty="0" smtClean="0">
+                <a:solidFill>
+                  <a:srgbClr val="000000"/>
+                </a:solidFill>
+                <a:effectLst>
+                  <a:outerShdw blurRad="38100" dist="38100" dir="2700000" algn="tl">
+                    <a:srgbClr val="C0C0C0"/>
+                  </a:outerShdw>
+                </a:effectLst>
+                <a:latin typeface="Times New Roman" pitchFamily="16" charset="0"/>
+                <a:cs typeface="DejaVu Sans" charset="0"/>
+              </a:rPr>
+              <a:t> </a:t>
+            </a:r>
+            <a:r>
+              <a:rPr lang="en-US" sz="2200" b="1" dirty="0" smtClean="0">
+                <a:solidFill>
+                  <a:srgbClr val="000000"/>
+                </a:solidFill>
+                <a:effectLst>
+                  <a:outerShdw blurRad="38100" dist="38100" dir="2700000" algn="tl">
+                    <a:srgbClr val="C0C0C0"/>
+                  </a:outerShdw>
+                </a:effectLst>
+                <a:latin typeface="Times New Roman" pitchFamily="16" charset="0"/>
+                <a:cs typeface="DejaVu Sans" charset="0"/>
+              </a:rPr>
+              <a:t>(GARR) </a:t>
             </a:r>
             <a:endParaRPr lang="en-US" sz="2200" b="1" dirty="0">
               <a:solidFill>
@@ -8344,59 +8907,39 @@
                 <a:ea typeface="Arial Unicode MS" charset="0"/>
                 <a:cs typeface="Arial Unicode MS" charset="0"/>
               </a:rPr>
-              <a:t>① </a:t>
-            </a:r>
-            <a:r>
-              <a:rPr lang="en-US" sz="4400" dirty="0" smtClean="0">
+              <a:t>③</a:t>
+            </a:r>
+            <a:r>
+              <a:rPr lang="en-US" sz="4400" b="1" dirty="0" smtClean="0">
                 <a:solidFill>
                   <a:srgbClr val="000080"/>
                 </a:solidFill>
                 <a:ea typeface="Arial Unicode MS" charset="0"/>
                 <a:cs typeface="Arial Unicode MS" charset="0"/>
               </a:rPr>
-              <a:t>+ </a:t>
-            </a:r>
-            <a:r>
-              <a:rPr lang="it-IT" sz="4400" b="1" dirty="0" smtClean="0">
+              <a:t> </a:t>
+            </a:r>
+            <a:r>
+              <a:rPr lang="it-IT" sz="4400" dirty="0" smtClean="0">
                 <a:solidFill>
                   <a:srgbClr val="000080"/>
                 </a:solidFill>
                 <a:ea typeface="Arial Unicode MS" charset="0"/>
                 <a:cs typeface="Arial Unicode MS" charset="0"/>
               </a:rPr>
-              <a:t>②</a:t>
-            </a:r>
-            <a:r>
-              <a:rPr lang="en-US" sz="4400" dirty="0" smtClean="0">
+              <a:t>Modifiche </a:t>
+            </a:r>
+            <a:r>
+              <a:rPr lang="it-IT" sz="4400" dirty="0" smtClean="0">
                 <a:solidFill>
                   <a:srgbClr val="000080"/>
                 </a:solidFill>
                 <a:ea typeface="Arial Unicode MS" charset="0"/>
                 <a:cs typeface="Arial Unicode MS" charset="0"/>
               </a:rPr>
-              <a:t> </a:t>
-            </a:r>
-            <a:r>
-              <a:rPr lang="en-US" sz="4400" dirty="0" err="1" smtClean="0">
-                <a:solidFill>
-                  <a:srgbClr val="000080"/>
-                </a:solidFill>
-                <a:ea typeface="Arial Unicode MS" charset="0"/>
-                <a:cs typeface="Arial Unicode MS" charset="0"/>
-              </a:rPr>
-              <a:t>Benefici</a:t>
-            </a:r>
-            <a:r>
-              <a:rPr lang="en-US" sz="4400" dirty="0" smtClean="0">
-                <a:solidFill>
-                  <a:srgbClr val="000080"/>
-                </a:solidFill>
-                <a:ea typeface="Arial Unicode MS" charset="0"/>
-                <a:cs typeface="Arial Unicode MS" charset="0"/>
-              </a:rPr>
-              <a:t> per IDEM</a:t>
-            </a:r>
-            <a:endParaRPr lang="en-US" sz="4400" dirty="0">
+              <a:t>apportate</a:t>
+            </a:r>
+            <a:endParaRPr lang="it-IT" sz="4400" dirty="0">
               <a:solidFill>
                 <a:srgbClr val="000080"/>
               </a:solidFill>
@@ -8470,61 +9013,67 @@
               </a:tabLst>
             </a:pPr>
             <a:r>
+              <a:rPr lang="it-IT" sz="3200" b="1" dirty="0" err="1" smtClean="0">
+                <a:solidFill>
+                  <a:srgbClr val="000000"/>
+                </a:solidFill>
+                <a:cs typeface="Arial" charset="0"/>
+              </a:rPr>
+              <a:t>IdP</a:t>
+            </a:r>
+            <a:r>
               <a:rPr lang="it-IT" sz="3200" dirty="0" smtClean="0">
                 <a:solidFill>
                   <a:srgbClr val="000000"/>
                 </a:solidFill>
                 <a:cs typeface="Arial" charset="0"/>
               </a:rPr>
-              <a:t>Le estensioni </a:t>
-            </a:r>
-            <a:r>
-              <a:rPr lang="it-IT" sz="3200" b="1" dirty="0" smtClean="0">
-                <a:solidFill>
-                  <a:schemeClr val="tx1"/>
-                </a:solidFill>
-                <a:ea typeface="Arial Unicode MS" charset="0"/>
-                <a:cs typeface="Arial Unicode MS" charset="0"/>
-              </a:rPr>
-              <a:t>① </a:t>
+              <a:t>: </a:t>
+            </a:r>
+            <a:r>
+              <a:rPr lang="it-IT" sz="3200" dirty="0" err="1" smtClean="0">
+                <a:solidFill>
+                  <a:srgbClr val="000000"/>
+                </a:solidFill>
+                <a:cs typeface="Arial" charset="0"/>
+              </a:rPr>
+              <a:t>deploy</a:t>
             </a:r>
             <a:r>
               <a:rPr lang="it-IT" sz="3200" dirty="0" smtClean="0">
                 <a:solidFill>
-                  <a:schemeClr val="tx1"/>
+                  <a:srgbClr val="000000"/>
                 </a:solidFill>
                 <a:cs typeface="Arial" charset="0"/>
               </a:rPr>
-              <a:t>+</a:t>
-            </a:r>
-            <a:r>
-              <a:rPr lang="en-US" sz="3200" dirty="0" smtClean="0">
-                <a:solidFill>
-                  <a:schemeClr val="tx1"/>
-                </a:solidFill>
-                <a:ea typeface="Arial Unicode MS" charset="0"/>
-                <a:cs typeface="Arial Unicode MS" charset="0"/>
-              </a:rPr>
-              <a:t> </a:t>
-            </a:r>
-            <a:r>
-              <a:rPr lang="it-IT" sz="3200" b="1" dirty="0" smtClean="0">
-                <a:solidFill>
-                  <a:schemeClr val="tx1"/>
-                </a:solidFill>
-                <a:ea typeface="Arial Unicode MS" charset="0"/>
-                <a:cs typeface="Arial Unicode MS" charset="0"/>
-              </a:rPr>
-              <a:t>②</a:t>
+              <a:t> di un </a:t>
+            </a:r>
+            <a:r>
+              <a:rPr lang="it-IT" sz="3200" dirty="0" err="1" smtClean="0">
+                <a:solidFill>
+                  <a:srgbClr val="000000"/>
+                </a:solidFill>
+                <a:cs typeface="Arial" charset="0"/>
+              </a:rPr>
+              <a:t>LoginHandler</a:t>
             </a:r>
             <a:r>
               <a:rPr lang="it-IT" sz="3200" dirty="0" smtClean="0">
                 <a:solidFill>
-                  <a:schemeClr val="tx1"/>
+                  <a:srgbClr val="000000"/>
                 </a:solidFill>
                 <a:cs typeface="Arial" charset="0"/>
               </a:rPr>
-              <a:t> p</a:t>
+              <a:t> e di un </a:t>
+            </a:r>
+            <a:r>
+              <a:rPr lang="it-IT" sz="3200" dirty="0" err="1" smtClean="0">
+                <a:solidFill>
+                  <a:srgbClr val="000000"/>
+                </a:solidFill>
+                <a:cs typeface="Arial" charset="0"/>
+              </a:rPr>
+              <a:t>DataConnector</a:t>
             </a:r>
             <a:r>
               <a:rPr lang="it-IT" sz="3200" dirty="0" smtClean="0">
@@ -8533,7 +9082,61 @@
                 </a:solidFill>
                 <a:cs typeface="Arial" charset="0"/>
               </a:rPr>
-              <a:t>ermettono ad IDEM di allargarsi includendo nuove applicazioni.</a:t>
+              <a:t> e loro attivazione (tramite configurazione), </a:t>
+            </a:r>
+            <a:r>
+              <a:rPr lang="it-IT" sz="3200" dirty="0" err="1" smtClean="0">
+                <a:solidFill>
+                  <a:srgbClr val="000000"/>
+                </a:solidFill>
+                <a:cs typeface="Arial" charset="0"/>
+              </a:rPr>
+              <a:t>deploy</a:t>
+            </a:r>
+            <a:r>
+              <a:rPr lang="it-IT" sz="3200" dirty="0" smtClean="0">
+                <a:solidFill>
+                  <a:srgbClr val="000000"/>
+                </a:solidFill>
+                <a:cs typeface="Arial" charset="0"/>
+              </a:rPr>
+              <a:t> di una </a:t>
+            </a:r>
+            <a:r>
+              <a:rPr lang="it-IT" sz="3200" dirty="0" err="1" smtClean="0">
+                <a:solidFill>
+                  <a:srgbClr val="000000"/>
+                </a:solidFill>
+                <a:cs typeface="Arial" charset="0"/>
+              </a:rPr>
+              <a:t>servlet</a:t>
+            </a:r>
+            <a:r>
+              <a:rPr lang="it-IT" sz="3200" dirty="0" smtClean="0">
+                <a:solidFill>
+                  <a:srgbClr val="000000"/>
+                </a:solidFill>
+                <a:cs typeface="Arial" charset="0"/>
+              </a:rPr>
+              <a:t> per l’invio via posta elettronica della Secret </a:t>
+            </a:r>
+            <a:r>
+              <a:rPr lang="it-IT" sz="3200" dirty="0" err="1" smtClean="0">
+                <a:solidFill>
+                  <a:srgbClr val="000000"/>
+                </a:solidFill>
+                <a:cs typeface="Arial" charset="0"/>
+              </a:rPr>
+              <a:t>Key</a:t>
+            </a:r>
+            <a:r>
+              <a:rPr lang="it-IT" sz="3200" dirty="0" smtClean="0">
+                <a:solidFill>
+                  <a:srgbClr val="000000"/>
+                </a:solidFill>
+                <a:cs typeface="Arial" charset="0"/>
+              </a:rPr>
+              <a:t> all’utente.</a:t>
             </a:r>
           </a:p>
           <a:p>
@@ -8571,7 +9174,7 @@
                 <a:tab pos="9463088" algn="l"/>
               </a:tabLst>
             </a:pPr>
-            <a:endParaRPr lang="it-IT" sz="3200" b="1" dirty="0" smtClean="0">
+            <a:endParaRPr lang="it-IT" sz="3200" dirty="0" smtClean="0">
               <a:solidFill>
                 <a:srgbClr val="000000"/>
               </a:solidFill>
@@ -8579,7 +9182,7 @@
             </a:endParaRPr>
           </a:p>
           <a:p>
-            <a:pPr marL="319088" indent="-319088" hangingPunct="1">
+            <a:pPr marL="319088" lvl="1" indent="-319088" hangingPunct="1">
               <a:spcBef>
                 <a:spcPts val="800"/>
               </a:spcBef>
@@ -8614,13 +9217,58 @@
               </a:tabLst>
             </a:pPr>
             <a:r>
+              <a:rPr lang="en-US" sz="3200" b="1" dirty="0" smtClean="0">
+                <a:solidFill>
+                  <a:srgbClr val="000000"/>
+                </a:solidFill>
+                <a:cs typeface="Arial" charset="0"/>
+              </a:rPr>
+              <a:t>SP</a:t>
+            </a:r>
+            <a:r>
+              <a:rPr lang="en-US" sz="3200" dirty="0" smtClean="0">
+                <a:solidFill>
+                  <a:srgbClr val="000000"/>
+                </a:solidFill>
+                <a:cs typeface="Arial" charset="0"/>
+              </a:rPr>
+              <a:t>: </a:t>
+            </a:r>
+            <a:r>
               <a:rPr lang="it-IT" sz="3200" dirty="0" smtClean="0">
                 <a:solidFill>
                   <a:srgbClr val="000000"/>
                 </a:solidFill>
                 <a:cs typeface="Arial" charset="0"/>
               </a:rPr>
-              <a:t>Le estensioni mantengono inalterati i concetti di uniformità e distribuzione che garantiscono la dimensione di comunità di IDEM.</a:t>
+              <a:t>modifiche solo a livello dei file di configurazione del </a:t>
+            </a:r>
+            <a:r>
+              <a:rPr lang="it-IT" sz="3200" dirty="0" err="1" smtClean="0">
+                <a:solidFill>
+                  <a:srgbClr val="000000"/>
+                </a:solidFill>
+                <a:cs typeface="Arial" charset="0"/>
+              </a:rPr>
+              <a:t>Shibboleth</a:t>
+            </a:r>
+            <a:r>
+              <a:rPr lang="it-IT" sz="3200" dirty="0" smtClean="0">
+                <a:solidFill>
+                  <a:srgbClr val="000000"/>
+                </a:solidFill>
+                <a:cs typeface="Arial" charset="0"/>
+              </a:rPr>
+              <a:t> SP</a:t>
+            </a:r>
+            <a:r>
+              <a:rPr lang="en-US" sz="3200" dirty="0" smtClean="0">
+                <a:solidFill>
+                  <a:srgbClr val="000000"/>
+                </a:solidFill>
+                <a:cs typeface="Arial" charset="0"/>
+              </a:rPr>
+              <a:t>.</a:t>
             </a:r>
             <a:endParaRPr lang="en-US" sz="2800" dirty="0" smtClean="0">
               <a:solidFill>
@@ -8749,17 +9397,17 @@
                 <a:ea typeface="Arial Unicode MS" charset="0"/>
                 <a:cs typeface="Arial Unicode MS" charset="0"/>
               </a:rPr>
-              <a:t>①</a:t>
-            </a:r>
-            <a:r>
-              <a:rPr lang="en-US" sz="4400" b="1" dirty="0" smtClean="0">
+              <a:t>① </a:t>
+            </a:r>
+            <a:r>
+              <a:rPr lang="it-IT" sz="3000" dirty="0" smtClean="0">
                 <a:solidFill>
                   <a:srgbClr val="000080"/>
                 </a:solidFill>
                 <a:ea typeface="Arial Unicode MS" charset="0"/>
                 <a:cs typeface="Arial Unicode MS" charset="0"/>
               </a:rPr>
-              <a:t> </a:t>
+              <a:t>+</a:t>
             </a:r>
             <a:r>
               <a:rPr lang="en-US" sz="4400" dirty="0" smtClean="0">
@@ -8769,7 +9417,7 @@
                 <a:ea typeface="Arial Unicode MS" charset="0"/>
                 <a:cs typeface="Arial Unicode MS" charset="0"/>
               </a:rPr>
-              <a:t>+ </a:t>
+              <a:t> </a:t>
             </a:r>
             <a:r>
               <a:rPr lang="it-IT" sz="4400" b="1" dirty="0" smtClean="0">
@@ -8782,44 +9430,64 @@
               <a:t>②</a:t>
             </a:r>
             <a:r>
-              <a:rPr lang="en-US" sz="4400" dirty="0" smtClean="0">
+              <a:rPr lang="it-IT" sz="3000" dirty="0">
                 <a:solidFill>
                   <a:srgbClr val="000080"/>
                 </a:solidFill>
                 <a:ea typeface="Arial Unicode MS" charset="0"/>
                 <a:cs typeface="Arial Unicode MS" charset="0"/>
               </a:rPr>
-              <a:t> </a:t>
-            </a:r>
-            <a:r>
-              <a:rPr lang="en-US" sz="4400" dirty="0" err="1" smtClean="0">
+              <a:t> +</a:t>
+            </a:r>
+            <a:r>
+              <a:rPr lang="en-US" sz="3000" dirty="0">
                 <a:solidFill>
                   <a:srgbClr val="000080"/>
                 </a:solidFill>
                 <a:ea typeface="Arial Unicode MS" charset="0"/>
                 <a:cs typeface="Arial Unicode MS" charset="0"/>
               </a:rPr>
-              <a:t>Problemi</a:t>
-            </a:r>
-            <a:r>
-              <a:rPr lang="en-US" sz="4400" dirty="0" smtClean="0">
+              <a:t> </a:t>
+            </a:r>
+            <a:r>
+              <a:rPr lang="it-IT" sz="4400" b="1" dirty="0" smtClean="0">
                 <a:solidFill>
                   <a:srgbClr val="000080"/>
                 </a:solidFill>
                 <a:ea typeface="Arial Unicode MS" charset="0"/>
                 <a:cs typeface="Arial Unicode MS" charset="0"/>
               </a:rPr>
-              <a:t> </a:t>
-            </a:r>
-            <a:r>
-              <a:rPr lang="en-US" sz="4400" dirty="0" err="1" smtClean="0">
+              <a:t>③</a:t>
+            </a:r>
+            <a:r>
+              <a:rPr lang="en-US" sz="4400" dirty="0" smtClean="0">
                 <a:solidFill>
                   <a:srgbClr val="000080"/>
                 </a:solidFill>
                 <a:ea typeface="Arial Unicode MS" charset="0"/>
                 <a:cs typeface="Arial Unicode MS" charset="0"/>
               </a:rPr>
-              <a:t>aperti</a:t>
+              <a:t> </a:t>
+            </a:r>
+            <a:r>
+              <a:rPr lang="en-US" sz="4400" dirty="0" err="1" smtClean="0">
+                <a:solidFill>
+                  <a:srgbClr val="000080"/>
+                </a:solidFill>
+                <a:ea typeface="Arial Unicode MS" charset="0"/>
+                <a:cs typeface="Arial Unicode MS" charset="0"/>
+              </a:rPr>
+              <a:t>Benefici</a:t>
+            </a:r>
+            <a:r>
+              <a:rPr lang="en-US" sz="4400" dirty="0" smtClean="0">
+                <a:solidFill>
+                  <a:srgbClr val="000080"/>
+                </a:solidFill>
+                <a:ea typeface="Arial Unicode MS" charset="0"/>
+                <a:cs typeface="Arial Unicode MS" charset="0"/>
+              </a:rPr>
+              <a:t> per IDEM</a:t>
             </a:r>
             <a:endParaRPr lang="en-US" sz="4400" dirty="0">
               <a:solidFill>
@@ -8901,10 +9569,10 @@
                 </a:solidFill>
                 <a:cs typeface="Arial" charset="0"/>
               </a:rPr>
-              <a:t>Attualmente le estensioni </a:t>
-            </a:r>
-            <a:r>
-              <a:rPr lang="it-IT" sz="3200" b="1" dirty="0">
+              <a:t>Le estensioni </a:t>
+            </a:r>
+            <a:r>
+              <a:rPr lang="it-IT" sz="3200" b="1" dirty="0" smtClean="0">
                 <a:solidFill>
                   <a:schemeClr val="tx1"/>
                 </a:solidFill>
@@ -8920,7 +9588,7 @@
                 </a:solidFill>
                 <a:cs typeface="Arial" charset="0"/>
               </a:rPr>
-              <a:t>e</a:t>
+              <a:t>+</a:t>
             </a:r>
             <a:r>
               <a:rPr lang="en-US" sz="3200" dirty="0" smtClean="0">
@@ -8933,7 +9601,7 @@
               <a:t> </a:t>
             </a:r>
             <a:r>
-              <a:rPr lang="it-IT" sz="3200" b="1" dirty="0">
+              <a:rPr lang="it-IT" sz="3200" b="1" dirty="0" smtClean="0">
                 <a:solidFill>
                   <a:schemeClr val="tx1"/>
                 </a:solidFill>
@@ -8943,13 +9611,13 @@
               <a:t>②</a:t>
             </a:r>
             <a:r>
-              <a:rPr lang="it-IT" sz="3200" dirty="0">
+              <a:rPr lang="it-IT" sz="3200" dirty="0" smtClean="0">
                 <a:solidFill>
                   <a:schemeClr val="tx1"/>
                 </a:solidFill>
                 <a:cs typeface="Arial" charset="0"/>
               </a:rPr>
-              <a:t> </a:t>
+              <a:t> p</a:t>
             </a:r>
             <a:r>
               <a:rPr lang="it-IT" sz="3200" dirty="0" smtClean="0">
@@ -8958,43 +9626,7 @@
                 </a:solidFill>
                 <a:cs typeface="Arial" charset="0"/>
               </a:rPr>
-              <a:t>non supportano il </a:t>
-            </a:r>
-            <a:r>
-              <a:rPr lang="it-IT" sz="3200" dirty="0" err="1" smtClean="0">
-                <a:solidFill>
-                  <a:srgbClr val="000000"/>
-                </a:solidFill>
-                <a:cs typeface="Arial" charset="0"/>
-              </a:rPr>
-              <a:t>discovery</a:t>
-            </a:r>
-            <a:r>
-              <a:rPr lang="it-IT" sz="3200" dirty="0" smtClean="0">
-                <a:solidFill>
-                  <a:srgbClr val="000000"/>
-                </a:solidFill>
-                <a:cs typeface="Arial" charset="0"/>
-              </a:rPr>
-              <a:t> </a:t>
-            </a:r>
-            <a:r>
-              <a:rPr lang="it-IT" sz="3200" dirty="0" err="1" smtClean="0">
-                <a:solidFill>
-                  <a:srgbClr val="000000"/>
-                </a:solidFill>
-                <a:cs typeface="Arial" charset="0"/>
-              </a:rPr>
-              <a:t>dell’IdP</a:t>
-            </a:r>
-            <a:r>
-              <a:rPr lang="it-IT" sz="3200" dirty="0" smtClean="0">
-                <a:solidFill>
-                  <a:srgbClr val="000000"/>
-                </a:solidFill>
-                <a:cs typeface="Arial" charset="0"/>
-              </a:rPr>
-              <a:t> tramite WAYF (possibile dopo uno sviluppo lato DS).</a:t>
+              <a:t>ermettono ad IDEM di allargarsi includendo nuove applicazioni.</a:t>
             </a:r>
           </a:p>
           <a:p>
@@ -9081,100 +9713,7 @@
                 </a:solidFill>
                 <a:cs typeface="Arial" charset="0"/>
               </a:rPr>
-              <a:t>Le estensioni </a:t>
-            </a:r>
-            <a:r>
-              <a:rPr lang="it-IT" sz="3200" b="1" dirty="0">
-                <a:solidFill>
-                  <a:schemeClr val="tx1"/>
-                </a:solidFill>
-                <a:ea typeface="Arial Unicode MS" charset="0"/>
-                <a:cs typeface="Arial Unicode MS" charset="0"/>
-              </a:rPr>
-              <a:t>① </a:t>
-            </a:r>
-            <a:r>
-              <a:rPr lang="it-IT" sz="3200" dirty="0" smtClean="0">
-                <a:solidFill>
-                  <a:schemeClr val="tx1"/>
-                </a:solidFill>
-                <a:cs typeface="Arial" charset="0"/>
-              </a:rPr>
-              <a:t>e</a:t>
-            </a:r>
-            <a:r>
-              <a:rPr lang="en-US" sz="3200" dirty="0" smtClean="0">
-                <a:solidFill>
-                  <a:schemeClr val="tx1"/>
-                </a:solidFill>
-                <a:ea typeface="Arial Unicode MS" charset="0"/>
-                <a:cs typeface="Arial Unicode MS" charset="0"/>
-              </a:rPr>
-              <a:t> </a:t>
-            </a:r>
-            <a:r>
-              <a:rPr lang="it-IT" sz="3200" b="1" dirty="0">
-                <a:solidFill>
-                  <a:schemeClr val="tx1"/>
-                </a:solidFill>
-                <a:ea typeface="Arial Unicode MS" charset="0"/>
-                <a:cs typeface="Arial Unicode MS" charset="0"/>
-              </a:rPr>
-              <a:t>②</a:t>
-            </a:r>
-            <a:r>
-              <a:rPr lang="it-IT" sz="3200" dirty="0">
-                <a:solidFill>
-                  <a:schemeClr val="tx1"/>
-                </a:solidFill>
-                <a:cs typeface="Arial" charset="0"/>
-              </a:rPr>
-              <a:t> </a:t>
-            </a:r>
-            <a:r>
-              <a:rPr lang="it-IT" sz="3200" dirty="0" smtClean="0">
-                <a:solidFill>
-                  <a:srgbClr val="000000"/>
-                </a:solidFill>
-                <a:cs typeface="Arial" charset="0"/>
-              </a:rPr>
-              <a:t>necessitano di un </a:t>
-            </a:r>
-            <a:r>
-              <a:rPr lang="it-IT" sz="3200" dirty="0" err="1" smtClean="0">
-                <a:solidFill>
-                  <a:srgbClr val="000000"/>
-                </a:solidFill>
-                <a:cs typeface="Arial" charset="0"/>
-              </a:rPr>
-              <a:t>deploy</a:t>
-            </a:r>
-            <a:r>
-              <a:rPr lang="it-IT" sz="3200" dirty="0" smtClean="0">
-                <a:solidFill>
-                  <a:srgbClr val="000000"/>
-                </a:solidFill>
-                <a:cs typeface="Arial" charset="0"/>
-              </a:rPr>
-              <a:t> (comunque abbastanza semplice) sugli </a:t>
-            </a:r>
-            <a:r>
-              <a:rPr lang="it-IT" sz="3200" dirty="0" err="1" smtClean="0">
-                <a:solidFill>
-                  <a:srgbClr val="000000"/>
-                </a:solidFill>
-                <a:cs typeface="Arial" charset="0"/>
-              </a:rPr>
-              <a:t>IdP</a:t>
-            </a:r>
-            <a:r>
-              <a:rPr lang="it-IT" sz="3200" dirty="0" smtClean="0">
-                <a:solidFill>
-                  <a:srgbClr val="000000"/>
-                </a:solidFill>
-                <a:cs typeface="Arial" charset="0"/>
-              </a:rPr>
-              <a:t> della federazione.</a:t>
+              <a:t>Le estensioni mantengono inalterati i concetti di uniformità e distribuzione che garantiscono la dimensione di comunità di IDEM.</a:t>
             </a:r>
             <a:endParaRPr lang="en-US" sz="2800" dirty="0" smtClean="0">
               <a:solidFill>
@@ -9296,16 +9835,1068 @@
               </a:tabLst>
             </a:pPr>
             <a:r>
-              <a:rPr lang="en-US" sz="4400" dirty="0" err="1" smtClean="0">
+              <a:rPr lang="it-IT" sz="4400" b="1" dirty="0">
                 <a:solidFill>
                   <a:srgbClr val="000080"/>
                 </a:solidFill>
                 <a:ea typeface="Arial Unicode MS" charset="0"/>
                 <a:cs typeface="Arial Unicode MS" charset="0"/>
               </a:rPr>
+              <a:t>① </a:t>
+            </a:r>
+            <a:r>
+              <a:rPr lang="it-IT" sz="3000" dirty="0">
+                <a:solidFill>
+                  <a:srgbClr val="000080"/>
+                </a:solidFill>
+                <a:ea typeface="Arial Unicode MS" charset="0"/>
+                <a:cs typeface="Arial Unicode MS" charset="0"/>
+              </a:rPr>
+              <a:t>+</a:t>
+            </a:r>
+            <a:r>
+              <a:rPr lang="en-US" sz="4400" dirty="0">
+                <a:solidFill>
+                  <a:srgbClr val="000080"/>
+                </a:solidFill>
+                <a:ea typeface="Arial Unicode MS" charset="0"/>
+                <a:cs typeface="Arial Unicode MS" charset="0"/>
+              </a:rPr>
+              <a:t> </a:t>
+            </a:r>
+            <a:r>
+              <a:rPr lang="it-IT" sz="4400" b="1" dirty="0">
+                <a:solidFill>
+                  <a:srgbClr val="000080"/>
+                </a:solidFill>
+                <a:ea typeface="Arial Unicode MS" charset="0"/>
+                <a:cs typeface="Arial Unicode MS" charset="0"/>
+              </a:rPr>
+              <a:t>②</a:t>
+            </a:r>
+            <a:r>
+              <a:rPr lang="it-IT" sz="3000" dirty="0">
+                <a:solidFill>
+                  <a:srgbClr val="000080"/>
+                </a:solidFill>
+                <a:ea typeface="Arial Unicode MS" charset="0"/>
+                <a:cs typeface="Arial Unicode MS" charset="0"/>
+              </a:rPr>
+              <a:t> +</a:t>
+            </a:r>
+            <a:r>
+              <a:rPr lang="en-US" sz="3000" dirty="0">
+                <a:solidFill>
+                  <a:srgbClr val="000080"/>
+                </a:solidFill>
+                <a:ea typeface="Arial Unicode MS" charset="0"/>
+                <a:cs typeface="Arial Unicode MS" charset="0"/>
+              </a:rPr>
+              <a:t> </a:t>
+            </a:r>
+            <a:r>
+              <a:rPr lang="it-IT" sz="4400" b="1" dirty="0" smtClean="0">
+                <a:solidFill>
+                  <a:srgbClr val="000080"/>
+                </a:solidFill>
+                <a:ea typeface="Arial Unicode MS" charset="0"/>
+                <a:cs typeface="Arial Unicode MS" charset="0"/>
+              </a:rPr>
+              <a:t>③</a:t>
+            </a:r>
+            <a:r>
+              <a:rPr lang="en-US" sz="4400" dirty="0" smtClean="0">
+                <a:solidFill>
+                  <a:srgbClr val="000080"/>
+                </a:solidFill>
+                <a:ea typeface="Arial Unicode MS" charset="0"/>
+                <a:cs typeface="Arial Unicode MS" charset="0"/>
+              </a:rPr>
+              <a:t> </a:t>
+            </a:r>
+            <a:r>
+              <a:rPr lang="en-US" sz="4400" dirty="0" err="1" smtClean="0">
+                <a:solidFill>
+                  <a:srgbClr val="000080"/>
+                </a:solidFill>
+                <a:ea typeface="Arial Unicode MS" charset="0"/>
+                <a:cs typeface="Arial Unicode MS" charset="0"/>
+              </a:rPr>
+              <a:t>Problemi</a:t>
+            </a:r>
+            <a:r>
+              <a:rPr lang="en-US" sz="4400" dirty="0" smtClean="0">
+                <a:solidFill>
+                  <a:srgbClr val="000080"/>
+                </a:solidFill>
+                <a:ea typeface="Arial Unicode MS" charset="0"/>
+                <a:cs typeface="Arial Unicode MS" charset="0"/>
+              </a:rPr>
+              <a:t> </a:t>
+            </a:r>
+            <a:r>
+              <a:rPr lang="en-US" sz="4400" dirty="0" err="1" smtClean="0">
+                <a:solidFill>
+                  <a:srgbClr val="000080"/>
+                </a:solidFill>
+                <a:ea typeface="Arial Unicode MS" charset="0"/>
+                <a:cs typeface="Arial Unicode MS" charset="0"/>
+              </a:rPr>
+              <a:t>aperti</a:t>
+            </a:r>
+            <a:endParaRPr lang="en-US" sz="4400" dirty="0">
+              <a:solidFill>
+                <a:srgbClr val="000080"/>
+              </a:solidFill>
+              <a:ea typeface="Arial Unicode MS" charset="0"/>
+              <a:cs typeface="Arial Unicode MS" charset="0"/>
+            </a:endParaRPr>
+          </a:p>
+        </p:txBody>
+      </p:sp>
+      <p:sp>
+        <p:nvSpPr>
+          <p:cNvPr id="4098" name="Rectangle 2"/>
+          <p:cNvSpPr>
+            <a:spLocks noChangeArrowheads="1"/>
+          </p:cNvSpPr>
+          <p:nvPr/>
+        </p:nvSpPr>
+        <p:spPr bwMode="auto">
+          <a:xfrm>
+            <a:off x="671513" y="1511300"/>
+            <a:ext cx="9072562" cy="5414963"/>
+          </a:xfrm>
+          <a:prstGeom prst="rect">
+            <a:avLst/>
+          </a:prstGeom>
+          <a:noFill/>
+          <a:ln w="9525">
+            <a:noFill/>
+            <a:round/>
+            <a:headEnd/>
+            <a:tailEnd/>
+          </a:ln>
+          <a:effectLst/>
+        </p:spPr>
+        <p:txBody>
+          <a:bodyPr lIns="90000" tIns="46800" rIns="90000" bIns="46800"/>
+          <a:lstStyle/>
+          <a:p>
+            <a:pPr marL="319088" indent="-319088" hangingPunct="1">
+              <a:spcBef>
+                <a:spcPts val="800"/>
+              </a:spcBef>
+              <a:buClr>
+                <a:srgbClr val="808080"/>
+              </a:buClr>
+              <a:buSzPct val="65000"/>
+              <a:buFont typeface="Wingdings" charset="2"/>
+              <a:buChar char=""/>
+              <a:tabLst>
+                <a:tab pos="319088" algn="l"/>
+                <a:tab pos="776288" algn="l"/>
+                <a:tab pos="1233488" algn="l"/>
+                <a:tab pos="1690688" algn="l"/>
+                <a:tab pos="2147888" algn="l"/>
+                <a:tab pos="2605088" algn="l"/>
+                <a:tab pos="3062288" algn="l"/>
+                <a:tab pos="3519488" algn="l"/>
+                <a:tab pos="3976688" algn="l"/>
+                <a:tab pos="4433888" algn="l"/>
+                <a:tab pos="4891088" algn="l"/>
+                <a:tab pos="5348288" algn="l"/>
+                <a:tab pos="5805488" algn="l"/>
+                <a:tab pos="6262688" algn="l"/>
+                <a:tab pos="6719888" algn="l"/>
+                <a:tab pos="7177088" algn="l"/>
+                <a:tab pos="7634288" algn="l"/>
+                <a:tab pos="8091488" algn="l"/>
+                <a:tab pos="8548688" algn="l"/>
+                <a:tab pos="9005888" algn="l"/>
+                <a:tab pos="9463088" algn="l"/>
+              </a:tabLst>
+            </a:pPr>
+            <a:r>
+              <a:rPr lang="it-IT" sz="3200" dirty="0" smtClean="0">
+                <a:solidFill>
+                  <a:srgbClr val="000000"/>
+                </a:solidFill>
+                <a:cs typeface="Arial" charset="0"/>
+              </a:rPr>
+              <a:t>Attualmente le estensioni </a:t>
+            </a:r>
+            <a:r>
+              <a:rPr lang="it-IT" sz="3200" b="1" dirty="0" smtClean="0">
+                <a:solidFill>
+                  <a:schemeClr val="tx1"/>
+                </a:solidFill>
+                <a:ea typeface="Arial Unicode MS" charset="0"/>
+                <a:cs typeface="Arial Unicode MS" charset="0"/>
+              </a:rPr>
+              <a:t>①, ② </a:t>
+            </a:r>
+            <a:r>
+              <a:rPr lang="it-IT" sz="3200" dirty="0" smtClean="0">
+                <a:solidFill>
+                  <a:schemeClr val="tx1"/>
+                </a:solidFill>
+                <a:ea typeface="Arial Unicode MS" charset="0"/>
+                <a:cs typeface="Arial Unicode MS" charset="0"/>
+              </a:rPr>
+              <a:t>e </a:t>
+            </a:r>
+            <a:r>
+              <a:rPr lang="it-IT" sz="3200" b="1" dirty="0" smtClean="0">
+                <a:solidFill>
+                  <a:schemeClr val="tx1"/>
+                </a:solidFill>
+                <a:ea typeface="Arial Unicode MS" charset="0"/>
+                <a:cs typeface="Arial Unicode MS" charset="0"/>
+              </a:rPr>
+              <a:t>③</a:t>
+            </a:r>
+            <a:r>
+              <a:rPr lang="it-IT" sz="3200" dirty="0" smtClean="0">
+                <a:solidFill>
+                  <a:schemeClr val="tx1"/>
+                </a:solidFill>
+                <a:cs typeface="Arial" charset="0"/>
+              </a:rPr>
+              <a:t> </a:t>
+            </a:r>
+            <a:r>
+              <a:rPr lang="it-IT" sz="3200" dirty="0" smtClean="0">
+                <a:solidFill>
+                  <a:srgbClr val="000000"/>
+                </a:solidFill>
+                <a:cs typeface="Arial" charset="0"/>
+              </a:rPr>
+              <a:t>non supportano il </a:t>
+            </a:r>
+            <a:r>
+              <a:rPr lang="it-IT" sz="3200" dirty="0" err="1" smtClean="0">
+                <a:solidFill>
+                  <a:srgbClr val="000000"/>
+                </a:solidFill>
+                <a:cs typeface="Arial" charset="0"/>
+              </a:rPr>
+              <a:t>discovery</a:t>
+            </a:r>
+            <a:r>
+              <a:rPr lang="it-IT" sz="3200" dirty="0" smtClean="0">
+                <a:solidFill>
+                  <a:srgbClr val="000000"/>
+                </a:solidFill>
+                <a:cs typeface="Arial" charset="0"/>
+              </a:rPr>
+              <a:t> </a:t>
+            </a:r>
+            <a:r>
+              <a:rPr lang="it-IT" sz="3200" dirty="0" err="1" smtClean="0">
+                <a:solidFill>
+                  <a:srgbClr val="000000"/>
+                </a:solidFill>
+                <a:cs typeface="Arial" charset="0"/>
+              </a:rPr>
+              <a:t>dell’IdP</a:t>
+            </a:r>
+            <a:r>
+              <a:rPr lang="it-IT" sz="3200" dirty="0" smtClean="0">
+                <a:solidFill>
+                  <a:srgbClr val="000000"/>
+                </a:solidFill>
+                <a:cs typeface="Arial" charset="0"/>
+              </a:rPr>
+              <a:t> tramite WAYF (possibile dopo uno sviluppo lato DS).</a:t>
+            </a:r>
+          </a:p>
+          <a:p>
+            <a:pPr marL="319088" indent="-319088" hangingPunct="1">
+              <a:spcBef>
+                <a:spcPts val="800"/>
+              </a:spcBef>
+              <a:buClr>
+                <a:srgbClr val="808080"/>
+              </a:buClr>
+              <a:buSzPct val="65000"/>
+              <a:buFont typeface="Wingdings" charset="2"/>
+              <a:buChar char=""/>
+              <a:tabLst>
+                <a:tab pos="319088" algn="l"/>
+                <a:tab pos="776288" algn="l"/>
+                <a:tab pos="1233488" algn="l"/>
+                <a:tab pos="1690688" algn="l"/>
+                <a:tab pos="2147888" algn="l"/>
+                <a:tab pos="2605088" algn="l"/>
+                <a:tab pos="3062288" algn="l"/>
+                <a:tab pos="3519488" algn="l"/>
+                <a:tab pos="3976688" algn="l"/>
+                <a:tab pos="4433888" algn="l"/>
+                <a:tab pos="4891088" algn="l"/>
+                <a:tab pos="5348288" algn="l"/>
+                <a:tab pos="5805488" algn="l"/>
+                <a:tab pos="6262688" algn="l"/>
+                <a:tab pos="6719888" algn="l"/>
+                <a:tab pos="7177088" algn="l"/>
+                <a:tab pos="7634288" algn="l"/>
+                <a:tab pos="8091488" algn="l"/>
+                <a:tab pos="8548688" algn="l"/>
+                <a:tab pos="9005888" algn="l"/>
+                <a:tab pos="9463088" algn="l"/>
+              </a:tabLst>
+            </a:pPr>
+            <a:endParaRPr lang="it-IT" sz="3200" b="1" dirty="0" smtClean="0">
+              <a:solidFill>
+                <a:srgbClr val="000000"/>
+              </a:solidFill>
+              <a:cs typeface="Arial" charset="0"/>
+            </a:endParaRPr>
+          </a:p>
+          <a:p>
+            <a:pPr marL="319088" indent="-319088" hangingPunct="1">
+              <a:spcBef>
+                <a:spcPts val="800"/>
+              </a:spcBef>
+              <a:buClr>
+                <a:srgbClr val="808080"/>
+              </a:buClr>
+              <a:buSzPct val="65000"/>
+              <a:buFont typeface="Wingdings" charset="2"/>
+              <a:buChar char=""/>
+              <a:tabLst>
+                <a:tab pos="319088" algn="l"/>
+                <a:tab pos="776288" algn="l"/>
+                <a:tab pos="1233488" algn="l"/>
+                <a:tab pos="1690688" algn="l"/>
+                <a:tab pos="2147888" algn="l"/>
+                <a:tab pos="2605088" algn="l"/>
+                <a:tab pos="3062288" algn="l"/>
+                <a:tab pos="3519488" algn="l"/>
+                <a:tab pos="3976688" algn="l"/>
+                <a:tab pos="4433888" algn="l"/>
+                <a:tab pos="4891088" algn="l"/>
+                <a:tab pos="5348288" algn="l"/>
+                <a:tab pos="5805488" algn="l"/>
+                <a:tab pos="6262688" algn="l"/>
+                <a:tab pos="6719888" algn="l"/>
+                <a:tab pos="7177088" algn="l"/>
+                <a:tab pos="7634288" algn="l"/>
+                <a:tab pos="8091488" algn="l"/>
+                <a:tab pos="8548688" algn="l"/>
+                <a:tab pos="9005888" algn="l"/>
+                <a:tab pos="9463088" algn="l"/>
+              </a:tabLst>
+            </a:pPr>
+            <a:r>
+              <a:rPr lang="it-IT" sz="3200" dirty="0" smtClean="0">
+                <a:solidFill>
+                  <a:srgbClr val="000000"/>
+                </a:solidFill>
+                <a:cs typeface="Arial" charset="0"/>
+              </a:rPr>
+              <a:t>Le estensioni </a:t>
+            </a:r>
+            <a:r>
+              <a:rPr lang="it-IT" sz="3200" b="1" dirty="0">
+                <a:solidFill>
+                  <a:schemeClr val="tx1"/>
+                </a:solidFill>
+                <a:ea typeface="Arial Unicode MS" charset="0"/>
+                <a:cs typeface="Arial Unicode MS" charset="0"/>
+              </a:rPr>
+              <a:t>①, ② </a:t>
+            </a:r>
+            <a:r>
+              <a:rPr lang="it-IT" sz="3200" dirty="0">
+                <a:solidFill>
+                  <a:schemeClr val="tx1"/>
+                </a:solidFill>
+                <a:ea typeface="Arial Unicode MS" charset="0"/>
+                <a:cs typeface="Arial Unicode MS" charset="0"/>
+              </a:rPr>
+              <a:t>e </a:t>
+            </a:r>
+            <a:r>
+              <a:rPr lang="it-IT" sz="3200" b="1" dirty="0">
+                <a:solidFill>
+                  <a:schemeClr val="tx1"/>
+                </a:solidFill>
+                <a:ea typeface="Arial Unicode MS" charset="0"/>
+                <a:cs typeface="Arial Unicode MS" charset="0"/>
+              </a:rPr>
+              <a:t>③</a:t>
+            </a:r>
+            <a:r>
+              <a:rPr lang="it-IT" sz="3200" dirty="0" smtClean="0">
+                <a:solidFill>
+                  <a:schemeClr val="tx1"/>
+                </a:solidFill>
+                <a:cs typeface="Arial" charset="0"/>
+              </a:rPr>
+              <a:t> </a:t>
+            </a:r>
+            <a:r>
+              <a:rPr lang="it-IT" sz="3200" dirty="0" smtClean="0">
+                <a:solidFill>
+                  <a:srgbClr val="000000"/>
+                </a:solidFill>
+                <a:cs typeface="Arial" charset="0"/>
+              </a:rPr>
+              <a:t>necessitano di un </a:t>
+            </a:r>
+            <a:r>
+              <a:rPr lang="it-IT" sz="3200" dirty="0" err="1" smtClean="0">
+                <a:solidFill>
+                  <a:srgbClr val="000000"/>
+                </a:solidFill>
+                <a:cs typeface="Arial" charset="0"/>
+              </a:rPr>
+              <a:t>deploy</a:t>
+            </a:r>
+            <a:r>
+              <a:rPr lang="it-IT" sz="3200" dirty="0" smtClean="0">
+                <a:solidFill>
+                  <a:srgbClr val="000000"/>
+                </a:solidFill>
+                <a:cs typeface="Arial" charset="0"/>
+              </a:rPr>
+              <a:t> (comunque abbastanza semplice) sugli </a:t>
+            </a:r>
+            <a:r>
+              <a:rPr lang="it-IT" sz="3200" dirty="0" err="1" smtClean="0">
+                <a:solidFill>
+                  <a:srgbClr val="000000"/>
+                </a:solidFill>
+                <a:cs typeface="Arial" charset="0"/>
+              </a:rPr>
+              <a:t>IdP</a:t>
+            </a:r>
+            <a:r>
+              <a:rPr lang="it-IT" sz="3200" dirty="0" smtClean="0">
+                <a:solidFill>
+                  <a:srgbClr val="000000"/>
+                </a:solidFill>
+                <a:cs typeface="Arial" charset="0"/>
+              </a:rPr>
+              <a:t> della federazione.</a:t>
+            </a:r>
+            <a:endParaRPr lang="en-US" sz="2800" dirty="0" smtClean="0">
+              <a:solidFill>
+                <a:srgbClr val="000000"/>
+              </a:solidFill>
+              <a:cs typeface="Arial" charset="0"/>
+            </a:endParaRPr>
+          </a:p>
+        </p:txBody>
+      </p:sp>
+    </p:spTree>
+  </p:cSld>
+  <p:clrMapOvr>
+    <a:masterClrMapping/>
+  </p:clrMapOvr>
+  <p:transition spd="med"/>
+  <p:timing>
+    <p:tnLst>
+      <p:par>
+        <p:cTn id="1" dur="indefinite" restart="never" nodeType="tmRoot">
+          <p:childTnLst>
+            <p:seq concurrent="1" nextAc="seek">
+              <p:cTn id="2" dur="indefinite" nodeType="mainSeq"/>
+              <p:prevCondLst>
+                <p:cond evt="onPrev" delay="0">
+                  <p:tgtEl>
+                    <p:sldTgt/>
+                  </p:tgtEl>
+                </p:cond>
+              </p:prevCondLst>
+              <p:nextCondLst>
+                <p:cond evt="onNext" delay="0">
+                  <p:tgtEl>
+                    <p:sldTgt/>
+                  </p:tgtEl>
+                </p:cond>
+              </p:nextCondLst>
+            </p:seq>
+          </p:childTnLst>
+        </p:cTn>
+      </p:par>
+    </p:tnLst>
+  </p:timing>
+</p:sld>
+</file>
+
+<file path=ppt/slides/slide13.xml><?xml version="1.0" encoding="utf-8"?>
+<p:sld xmlns:a="http://schemas.openxmlformats.org/drawingml/2006/main" xmlns:r="http://schemas.openxmlformats.org/officeDocument/2006/relationships" xmlns:p="http://schemas.openxmlformats.org/presentationml/2006/main">
+  <p:cSld>
+    <p:spTree>
+      <p:nvGrpSpPr>
+        <p:cNvPr id="1" name=""/>
+        <p:cNvGrpSpPr/>
+        <p:nvPr/>
+      </p:nvGrpSpPr>
+      <p:grpSpPr>
+        <a:xfrm>
+          <a:off x="0" y="0"/>
+          <a:ext cx="0" cy="0"/>
+          <a:chOff x="0" y="0"/>
+          <a:chExt cx="0" cy="0"/>
+        </a:xfrm>
+      </p:grpSpPr>
+      <p:sp>
+        <p:nvSpPr>
+          <p:cNvPr id="4097" name="Text Box 1"/>
+          <p:cNvSpPr txBox="1">
+            <a:spLocks noChangeArrowheads="1"/>
+          </p:cNvSpPr>
+          <p:nvPr/>
+        </p:nvSpPr>
+        <p:spPr bwMode="auto">
+          <a:xfrm>
+            <a:off x="503238" y="306388"/>
+            <a:ext cx="9072562" cy="1257300"/>
+          </a:xfrm>
+          <a:prstGeom prst="rect">
+            <a:avLst/>
+          </a:prstGeom>
+          <a:noFill/>
+          <a:ln w="9525">
+            <a:noFill/>
+            <a:round/>
+            <a:headEnd/>
+            <a:tailEnd/>
+          </a:ln>
+          <a:effectLst/>
+        </p:spPr>
+        <p:txBody>
+          <a:bodyPr/>
+          <a:lstStyle/>
+          <a:p>
+            <a:pPr algn="ctr" hangingPunct="1">
+              <a:buClrTx/>
+              <a:buFontTx/>
+              <a:buNone/>
+              <a:tabLst>
+                <a:tab pos="0" algn="l"/>
+                <a:tab pos="457200" algn="l"/>
+                <a:tab pos="914400" algn="l"/>
+                <a:tab pos="1371600" algn="l"/>
+                <a:tab pos="1828800" algn="l"/>
+                <a:tab pos="2286000" algn="l"/>
+                <a:tab pos="2743200" algn="l"/>
+                <a:tab pos="3200400" algn="l"/>
+                <a:tab pos="3657600" algn="l"/>
+                <a:tab pos="4114800" algn="l"/>
+                <a:tab pos="4572000" algn="l"/>
+                <a:tab pos="5029200" algn="l"/>
+                <a:tab pos="5486400" algn="l"/>
+                <a:tab pos="5943600" algn="l"/>
+                <a:tab pos="6400800" algn="l"/>
+                <a:tab pos="6858000" algn="l"/>
+                <a:tab pos="7315200" algn="l"/>
+                <a:tab pos="7772400" algn="l"/>
+                <a:tab pos="8229600" algn="l"/>
+                <a:tab pos="8686800" algn="l"/>
+                <a:tab pos="9144000" algn="l"/>
+              </a:tabLst>
+            </a:pPr>
+            <a:r>
+              <a:rPr lang="it-IT" sz="4400" dirty="0" smtClean="0">
+                <a:solidFill>
+                  <a:srgbClr val="000080"/>
+                </a:solidFill>
+                <a:ea typeface="Arial Unicode MS" charset="0"/>
+                <a:cs typeface="Arial Unicode MS" charset="0"/>
+              </a:rPr>
+              <a:t>Conclusioni</a:t>
+            </a:r>
+            <a:endParaRPr lang="en-US" sz="4400" dirty="0">
+              <a:solidFill>
+                <a:srgbClr val="000080"/>
+              </a:solidFill>
+              <a:ea typeface="Arial Unicode MS" charset="0"/>
+              <a:cs typeface="Arial Unicode MS" charset="0"/>
+            </a:endParaRPr>
+          </a:p>
+        </p:txBody>
+      </p:sp>
+      <p:sp>
+        <p:nvSpPr>
+          <p:cNvPr id="4098" name="Rectangle 2"/>
+          <p:cNvSpPr>
+            <a:spLocks noChangeArrowheads="1"/>
+          </p:cNvSpPr>
+          <p:nvPr/>
+        </p:nvSpPr>
+        <p:spPr bwMode="auto">
+          <a:xfrm>
+            <a:off x="671513" y="1511300"/>
+            <a:ext cx="9072562" cy="5414963"/>
+          </a:xfrm>
+          <a:prstGeom prst="rect">
+            <a:avLst/>
+          </a:prstGeom>
+          <a:noFill/>
+          <a:ln w="9525">
+            <a:noFill/>
+            <a:round/>
+            <a:headEnd/>
+            <a:tailEnd/>
+          </a:ln>
+          <a:effectLst/>
+        </p:spPr>
+        <p:txBody>
+          <a:bodyPr lIns="90000" tIns="46800" rIns="90000" bIns="46800"/>
+          <a:lstStyle/>
+          <a:p>
+            <a:pPr marL="319088" indent="-319088" hangingPunct="1">
+              <a:spcBef>
+                <a:spcPts val="800"/>
+              </a:spcBef>
+              <a:buClr>
+                <a:srgbClr val="808080"/>
+              </a:buClr>
+              <a:buSzPct val="65000"/>
+              <a:buFont typeface="Wingdings" charset="2"/>
+              <a:buChar char=""/>
+              <a:tabLst>
+                <a:tab pos="319088" algn="l"/>
+                <a:tab pos="776288" algn="l"/>
+                <a:tab pos="1233488" algn="l"/>
+                <a:tab pos="1690688" algn="l"/>
+                <a:tab pos="2147888" algn="l"/>
+                <a:tab pos="2605088" algn="l"/>
+                <a:tab pos="3062288" algn="l"/>
+                <a:tab pos="3519488" algn="l"/>
+                <a:tab pos="3976688" algn="l"/>
+                <a:tab pos="4433888" algn="l"/>
+                <a:tab pos="4891088" algn="l"/>
+                <a:tab pos="5348288" algn="l"/>
+                <a:tab pos="5805488" algn="l"/>
+                <a:tab pos="6262688" algn="l"/>
+                <a:tab pos="6719888" algn="l"/>
+                <a:tab pos="7177088" algn="l"/>
+                <a:tab pos="7634288" algn="l"/>
+                <a:tab pos="8091488" algn="l"/>
+                <a:tab pos="8548688" algn="l"/>
+                <a:tab pos="9005888" algn="l"/>
+                <a:tab pos="9463088" algn="l"/>
+              </a:tabLst>
+            </a:pPr>
+            <a:r>
+              <a:rPr lang="it-IT" sz="3200" dirty="0" smtClean="0">
+                <a:solidFill>
+                  <a:srgbClr val="000000"/>
+                </a:solidFill>
+                <a:cs typeface="Arial" charset="0"/>
+              </a:rPr>
+              <a:t>L’</a:t>
+            </a:r>
+            <a:r>
+              <a:rPr lang="it-IT" sz="3200" dirty="0" err="1" smtClean="0">
+                <a:solidFill>
+                  <a:srgbClr val="000000"/>
+                </a:solidFill>
+                <a:cs typeface="Arial" charset="0"/>
+              </a:rPr>
+              <a:t>estenzione</a:t>
+            </a:r>
+            <a:r>
+              <a:rPr lang="it-IT" sz="3200" dirty="0" smtClean="0">
+                <a:solidFill>
+                  <a:srgbClr val="000000"/>
+                </a:solidFill>
+                <a:cs typeface="Arial" charset="0"/>
+              </a:rPr>
+              <a:t> </a:t>
+            </a:r>
+            <a:r>
+              <a:rPr lang="it-IT" sz="3200" b="1" dirty="0" smtClean="0">
+                <a:solidFill>
+                  <a:schemeClr val="tx1"/>
+                </a:solidFill>
+                <a:ea typeface="Arial Unicode MS" charset="0"/>
+                <a:cs typeface="Arial Unicode MS" charset="0"/>
+              </a:rPr>
+              <a:t>①</a:t>
+            </a:r>
+            <a:r>
+              <a:rPr lang="it-IT" sz="3200" dirty="0" smtClean="0">
+                <a:solidFill>
+                  <a:schemeClr val="tx1"/>
+                </a:solidFill>
+                <a:ea typeface="Arial Unicode MS" charset="0"/>
+                <a:cs typeface="Arial Unicode MS" charset="0"/>
+              </a:rPr>
+              <a:t>,</a:t>
+            </a:r>
+            <a:r>
+              <a:rPr lang="it-IT" sz="3200" b="1" dirty="0" smtClean="0">
+                <a:solidFill>
+                  <a:schemeClr val="tx1"/>
+                </a:solidFill>
+                <a:ea typeface="Arial Unicode MS" charset="0"/>
+                <a:cs typeface="Arial Unicode MS" charset="0"/>
+              </a:rPr>
+              <a:t> </a:t>
+            </a:r>
+            <a:r>
+              <a:rPr lang="it-IT" sz="3200" dirty="0" smtClean="0">
+                <a:solidFill>
+                  <a:schemeClr val="tx1"/>
+                </a:solidFill>
+                <a:cs typeface="Arial" charset="0"/>
+              </a:rPr>
+              <a:t>attraverso lo sviluppo di API di autenticazione per applicazioni Java e </a:t>
+            </a:r>
+            <a:r>
+              <a:rPr lang="it-IT" sz="3200" dirty="0" err="1" smtClean="0">
+                <a:solidFill>
+                  <a:schemeClr val="tx1"/>
+                </a:solidFill>
+                <a:cs typeface="Arial" charset="0"/>
+              </a:rPr>
+              <a:t>Python</a:t>
+            </a:r>
+            <a:r>
+              <a:rPr lang="it-IT" sz="3200" dirty="0" smtClean="0">
+                <a:solidFill>
+                  <a:schemeClr val="tx1"/>
+                </a:solidFill>
+                <a:cs typeface="Arial" charset="0"/>
+              </a:rPr>
+              <a:t>, ha una potenziale ricaduta sull’intera comunità </a:t>
+            </a:r>
+            <a:r>
+              <a:rPr lang="it-IT" sz="3200" dirty="0" err="1" smtClean="0">
+                <a:solidFill>
+                  <a:schemeClr val="tx1"/>
+                </a:solidFill>
+                <a:cs typeface="Arial" charset="0"/>
+              </a:rPr>
+              <a:t>Shibboleth</a:t>
+            </a:r>
+            <a:r>
+              <a:rPr lang="it-IT" sz="3200" dirty="0" smtClean="0">
+                <a:solidFill>
+                  <a:schemeClr val="tx1"/>
+                </a:solidFill>
+                <a:cs typeface="Arial" charset="0"/>
+              </a:rPr>
+              <a:t> (e non solo su IDEM</a:t>
+            </a:r>
+            <a:r>
+              <a:rPr lang="it-IT" sz="3200" dirty="0" smtClean="0">
+                <a:solidFill>
+                  <a:srgbClr val="000000"/>
+                </a:solidFill>
+                <a:cs typeface="Arial" charset="0"/>
+              </a:rPr>
+              <a:t>).</a:t>
+            </a:r>
+            <a:endParaRPr lang="it-IT" sz="3200" dirty="0" smtClean="0">
+              <a:solidFill>
+                <a:srgbClr val="000000"/>
+              </a:solidFill>
+              <a:cs typeface="Arial" charset="0"/>
+            </a:endParaRPr>
+          </a:p>
+          <a:p>
+            <a:pPr marL="319088" indent="-319088" hangingPunct="1">
+              <a:spcBef>
+                <a:spcPts val="800"/>
+              </a:spcBef>
+              <a:buClr>
+                <a:srgbClr val="808080"/>
+              </a:buClr>
+              <a:buSzPct val="65000"/>
+              <a:buFont typeface="Wingdings" charset="2"/>
+              <a:buChar char=""/>
+              <a:tabLst>
+                <a:tab pos="319088" algn="l"/>
+                <a:tab pos="776288" algn="l"/>
+                <a:tab pos="1233488" algn="l"/>
+                <a:tab pos="1690688" algn="l"/>
+                <a:tab pos="2147888" algn="l"/>
+                <a:tab pos="2605088" algn="l"/>
+                <a:tab pos="3062288" algn="l"/>
+                <a:tab pos="3519488" algn="l"/>
+                <a:tab pos="3976688" algn="l"/>
+                <a:tab pos="4433888" algn="l"/>
+                <a:tab pos="4891088" algn="l"/>
+                <a:tab pos="5348288" algn="l"/>
+                <a:tab pos="5805488" algn="l"/>
+                <a:tab pos="6262688" algn="l"/>
+                <a:tab pos="6719888" algn="l"/>
+                <a:tab pos="7177088" algn="l"/>
+                <a:tab pos="7634288" algn="l"/>
+                <a:tab pos="8091488" algn="l"/>
+                <a:tab pos="8548688" algn="l"/>
+                <a:tab pos="9005888" algn="l"/>
+                <a:tab pos="9463088" algn="l"/>
+              </a:tabLst>
+            </a:pPr>
+            <a:endParaRPr lang="it-IT" sz="3200" b="1" dirty="0" smtClean="0">
+              <a:solidFill>
+                <a:srgbClr val="000000"/>
+              </a:solidFill>
+              <a:cs typeface="Arial" charset="0"/>
+            </a:endParaRPr>
+          </a:p>
+          <a:p>
+            <a:pPr marL="319088" indent="-319088" hangingPunct="1">
+              <a:spcBef>
+                <a:spcPts val="800"/>
+              </a:spcBef>
+              <a:buClr>
+                <a:srgbClr val="808080"/>
+              </a:buClr>
+              <a:buSzPct val="65000"/>
+              <a:buFont typeface="Wingdings" charset="2"/>
+              <a:buChar char=""/>
+              <a:tabLst>
+                <a:tab pos="319088" algn="l"/>
+                <a:tab pos="776288" algn="l"/>
+                <a:tab pos="1233488" algn="l"/>
+                <a:tab pos="1690688" algn="l"/>
+                <a:tab pos="2147888" algn="l"/>
+                <a:tab pos="2605088" algn="l"/>
+                <a:tab pos="3062288" algn="l"/>
+                <a:tab pos="3519488" algn="l"/>
+                <a:tab pos="3976688" algn="l"/>
+                <a:tab pos="4433888" algn="l"/>
+                <a:tab pos="4891088" algn="l"/>
+                <a:tab pos="5348288" algn="l"/>
+                <a:tab pos="5805488" algn="l"/>
+                <a:tab pos="6262688" algn="l"/>
+                <a:tab pos="6719888" algn="l"/>
+                <a:tab pos="7177088" algn="l"/>
+                <a:tab pos="7634288" algn="l"/>
+                <a:tab pos="8091488" algn="l"/>
+                <a:tab pos="8548688" algn="l"/>
+                <a:tab pos="9005888" algn="l"/>
+                <a:tab pos="9463088" algn="l"/>
+              </a:tabLst>
+            </a:pPr>
+            <a:r>
+              <a:rPr lang="it-IT" sz="3200" dirty="0" smtClean="0">
+                <a:solidFill>
+                  <a:srgbClr val="000000"/>
+                </a:solidFill>
+                <a:cs typeface="Arial" charset="0"/>
+              </a:rPr>
+              <a:t>Le </a:t>
+            </a:r>
+            <a:r>
+              <a:rPr lang="it-IT" sz="3200" dirty="0" smtClean="0">
+                <a:solidFill>
+                  <a:srgbClr val="000000"/>
+                </a:solidFill>
+                <a:cs typeface="Arial" charset="0"/>
+              </a:rPr>
+              <a:t>estensioni </a:t>
+            </a:r>
+            <a:r>
+              <a:rPr lang="it-IT" sz="3200" b="1" dirty="0">
+                <a:solidFill>
+                  <a:schemeClr val="tx1"/>
+                </a:solidFill>
+                <a:ea typeface="Arial Unicode MS" charset="0"/>
+                <a:cs typeface="Arial Unicode MS" charset="0"/>
+              </a:rPr>
+              <a:t>② </a:t>
+            </a:r>
+            <a:r>
+              <a:rPr lang="it-IT" sz="3200" dirty="0">
+                <a:solidFill>
+                  <a:schemeClr val="tx1"/>
+                </a:solidFill>
+                <a:ea typeface="Arial Unicode MS" charset="0"/>
+                <a:cs typeface="Arial Unicode MS" charset="0"/>
+              </a:rPr>
+              <a:t>e </a:t>
+            </a:r>
+            <a:r>
+              <a:rPr lang="it-IT" sz="3200" b="1" dirty="0" smtClean="0">
+                <a:solidFill>
+                  <a:schemeClr val="tx1"/>
+                </a:solidFill>
+                <a:ea typeface="Arial Unicode MS" charset="0"/>
+                <a:cs typeface="Arial Unicode MS" charset="0"/>
+              </a:rPr>
+              <a:t>③</a:t>
+            </a:r>
+            <a:r>
+              <a:rPr lang="it-IT" sz="3200" dirty="0" smtClean="0">
+                <a:solidFill>
+                  <a:schemeClr val="tx1"/>
+                </a:solidFill>
+                <a:cs typeface="Arial" charset="0"/>
+              </a:rPr>
+              <a:t> sono strettamente necessarie al progetto </a:t>
+            </a:r>
+            <a:r>
+              <a:rPr lang="it-IT" sz="3200" dirty="0" err="1" smtClean="0">
+                <a:solidFill>
+                  <a:schemeClr val="tx1"/>
+                </a:solidFill>
+                <a:cs typeface="Arial" charset="0"/>
+              </a:rPr>
+              <a:t>GarrBox</a:t>
+            </a:r>
+            <a:r>
+              <a:rPr lang="it-IT" sz="3200" dirty="0" smtClean="0">
+                <a:solidFill>
+                  <a:schemeClr val="tx1"/>
+                </a:solidFill>
+                <a:cs typeface="Arial" charset="0"/>
+              </a:rPr>
+              <a:t> per realizzare le funzionalità previste negli obiettivi progettuali</a:t>
+            </a:r>
+            <a:r>
+              <a:rPr lang="it-IT" sz="3200" dirty="0" smtClean="0">
+                <a:solidFill>
+                  <a:srgbClr val="000000"/>
+                </a:solidFill>
+                <a:cs typeface="Arial" charset="0"/>
+              </a:rPr>
+              <a:t>.</a:t>
+            </a:r>
+            <a:endParaRPr lang="en-US" sz="2800" dirty="0" smtClean="0">
+              <a:solidFill>
+                <a:srgbClr val="000000"/>
+              </a:solidFill>
+              <a:cs typeface="Arial" charset="0"/>
+            </a:endParaRPr>
+          </a:p>
+        </p:txBody>
+      </p:sp>
+    </p:spTree>
+    <p:extLst>
+      <p:ext uri="{BB962C8B-B14F-4D97-AF65-F5344CB8AC3E}">
+        <p14:creationId xmlns:p14="http://schemas.microsoft.com/office/powerpoint/2010/main" val="2117305065"/>
+      </p:ext>
+    </p:extLst>
+  </p:cSld>
+  <p:clrMapOvr>
+    <a:masterClrMapping/>
+  </p:clrMapOvr>
+  <p:transition spd="med"/>
+  <p:timing>
+    <p:tnLst>
+      <p:par>
+        <p:cTn id="1" dur="indefinite" restart="never" nodeType="tmRoot">
+          <p:childTnLst>
+            <p:seq concurrent="1" nextAc="seek">
+              <p:cTn id="2" dur="indefinite" nodeType="mainSeq"/>
+              <p:prevCondLst>
+                <p:cond evt="onPrev" delay="0">
+                  <p:tgtEl>
+                    <p:sldTgt/>
+                  </p:tgtEl>
+                </p:cond>
+              </p:prevCondLst>
+              <p:nextCondLst>
+                <p:cond evt="onNext" delay="0">
+                  <p:tgtEl>
+                    <p:sldTgt/>
+                  </p:tgtEl>
+                </p:cond>
+              </p:nextCondLst>
+            </p:seq>
+          </p:childTnLst>
+        </p:cTn>
+      </p:par>
+    </p:tnLst>
+  </p:timing>
+</p:sld>
+</file>
+
+<file path=ppt/slides/slide14.xml><?xml version="1.0" encoding="utf-8"?>
+<p:sld xmlns:a="http://schemas.openxmlformats.org/drawingml/2006/main" xmlns:r="http://schemas.openxmlformats.org/officeDocument/2006/relationships" xmlns:p="http://schemas.openxmlformats.org/presentationml/2006/main">
+  <p:cSld>
+    <p:spTree>
+      <p:nvGrpSpPr>
+        <p:cNvPr id="1" name=""/>
+        <p:cNvGrpSpPr/>
+        <p:nvPr/>
+      </p:nvGrpSpPr>
+      <p:grpSpPr>
+        <a:xfrm>
+          <a:off x="0" y="0"/>
+          <a:ext cx="0" cy="0"/>
+          <a:chOff x="0" y="0"/>
+          <a:chExt cx="0" cy="0"/>
+        </a:xfrm>
+      </p:grpSpPr>
+      <p:sp>
+        <p:nvSpPr>
+          <p:cNvPr id="4097" name="Text Box 1"/>
+          <p:cNvSpPr txBox="1">
+            <a:spLocks noChangeArrowheads="1"/>
+          </p:cNvSpPr>
+          <p:nvPr/>
+        </p:nvSpPr>
+        <p:spPr bwMode="auto">
+          <a:xfrm>
+            <a:off x="503238" y="306388"/>
+            <a:ext cx="9072562" cy="1257300"/>
+          </a:xfrm>
+          <a:prstGeom prst="rect">
+            <a:avLst/>
+          </a:prstGeom>
+          <a:noFill/>
+          <a:ln w="9525">
+            <a:noFill/>
+            <a:round/>
+            <a:headEnd/>
+            <a:tailEnd/>
+          </a:ln>
+          <a:effectLst/>
+        </p:spPr>
+        <p:txBody>
+          <a:bodyPr/>
+          <a:lstStyle/>
+          <a:p>
+            <a:pPr algn="ctr" hangingPunct="1">
+              <a:buClrTx/>
+              <a:buFontTx/>
+              <a:buNone/>
+              <a:tabLst>
+                <a:tab pos="0" algn="l"/>
+                <a:tab pos="457200" algn="l"/>
+                <a:tab pos="914400" algn="l"/>
+                <a:tab pos="1371600" algn="l"/>
+                <a:tab pos="1828800" algn="l"/>
+                <a:tab pos="2286000" algn="l"/>
+                <a:tab pos="2743200" algn="l"/>
+                <a:tab pos="3200400" algn="l"/>
+                <a:tab pos="3657600" algn="l"/>
+                <a:tab pos="4114800" algn="l"/>
+                <a:tab pos="4572000" algn="l"/>
+                <a:tab pos="5029200" algn="l"/>
+                <a:tab pos="5486400" algn="l"/>
+                <a:tab pos="5943600" algn="l"/>
+                <a:tab pos="6400800" algn="l"/>
+                <a:tab pos="6858000" algn="l"/>
+                <a:tab pos="7315200" algn="l"/>
+                <a:tab pos="7772400" algn="l"/>
+                <a:tab pos="8229600" algn="l"/>
+                <a:tab pos="8686800" algn="l"/>
+                <a:tab pos="9144000" algn="l"/>
+              </a:tabLst>
+            </a:pPr>
+            <a:r>
+              <a:rPr lang="it-IT" sz="4400" dirty="0" smtClean="0">
+                <a:solidFill>
+                  <a:srgbClr val="000080"/>
+                </a:solidFill>
+                <a:ea typeface="Arial Unicode MS" charset="0"/>
+                <a:cs typeface="Arial Unicode MS" charset="0"/>
+              </a:rPr>
               <a:t>Condivisione</a:t>
             </a:r>
-            <a:endParaRPr lang="en-US" sz="4400" dirty="0">
+            <a:endParaRPr lang="it-IT" sz="4400" dirty="0">
               <a:solidFill>
                 <a:srgbClr val="000080"/>
               </a:solidFill>
@@ -10337,14 +11928,14 @@
           <p:nvPr>
             <p:extLst>
               <p:ext uri="{D42A27DB-BD31-4B8C-83A1-F6EECF244321}">
-                <p14:modId xmlns:p14="http://schemas.microsoft.com/office/powerpoint/2010/main" val="1271279777"/>
+                <p14:modId xmlns:p14="http://schemas.microsoft.com/office/powerpoint/2010/main" val="1782708635"/>
               </p:ext>
             </p:extLst>
           </p:nvPr>
         </p:nvGraphicFramePr>
         <p:xfrm>
           <a:off x="239712" y="1524317"/>
-          <a:ext cx="9220200" cy="3810000"/>
+          <a:ext cx="9220200" cy="4800600"/>
         </p:xfrm>
         <a:graphic>
           <a:graphicData uri="http://schemas.openxmlformats.org/drawingml/2006/table">
@@ -10356,7 +11947,7 @@
                 <a:gridCol w="1160147"/>
                 <a:gridCol w="8060053"/>
               </a:tblGrid>
-              <a:tr h="1066800">
+              <a:tr h="1645920">
                 <a:tc>
                   <a:txBody>
                     <a:bodyPr/>
@@ -10496,14 +12087,42 @@
                   </a:tcPr>
                 </a:tc>
               </a:tr>
-              <a:tr h="381000">
+              <a:tr h="1600200">
                 <a:tc>
                   <a:txBody>
                     <a:bodyPr/>
                     <a:lstStyle/>
                     <a:p>
-                      <a:pPr algn="r"/>
-                      <a:endParaRPr lang="en-US" sz="4000" dirty="0"/>
+                      <a:pPr marL="0" marR="0" indent="0" algn="r" defTabSz="914400" rtl="0" eaLnBrk="1" fontAlgn="auto" latinLnBrk="0" hangingPunct="1">
+                        <a:lnSpc>
+                          <a:spcPct val="100000"/>
+                        </a:lnSpc>
+                        <a:spcBef>
+                          <a:spcPts val="0"/>
+                        </a:spcBef>
+                        <a:spcAft>
+                          <a:spcPts val="0"/>
+                        </a:spcAft>
+                        <a:buClrTx/>
+                        <a:buSzTx/>
+                        <a:buFontTx/>
+                        <a:buNone/>
+                        <a:tabLst/>
+                        <a:defRPr/>
+                      </a:pPr>
+                      <a:r>
+                        <a:rPr lang="it-IT" sz="4000" b="1" dirty="0" smtClean="0">
+                          <a:solidFill>
+                            <a:schemeClr val="bg1">
+                              <a:lumMod val="50000"/>
+                            </a:schemeClr>
+                          </a:solidFill>
+                          <a:ea typeface="Arial Unicode MS" charset="0"/>
+                          <a:cs typeface="Arial Unicode MS" charset="0"/>
+                        </a:rPr>
+                        <a:t>②</a:t>
+                      </a:r>
+                      <a:endParaRPr lang="en-US" sz="4000" dirty="0" smtClean="0"/>
                     </a:p>
                   </a:txBody>
                   <a:tcPr anchor="ctr">
@@ -10535,7 +12154,15 @@
                     <a:bodyPr/>
                     <a:lstStyle/>
                     <a:p>
-                      <a:endParaRPr lang="en-US" sz="3200" b="0" dirty="0"/>
+                      <a:r>
+                        <a:rPr lang="it-IT" sz="3200" b="0" noProof="0" dirty="0" smtClean="0"/>
+                        <a:t>Estensione di IDEM</a:t>
+                      </a:r>
+                      <a:r>
+                        <a:rPr lang="it-IT" sz="3200" b="0" baseline="0" noProof="0" dirty="0" smtClean="0"/>
+                        <a:t> per l’autenticazione di utenti su sistemi Linux.</a:t>
+                      </a:r>
+                      <a:endParaRPr lang="it-IT" sz="3200" b="0" noProof="0" dirty="0"/>
                     </a:p>
                   </a:txBody>
                   <a:tcPr anchor="ctr">
@@ -10569,7 +12196,23 @@
                     <a:bodyPr/>
                     <a:lstStyle/>
                     <a:p>
-                      <a:pPr algn="r"/>
+                      <a:pPr marL="0" marR="0" indent="0" algn="r" defTabSz="914400" rtl="0" eaLnBrk="1" fontAlgn="auto" latinLnBrk="0" hangingPunct="1">
+                        <a:lnSpc>
+                          <a:spcPct val="100000"/>
+                        </a:lnSpc>
+                        <a:spcBef>
+                          <a:spcPts val="0"/>
+                        </a:spcBef>
+                        <a:spcAft>
+                          <a:spcPts val="0"/>
+                        </a:spcAft>
+                        <a:buClrTx/>
+                        <a:buSzTx/>
+                        <a:buFontTx/>
+                        <a:buNone/>
+                        <a:tabLst/>
+                        <a:defRPr/>
+                      </a:pPr>
                       <a:r>
                         <a:rPr lang="it-IT" sz="4000" b="1" dirty="0" smtClean="0">
                           <a:solidFill>
@@ -10580,9 +12223,9 @@
                           <a:ea typeface="Arial Unicode MS" charset="0"/>
                           <a:cs typeface="Arial Unicode MS" charset="0"/>
                         </a:rPr>
-                        <a:t>②</a:t>
+                        <a:t>③</a:t>
                       </a:r>
-                      <a:endParaRPr lang="en-US" sz="4000" dirty="0"/>
+                      <a:endParaRPr lang="en-US" sz="4000" dirty="0" smtClean="0"/>
                     </a:p>
                   </a:txBody>
                   <a:tcPr anchor="ctr">
@@ -11174,24 +12817,34 @@
               </a:tabLst>
             </a:pPr>
             <a:r>
-              <a:rPr lang="it-IT" sz="4400" b="1" dirty="0" smtClean="0">
+              <a:rPr lang="it-IT" sz="4400" b="1" dirty="0">
                 <a:solidFill>
                   <a:srgbClr val="000080"/>
                 </a:solidFill>
                 <a:ea typeface="Arial Unicode MS" charset="0"/>
                 <a:cs typeface="Arial Unicode MS" charset="0"/>
               </a:rPr>
-              <a:t>① </a:t>
-            </a:r>
-            <a:r>
-              <a:rPr lang="it-IT" sz="4400" dirty="0" smtClean="0">
+              <a:t>②</a:t>
+            </a:r>
+            <a:r>
+              <a:rPr lang="en-US" sz="4400" b="1" dirty="0" smtClean="0">
                 <a:solidFill>
                   <a:srgbClr val="000080"/>
                 </a:solidFill>
                 <a:ea typeface="Arial Unicode MS" charset="0"/>
                 <a:cs typeface="Arial Unicode MS" charset="0"/>
               </a:rPr>
-              <a:t>Architettura ad alto livello</a:t>
+              <a:t> </a:t>
+            </a:r>
+            <a:r>
+              <a:rPr lang="it-IT" sz="4400" dirty="0" smtClean="0">
+                <a:solidFill>
+                  <a:srgbClr val="000080"/>
+                </a:solidFill>
+                <a:ea typeface="Arial Unicode MS" charset="0"/>
+                <a:cs typeface="Arial Unicode MS" charset="0"/>
+              </a:rPr>
+              <a:t>Scopo e benefici</a:t>
             </a:r>
             <a:endParaRPr lang="it-IT" sz="4400" dirty="0">
               <a:solidFill>
@@ -11203,102 +12856,285 @@
           </a:p>
         </p:txBody>
       </p:sp>
-      <p:graphicFrame>
-        <p:nvGraphicFramePr>
-          <p:cNvPr id="2" name="Oggetto 1"/>
-          <p:cNvGraphicFramePr>
-            <a:graphicFrameLocks noChangeAspect="1"/>
-          </p:cNvGraphicFramePr>
-          <p:nvPr>
-            <p:extLst>
-              <p:ext uri="{D42A27DB-BD31-4B8C-83A1-F6EECF244321}">
-                <p14:modId xmlns:p14="http://schemas.microsoft.com/office/powerpoint/2010/main" val="2429682805"/>
-              </p:ext>
-            </p:extLst>
-          </p:nvPr>
-        </p:nvGraphicFramePr>
-        <p:xfrm>
-          <a:off x="849312" y="1036637"/>
-          <a:ext cx="8458200" cy="6038589"/>
-        </p:xfrm>
-        <a:graphic>
-          <a:graphicData uri="http://schemas.openxmlformats.org/presentationml/2006/ole">
-            <mc:AlternateContent xmlns:mc="http://schemas.openxmlformats.org/markup-compatibility/2006">
-              <mc:Choice xmlns:v="urn:schemas-microsoft-com:vml" Requires="v">
-                <p:oleObj spid="_x0000_s1033" name="Visio" r:id="rId4" imgW="5788679" imgH="4132634" progId="Visio.Drawing.11">
-                  <p:embed/>
-                </p:oleObj>
-              </mc:Choice>
-              <mc:Fallback>
-                <p:oleObj name="Visio" r:id="rId4" imgW="5788679" imgH="4132634" progId="Visio.Drawing.11">
-                  <p:embed/>
-                  <p:pic>
-                    <p:nvPicPr>
-                      <p:cNvPr id="0" name=""/>
-                      <p:cNvPicPr/>
-                      <p:nvPr/>
-                    </p:nvPicPr>
-                    <p:blipFill>
-                      <a:blip r:embed="rId5"/>
-                      <a:stretch>
-                        <a:fillRect/>
-                      </a:stretch>
-                    </p:blipFill>
-                    <p:spPr>
-                      <a:xfrm>
-                        <a:off x="849312" y="1036637"/>
-                        <a:ext cx="8458200" cy="6038589"/>
-                      </a:xfrm>
-                      <a:prstGeom prst="rect">
-                        <a:avLst/>
-                      </a:prstGeom>
-                    </p:spPr>
-                  </p:pic>
-                </p:oleObj>
-              </mc:Fallback>
-            </mc:AlternateContent>
-          </a:graphicData>
-        </a:graphic>
-      </p:graphicFrame>
-      <p:sp>
-        <p:nvSpPr>
-          <p:cNvPr id="4" name="CasellaDiTesto 3"/>
-          <p:cNvSpPr txBox="1"/>
+      <p:sp>
+        <p:nvSpPr>
+          <p:cNvPr id="4098" name="Rectangle 2"/>
+          <p:cNvSpPr>
+            <a:spLocks noChangeArrowheads="1"/>
+          </p:cNvSpPr>
           <p:nvPr/>
         </p:nvSpPr>
-        <p:spPr>
+        <p:spPr bwMode="auto">
           <a:xfrm>
-            <a:off x="1657824" y="6894526"/>
-            <a:ext cx="6763390" cy="349968"/>
+            <a:off x="671513" y="1511300"/>
+            <a:ext cx="9072562" cy="5414963"/>
           </a:xfrm>
           <a:prstGeom prst="rect">
             <a:avLst/>
           </a:prstGeom>
           <a:noFill/>
+          <a:ln w="9525">
+            <a:noFill/>
+            <a:round/>
+            <a:headEnd/>
+            <a:tailEnd/>
+          </a:ln>
+          <a:effectLst/>
         </p:spPr>
         <p:txBody>
-          <a:bodyPr wrap="none" rtlCol="0">
-            <a:spAutoFit/>
-          </a:bodyPr>
+          <a:bodyPr lIns="90000" tIns="46800" rIns="90000" bIns="46800"/>
           <a:lstStyle/>
           <a:p>
-            <a:r>
-              <a:rPr lang="it-IT" dirty="0" smtClean="0">
-                <a:solidFill>
-                  <a:schemeClr val="tx1"/>
-                </a:solidFill>
-              </a:rPr>
-              <a:t>(con bordo rosso le componenti sviluppate o configurate ad-hoc)</a:t>
-            </a:r>
-            <a:endParaRPr lang="it-IT" dirty="0">
+            <a:pPr marL="319088" indent="-319088" hangingPunct="1">
+              <a:spcBef>
+                <a:spcPts val="800"/>
+              </a:spcBef>
+              <a:buClr>
+                <a:srgbClr val="808080"/>
+              </a:buClr>
+              <a:buSzPct val="65000"/>
+              <a:buFont typeface="Wingdings" charset="2"/>
+              <a:buChar char=""/>
+              <a:tabLst>
+                <a:tab pos="319088" algn="l"/>
+                <a:tab pos="776288" algn="l"/>
+                <a:tab pos="1233488" algn="l"/>
+                <a:tab pos="1690688" algn="l"/>
+                <a:tab pos="2147888" algn="l"/>
+                <a:tab pos="2605088" algn="l"/>
+                <a:tab pos="3062288" algn="l"/>
+                <a:tab pos="3519488" algn="l"/>
+                <a:tab pos="3976688" algn="l"/>
+                <a:tab pos="4433888" algn="l"/>
+                <a:tab pos="4891088" algn="l"/>
+                <a:tab pos="5348288" algn="l"/>
+                <a:tab pos="5805488" algn="l"/>
+                <a:tab pos="6262688" algn="l"/>
+                <a:tab pos="6719888" algn="l"/>
+                <a:tab pos="7177088" algn="l"/>
+                <a:tab pos="7634288" algn="l"/>
+                <a:tab pos="8091488" algn="l"/>
+                <a:tab pos="8548688" algn="l"/>
+                <a:tab pos="9005888" algn="l"/>
+                <a:tab pos="9463088" algn="l"/>
+              </a:tabLst>
+            </a:pPr>
+            <a:r>
+              <a:rPr lang="it-IT" sz="3200" b="1" dirty="0" smtClean="0">
+                <a:solidFill>
+                  <a:srgbClr val="000000"/>
+                </a:solidFill>
+                <a:cs typeface="Arial" charset="0"/>
+              </a:rPr>
+              <a:t>Benefici</a:t>
+            </a:r>
+            <a:r>
+              <a:rPr lang="it-IT" sz="3200" dirty="0" smtClean="0">
+                <a:solidFill>
+                  <a:srgbClr val="000000"/>
+                </a:solidFill>
+                <a:cs typeface="Arial" charset="0"/>
+              </a:rPr>
+              <a:t>: grazie a queste estensioni la federazione IDEM è in grado di </a:t>
+            </a:r>
+            <a:r>
+              <a:rPr lang="it-IT" sz="3200" dirty="0" smtClean="0">
+                <a:solidFill>
+                  <a:srgbClr val="000000"/>
+                </a:solidFill>
+                <a:cs typeface="Arial" charset="0"/>
+              </a:rPr>
+              <a:t>essere usata per autenticare utenti su macchine </a:t>
+            </a:r>
+            <a:r>
+              <a:rPr lang="it-IT" sz="3200" dirty="0" err="1" smtClean="0">
+                <a:solidFill>
+                  <a:srgbClr val="000000"/>
+                </a:solidFill>
+                <a:cs typeface="Arial" charset="0"/>
+              </a:rPr>
+              <a:t>Linxu</a:t>
+            </a:r>
+            <a:r>
+              <a:rPr lang="it-IT" sz="3200" dirty="0" smtClean="0">
+                <a:solidFill>
+                  <a:srgbClr val="000000"/>
+                </a:solidFill>
+                <a:cs typeface="Arial" charset="0"/>
+              </a:rPr>
+              <a:t>.</a:t>
+            </a:r>
+            <a:endParaRPr lang="it-IT" sz="3200" dirty="0" smtClean="0">
               <a:solidFill>
-                <a:schemeClr val="tx1"/>
+                <a:srgbClr val="000000"/>
               </a:solidFill>
+              <a:cs typeface="Arial" charset="0"/>
             </a:endParaRPr>
           </a:p>
+          <a:p>
+            <a:pPr marL="319088" indent="-319088" hangingPunct="1">
+              <a:spcBef>
+                <a:spcPts val="800"/>
+              </a:spcBef>
+              <a:buClr>
+                <a:srgbClr val="808080"/>
+              </a:buClr>
+              <a:buSzPct val="65000"/>
+              <a:buFont typeface="Wingdings" charset="2"/>
+              <a:buChar char=""/>
+              <a:tabLst>
+                <a:tab pos="319088" algn="l"/>
+                <a:tab pos="776288" algn="l"/>
+                <a:tab pos="1233488" algn="l"/>
+                <a:tab pos="1690688" algn="l"/>
+                <a:tab pos="2147888" algn="l"/>
+                <a:tab pos="2605088" algn="l"/>
+                <a:tab pos="3062288" algn="l"/>
+                <a:tab pos="3519488" algn="l"/>
+                <a:tab pos="3976688" algn="l"/>
+                <a:tab pos="4433888" algn="l"/>
+                <a:tab pos="4891088" algn="l"/>
+                <a:tab pos="5348288" algn="l"/>
+                <a:tab pos="5805488" algn="l"/>
+                <a:tab pos="6262688" algn="l"/>
+                <a:tab pos="6719888" algn="l"/>
+                <a:tab pos="7177088" algn="l"/>
+                <a:tab pos="7634288" algn="l"/>
+                <a:tab pos="8091488" algn="l"/>
+                <a:tab pos="8548688" algn="l"/>
+                <a:tab pos="9005888" algn="l"/>
+                <a:tab pos="9463088" algn="l"/>
+              </a:tabLst>
+            </a:pPr>
+            <a:endParaRPr lang="it-IT" sz="3200" dirty="0" smtClean="0">
+              <a:solidFill>
+                <a:srgbClr val="000000"/>
+              </a:solidFill>
+              <a:cs typeface="Arial" charset="0"/>
+            </a:endParaRPr>
+          </a:p>
+          <a:p>
+            <a:pPr marL="319088" lvl="1" indent="-319088" hangingPunct="1">
+              <a:spcBef>
+                <a:spcPts val="800"/>
+              </a:spcBef>
+              <a:buClr>
+                <a:srgbClr val="808080"/>
+              </a:buClr>
+              <a:buSzPct val="65000"/>
+              <a:buFont typeface="Wingdings" charset="2"/>
+              <a:buChar char=""/>
+              <a:tabLst>
+                <a:tab pos="319088" algn="l"/>
+                <a:tab pos="776288" algn="l"/>
+                <a:tab pos="1233488" algn="l"/>
+                <a:tab pos="1690688" algn="l"/>
+                <a:tab pos="2147888" algn="l"/>
+                <a:tab pos="2605088" algn="l"/>
+                <a:tab pos="3062288" algn="l"/>
+                <a:tab pos="3519488" algn="l"/>
+                <a:tab pos="3976688" algn="l"/>
+                <a:tab pos="4433888" algn="l"/>
+                <a:tab pos="4891088" algn="l"/>
+                <a:tab pos="5348288" algn="l"/>
+                <a:tab pos="5805488" algn="l"/>
+                <a:tab pos="6262688" algn="l"/>
+                <a:tab pos="6719888" algn="l"/>
+                <a:tab pos="7177088" algn="l"/>
+                <a:tab pos="7634288" algn="l"/>
+                <a:tab pos="8091488" algn="l"/>
+                <a:tab pos="8548688" algn="l"/>
+                <a:tab pos="9005888" algn="l"/>
+                <a:tab pos="9463088" algn="l"/>
+              </a:tabLst>
+            </a:pPr>
+            <a:r>
+              <a:rPr lang="it-IT" sz="3200" b="1" dirty="0" smtClean="0">
+                <a:solidFill>
+                  <a:srgbClr val="000000"/>
+                </a:solidFill>
+                <a:cs typeface="Arial" charset="0"/>
+              </a:rPr>
+              <a:t>Esempio</a:t>
+            </a:r>
+            <a:r>
+              <a:rPr lang="it-IT" sz="3200" dirty="0" smtClean="0">
+                <a:solidFill>
+                  <a:srgbClr val="000000"/>
+                </a:solidFill>
+                <a:cs typeface="Arial" charset="0"/>
+              </a:rPr>
+              <a:t>: il problema ci si è presentato quando per il progetto </a:t>
+            </a:r>
+            <a:r>
+              <a:rPr lang="it-IT" sz="3200" dirty="0" err="1" smtClean="0">
+                <a:solidFill>
+                  <a:srgbClr val="000000"/>
+                </a:solidFill>
+                <a:cs typeface="Arial" charset="0"/>
+              </a:rPr>
+              <a:t>GarrBox</a:t>
+            </a:r>
+            <a:r>
+              <a:rPr lang="it-IT" sz="3200" dirty="0" smtClean="0">
+                <a:solidFill>
+                  <a:srgbClr val="000000"/>
+                </a:solidFill>
+                <a:cs typeface="Arial" charset="0"/>
+              </a:rPr>
+              <a:t> abbiamo pensato come includere in </a:t>
+            </a:r>
+            <a:r>
+              <a:rPr lang="it-IT" sz="3200" dirty="0" err="1" smtClean="0">
+                <a:solidFill>
+                  <a:srgbClr val="000000"/>
+                </a:solidFill>
+                <a:cs typeface="Arial" charset="0"/>
+              </a:rPr>
+              <a:t>Shibboleth</a:t>
+            </a:r>
+            <a:r>
+              <a:rPr lang="it-IT" sz="3200" dirty="0" smtClean="0">
+                <a:solidFill>
+                  <a:srgbClr val="000000"/>
+                </a:solidFill>
+                <a:cs typeface="Arial" charset="0"/>
+              </a:rPr>
+              <a:t> interfacce a blocchi per i </a:t>
+            </a:r>
+            <a:r>
+              <a:rPr lang="it-IT" sz="3200" dirty="0" err="1" smtClean="0">
+                <a:solidFill>
+                  <a:srgbClr val="000000"/>
+                </a:solidFill>
+                <a:cs typeface="Arial" charset="0"/>
+              </a:rPr>
+              <a:t>filesystem</a:t>
+            </a:r>
+            <a:r>
+              <a:rPr lang="it-IT" sz="3200" dirty="0" smtClean="0">
+                <a:solidFill>
+                  <a:srgbClr val="000000"/>
+                </a:solidFill>
+                <a:cs typeface="Arial" charset="0"/>
+              </a:rPr>
+              <a:t> (CIFS e NFS), le quali non transitano da browser web.</a:t>
+            </a:r>
+            <a:endParaRPr lang="en-US" sz="2800" dirty="0" smtClean="0">
+              <a:solidFill>
+                <a:srgbClr val="000000"/>
+              </a:solidFill>
+              <a:cs typeface="Arial" charset="0"/>
+            </a:endParaRPr>
+          </a:p>
         </p:txBody>
       </p:sp>
     </p:spTree>
+    <p:extLst>
+      <p:ext uri="{BB962C8B-B14F-4D97-AF65-F5344CB8AC3E}">
+        <p14:creationId xmlns:p14="http://schemas.microsoft.com/office/powerpoint/2010/main" val="530617962"/>
+      </p:ext>
+    </p:extLst>
   </p:cSld>
   <p:clrMapOvr>
     <a:masterClrMapping/>
@@ -11419,17 +13255,17 @@
               <a:t>① </a:t>
             </a:r>
             <a:r>
-              <a:rPr lang="en-US" sz="4400" dirty="0" err="1" smtClean="0">
+              <a:rPr lang="it-IT" sz="3000" dirty="0" smtClean="0">
                 <a:solidFill>
                   <a:srgbClr val="000080"/>
                 </a:solidFill>
                 <a:ea typeface="Arial Unicode MS" charset="0"/>
                 <a:cs typeface="Arial Unicode MS" charset="0"/>
               </a:rPr>
-              <a:t>Riassunto</a:t>
-            </a:r>
-            <a:r>
-              <a:rPr lang="en-US" sz="4400" dirty="0" smtClean="0">
+              <a:t>e</a:t>
+            </a:r>
+            <a:r>
+              <a:rPr lang="it-IT" sz="4400" b="1" dirty="0">
                 <a:solidFill>
                   <a:srgbClr val="000080"/>
                 </a:solidFill>
@@ -11439,36 +13275,26 @@
               <a:t> </a:t>
             </a:r>
             <a:r>
-              <a:rPr lang="en-US" sz="4400" dirty="0" err="1" smtClean="0">
+              <a:rPr lang="it-IT" sz="4400" b="1" dirty="0" smtClean="0">
                 <a:solidFill>
                   <a:srgbClr val="000080"/>
                 </a:solidFill>
                 <a:ea typeface="Arial Unicode MS" charset="0"/>
                 <a:cs typeface="Arial Unicode MS" charset="0"/>
               </a:rPr>
-              <a:t>modifiche</a:t>
-            </a:r>
-            <a:r>
-              <a:rPr lang="en-US" sz="4400" dirty="0" smtClean="0">
+              <a:t>② </a:t>
+            </a:r>
+            <a:r>
+              <a:rPr lang="it-IT" sz="4400" dirty="0" smtClean="0">
                 <a:solidFill>
                   <a:srgbClr val="000080"/>
                 </a:solidFill>
                 <a:ea typeface="Arial Unicode MS" charset="0"/>
                 <a:cs typeface="Arial Unicode MS" charset="0"/>
               </a:rPr>
-              <a:t> </a:t>
-            </a:r>
-            <a:r>
-              <a:rPr lang="en-US" sz="4400" dirty="0" err="1" smtClean="0">
-                <a:solidFill>
-                  <a:srgbClr val="000080"/>
-                </a:solidFill>
-                <a:ea typeface="Arial Unicode MS" charset="0"/>
-                <a:cs typeface="Arial Unicode MS" charset="0"/>
-              </a:rPr>
-              <a:t>apportate</a:t>
-            </a:r>
-            <a:endParaRPr lang="en-US" sz="4400" dirty="0">
+              <a:t>Architettura ad alto livello</a:t>
+            </a:r>
+            <a:endParaRPr lang="it-IT" sz="4400" dirty="0">
               <a:solidFill>
                 <a:srgbClr val="000080"/>
               </a:solidFill>
@@ -11478,296 +13304,97 @@
           </a:p>
         </p:txBody>
       </p:sp>
-      <p:sp>
-        <p:nvSpPr>
-          <p:cNvPr id="4098" name="Rectangle 2"/>
-          <p:cNvSpPr>
-            <a:spLocks noChangeArrowheads="1"/>
-          </p:cNvSpPr>
+      <p:graphicFrame>
+        <p:nvGraphicFramePr>
+          <p:cNvPr id="2" name="Oggetto 1"/>
+          <p:cNvGraphicFramePr>
+            <a:graphicFrameLocks noChangeAspect="1"/>
+          </p:cNvGraphicFramePr>
+          <p:nvPr>
+            <p:extLst>
+              <p:ext uri="{D42A27DB-BD31-4B8C-83A1-F6EECF244321}">
+                <p14:modId xmlns:p14="http://schemas.microsoft.com/office/powerpoint/2010/main" val="2429682805"/>
+              </p:ext>
+            </p:extLst>
+          </p:nvPr>
+        </p:nvGraphicFramePr>
+        <p:xfrm>
+          <a:off x="849312" y="1036637"/>
+          <a:ext cx="8458200" cy="6038589"/>
+        </p:xfrm>
+        <a:graphic>
+          <a:graphicData uri="http://schemas.openxmlformats.org/presentationml/2006/ole">
+            <mc:AlternateContent xmlns:mc="http://schemas.openxmlformats.org/markup-compatibility/2006">
+              <mc:Choice xmlns:v="urn:schemas-microsoft-com:vml" Requires="v">
+                <p:oleObj spid="_x0000_s1035" name="Visio" r:id="rId4" imgW="5788679" imgH="4132634" progId="Visio.Drawing.11">
+                  <p:embed/>
+                </p:oleObj>
+              </mc:Choice>
+              <mc:Fallback>
+                <p:oleObj name="Visio" r:id="rId4" imgW="5788679" imgH="4132634" progId="Visio.Drawing.11">
+                  <p:embed/>
+                  <p:pic>
+                    <p:nvPicPr>
+                      <p:cNvPr id="0" name=""/>
+                      <p:cNvPicPr/>
+                      <p:nvPr/>
+                    </p:nvPicPr>
+                    <p:blipFill>
+                      <a:blip r:embed="rId5"/>
+                      <a:stretch>
+                        <a:fillRect/>
+                      </a:stretch>
+                    </p:blipFill>
+                    <p:spPr>
+                      <a:xfrm>
+                        <a:off x="849312" y="1036637"/>
+                        <a:ext cx="8458200" cy="6038589"/>
+                      </a:xfrm>
+                      <a:prstGeom prst="rect">
+                        <a:avLst/>
+                      </a:prstGeom>
+                    </p:spPr>
+                  </p:pic>
+                </p:oleObj>
+              </mc:Fallback>
+            </mc:AlternateContent>
+          </a:graphicData>
+        </a:graphic>
+      </p:graphicFrame>
+      <p:sp>
+        <p:nvSpPr>
+          <p:cNvPr id="4" name="CasellaDiTesto 3"/>
+          <p:cNvSpPr txBox="1"/>
           <p:nvPr/>
         </p:nvSpPr>
-        <p:spPr bwMode="auto">
+        <p:spPr>
           <a:xfrm>
-            <a:off x="671513" y="1511300"/>
-            <a:ext cx="9072562" cy="5414963"/>
+            <a:off x="1657824" y="6894526"/>
+            <a:ext cx="6763390" cy="349968"/>
           </a:xfrm>
           <a:prstGeom prst="rect">
             <a:avLst/>
           </a:prstGeom>
           <a:noFill/>
-          <a:ln w="9525">
-            <a:noFill/>
-            <a:round/>
-            <a:headEnd/>
-            <a:tailEnd/>
-          </a:ln>
-          <a:effectLst/>
         </p:spPr>
         <p:txBody>
-          <a:bodyPr lIns="90000" tIns="46800" rIns="90000" bIns="46800"/>
+          <a:bodyPr wrap="none" rtlCol="0">
+            <a:spAutoFit/>
+          </a:bodyPr>
           <a:lstStyle/>
           <a:p>
-            <a:pPr marL="319088" indent="-319088" hangingPunct="1">
-              <a:spcBef>
-                <a:spcPts val="800"/>
-              </a:spcBef>
-              <a:buClr>
-                <a:srgbClr val="808080"/>
-              </a:buClr>
-              <a:buSzPct val="65000"/>
-              <a:buFont typeface="Wingdings" charset="2"/>
-              <a:buChar char=""/>
-              <a:tabLst>
-                <a:tab pos="319088" algn="l"/>
-                <a:tab pos="776288" algn="l"/>
-                <a:tab pos="1233488" algn="l"/>
-                <a:tab pos="1690688" algn="l"/>
-                <a:tab pos="2147888" algn="l"/>
-                <a:tab pos="2605088" algn="l"/>
-                <a:tab pos="3062288" algn="l"/>
-                <a:tab pos="3519488" algn="l"/>
-                <a:tab pos="3976688" algn="l"/>
-                <a:tab pos="4433888" algn="l"/>
-                <a:tab pos="4891088" algn="l"/>
-                <a:tab pos="5348288" algn="l"/>
-                <a:tab pos="5805488" algn="l"/>
-                <a:tab pos="6262688" algn="l"/>
-                <a:tab pos="6719888" algn="l"/>
-                <a:tab pos="7177088" algn="l"/>
-                <a:tab pos="7634288" algn="l"/>
-                <a:tab pos="8091488" algn="l"/>
-                <a:tab pos="8548688" algn="l"/>
-                <a:tab pos="9005888" algn="l"/>
-                <a:tab pos="9463088" algn="l"/>
-              </a:tabLst>
-            </a:pPr>
-            <a:r>
-              <a:rPr lang="it-IT" sz="3200" b="1" dirty="0" err="1" smtClean="0">
-                <a:solidFill>
-                  <a:srgbClr val="000000"/>
-                </a:solidFill>
-                <a:cs typeface="Arial" charset="0"/>
-              </a:rPr>
-              <a:t>IdP</a:t>
-            </a:r>
-            <a:r>
-              <a:rPr lang="it-IT" sz="3200" dirty="0" smtClean="0">
-                <a:solidFill>
-                  <a:srgbClr val="000000"/>
-                </a:solidFill>
-                <a:cs typeface="Arial" charset="0"/>
-              </a:rPr>
-              <a:t>: </a:t>
-            </a:r>
-            <a:r>
-              <a:rPr lang="it-IT" sz="3200" dirty="0" err="1" smtClean="0">
-                <a:solidFill>
-                  <a:srgbClr val="000000"/>
-                </a:solidFill>
-                <a:cs typeface="Arial" charset="0"/>
-              </a:rPr>
-              <a:t>deploy</a:t>
-            </a:r>
-            <a:r>
-              <a:rPr lang="it-IT" sz="3200" dirty="0" smtClean="0">
-                <a:solidFill>
-                  <a:srgbClr val="000000"/>
-                </a:solidFill>
-                <a:cs typeface="Arial" charset="0"/>
-              </a:rPr>
-              <a:t> di una </a:t>
-            </a:r>
-            <a:r>
-              <a:rPr lang="it-IT" sz="3200" dirty="0" err="1" smtClean="0">
-                <a:solidFill>
-                  <a:srgbClr val="000000"/>
-                </a:solidFill>
-                <a:cs typeface="Arial" charset="0"/>
-              </a:rPr>
-              <a:t>servlet</a:t>
-            </a:r>
-            <a:r>
-              <a:rPr lang="it-IT" sz="3200" dirty="0" smtClean="0">
-                <a:solidFill>
-                  <a:srgbClr val="000000"/>
-                </a:solidFill>
-                <a:cs typeface="Arial" charset="0"/>
-              </a:rPr>
-              <a:t> per fornire gli elenchi di utenti e gruppi da LDAP e attivazione (tramite configurazione) del Basic </a:t>
-            </a:r>
-            <a:r>
-              <a:rPr lang="it-IT" sz="3200" dirty="0" err="1" smtClean="0">
-                <a:solidFill>
-                  <a:srgbClr val="000000"/>
-                </a:solidFill>
-                <a:cs typeface="Arial" charset="0"/>
-              </a:rPr>
-              <a:t>Authentication</a:t>
-            </a:r>
-            <a:r>
-              <a:rPr lang="it-IT" sz="3200" dirty="0" smtClean="0">
-                <a:solidFill>
-                  <a:srgbClr val="000000"/>
-                </a:solidFill>
-                <a:cs typeface="Arial" charset="0"/>
-              </a:rPr>
-              <a:t> Login </a:t>
-            </a:r>
-            <a:r>
-              <a:rPr lang="it-IT" sz="3200" dirty="0" err="1" smtClean="0">
-                <a:solidFill>
-                  <a:srgbClr val="000000"/>
-                </a:solidFill>
-                <a:cs typeface="Arial" charset="0"/>
-              </a:rPr>
-              <a:t>Handler</a:t>
-            </a:r>
-            <a:r>
-              <a:rPr lang="it-IT" sz="3200" dirty="0" smtClean="0">
-                <a:solidFill>
-                  <a:srgbClr val="000000"/>
-                </a:solidFill>
-                <a:cs typeface="Arial" charset="0"/>
-              </a:rPr>
-              <a:t>.</a:t>
-            </a:r>
-          </a:p>
-          <a:p>
-            <a:pPr marL="319088" indent="-319088" hangingPunct="1">
-              <a:spcBef>
-                <a:spcPts val="800"/>
-              </a:spcBef>
-              <a:buClr>
-                <a:srgbClr val="808080"/>
-              </a:buClr>
-              <a:buSzPct val="65000"/>
-              <a:buFont typeface="Wingdings" charset="2"/>
-              <a:buChar char=""/>
-              <a:tabLst>
-                <a:tab pos="319088" algn="l"/>
-                <a:tab pos="776288" algn="l"/>
-                <a:tab pos="1233488" algn="l"/>
-                <a:tab pos="1690688" algn="l"/>
-                <a:tab pos="2147888" algn="l"/>
-                <a:tab pos="2605088" algn="l"/>
-                <a:tab pos="3062288" algn="l"/>
-                <a:tab pos="3519488" algn="l"/>
-                <a:tab pos="3976688" algn="l"/>
-                <a:tab pos="4433888" algn="l"/>
-                <a:tab pos="4891088" algn="l"/>
-                <a:tab pos="5348288" algn="l"/>
-                <a:tab pos="5805488" algn="l"/>
-                <a:tab pos="6262688" algn="l"/>
-                <a:tab pos="6719888" algn="l"/>
-                <a:tab pos="7177088" algn="l"/>
-                <a:tab pos="7634288" algn="l"/>
-                <a:tab pos="8091488" algn="l"/>
-                <a:tab pos="8548688" algn="l"/>
-                <a:tab pos="9005888" algn="l"/>
-                <a:tab pos="9463088" algn="l"/>
-              </a:tabLst>
-            </a:pPr>
-            <a:endParaRPr lang="it-IT" sz="3200" dirty="0" smtClean="0">
+            <a:r>
+              <a:rPr lang="it-IT" dirty="0" smtClean="0">
+                <a:solidFill>
+                  <a:schemeClr val="tx1"/>
+                </a:solidFill>
+              </a:rPr>
+              <a:t>(con bordo rosso le componenti sviluppate o configurate ad-hoc)</a:t>
+            </a:r>
+            <a:endParaRPr lang="it-IT" dirty="0">
               <a:solidFill>
-                <a:srgbClr val="000000"/>
+                <a:schemeClr val="tx1"/>
               </a:solidFill>
-              <a:cs typeface="Arial" charset="0"/>
-            </a:endParaRPr>
-          </a:p>
-          <a:p>
-            <a:pPr marL="319088" lvl="1" indent="-319088" hangingPunct="1">
-              <a:spcBef>
-                <a:spcPts val="800"/>
-              </a:spcBef>
-              <a:buClr>
-                <a:srgbClr val="808080"/>
-              </a:buClr>
-              <a:buSzPct val="65000"/>
-              <a:buFont typeface="Wingdings" charset="2"/>
-              <a:buChar char=""/>
-              <a:tabLst>
-                <a:tab pos="319088" algn="l"/>
-                <a:tab pos="776288" algn="l"/>
-                <a:tab pos="1233488" algn="l"/>
-                <a:tab pos="1690688" algn="l"/>
-                <a:tab pos="2147888" algn="l"/>
-                <a:tab pos="2605088" algn="l"/>
-                <a:tab pos="3062288" algn="l"/>
-                <a:tab pos="3519488" algn="l"/>
-                <a:tab pos="3976688" algn="l"/>
-                <a:tab pos="4433888" algn="l"/>
-                <a:tab pos="4891088" algn="l"/>
-                <a:tab pos="5348288" algn="l"/>
-                <a:tab pos="5805488" algn="l"/>
-                <a:tab pos="6262688" algn="l"/>
-                <a:tab pos="6719888" algn="l"/>
-                <a:tab pos="7177088" algn="l"/>
-                <a:tab pos="7634288" algn="l"/>
-                <a:tab pos="8091488" algn="l"/>
-                <a:tab pos="8548688" algn="l"/>
-                <a:tab pos="9005888" algn="l"/>
-                <a:tab pos="9463088" algn="l"/>
-              </a:tabLst>
-            </a:pPr>
-            <a:r>
-              <a:rPr lang="en-US" sz="3200" b="1" dirty="0" smtClean="0">
-                <a:solidFill>
-                  <a:srgbClr val="000000"/>
-                </a:solidFill>
-                <a:cs typeface="Arial" charset="0"/>
-              </a:rPr>
-              <a:t>SP</a:t>
-            </a:r>
-            <a:r>
-              <a:rPr lang="en-US" sz="3200" dirty="0" smtClean="0">
-                <a:solidFill>
-                  <a:srgbClr val="000000"/>
-                </a:solidFill>
-                <a:cs typeface="Arial" charset="0"/>
-              </a:rPr>
-              <a:t>: d</a:t>
-            </a:r>
-            <a:r>
-              <a:rPr lang="it-IT" sz="3200" dirty="0" err="1" smtClean="0">
-                <a:solidFill>
-                  <a:srgbClr val="000000"/>
-                </a:solidFill>
-                <a:cs typeface="Arial" charset="0"/>
-              </a:rPr>
-              <a:t>eploy</a:t>
-            </a:r>
-            <a:r>
-              <a:rPr lang="it-IT" sz="3200" dirty="0" smtClean="0">
-                <a:solidFill>
-                  <a:srgbClr val="000000"/>
-                </a:solidFill>
-                <a:cs typeface="Arial" charset="0"/>
-              </a:rPr>
-              <a:t> di librerie per PAM (moduli di autorizzazione dei sistemi Linux) e configurazione di </a:t>
-            </a:r>
-            <a:r>
-              <a:rPr lang="it-IT" sz="3200" dirty="0" err="1" smtClean="0">
-                <a:solidFill>
-                  <a:srgbClr val="000000"/>
-                </a:solidFill>
-                <a:cs typeface="Arial" charset="0"/>
-              </a:rPr>
-              <a:t>Shibboleth</a:t>
-            </a:r>
-            <a:r>
-              <a:rPr lang="it-IT" sz="3200" dirty="0" smtClean="0">
-                <a:solidFill>
-                  <a:srgbClr val="000000"/>
-                </a:solidFill>
-                <a:cs typeface="Arial" charset="0"/>
-              </a:rPr>
-              <a:t> SP.</a:t>
-            </a:r>
-            <a:endParaRPr lang="it-IT" sz="2800" dirty="0" smtClean="0">
-              <a:solidFill>
-                <a:srgbClr val="000000"/>
-              </a:solidFill>
-              <a:cs typeface="Arial" charset="0"/>
             </a:endParaRPr>
           </a:p>
         </p:txBody>
@@ -11883,36 +13510,66 @@
               </a:tabLst>
             </a:pPr>
             <a:r>
-              <a:rPr lang="it-IT" sz="4400" b="1" dirty="0" smtClean="0">
+              <a:rPr lang="it-IT" sz="4400" b="1" dirty="0">
                 <a:solidFill>
                   <a:srgbClr val="000080"/>
                 </a:solidFill>
                 <a:ea typeface="Arial Unicode MS" charset="0"/>
                 <a:cs typeface="Arial Unicode MS" charset="0"/>
               </a:rPr>
-              <a:t>②</a:t>
-            </a:r>
-            <a:r>
-              <a:rPr lang="en-US" sz="4400" b="1" dirty="0" smtClean="0">
+              <a:t>① </a:t>
+            </a:r>
+            <a:r>
+              <a:rPr lang="it-IT" sz="3000" dirty="0">
                 <a:solidFill>
                   <a:srgbClr val="000080"/>
                 </a:solidFill>
                 <a:ea typeface="Arial Unicode MS" charset="0"/>
                 <a:cs typeface="Arial Unicode MS" charset="0"/>
               </a:rPr>
-              <a:t> </a:t>
-            </a:r>
-            <a:r>
-              <a:rPr lang="it-IT" sz="4400" dirty="0" smtClean="0">
+              <a:t>e</a:t>
+            </a:r>
+            <a:r>
+              <a:rPr lang="it-IT" sz="4400" b="1" dirty="0">
                 <a:solidFill>
                   <a:srgbClr val="000080"/>
                 </a:solidFill>
                 <a:ea typeface="Arial Unicode MS" charset="0"/>
                 <a:cs typeface="Arial Unicode MS" charset="0"/>
               </a:rPr>
-              <a:t>Scopo e benefici</a:t>
-            </a:r>
-            <a:endParaRPr lang="it-IT" sz="4400" dirty="0">
+              <a:t> ② </a:t>
+            </a:r>
+            <a:r>
+              <a:rPr lang="en-US" sz="4400" dirty="0" err="1" smtClean="0">
+                <a:solidFill>
+                  <a:srgbClr val="000080"/>
+                </a:solidFill>
+                <a:ea typeface="Arial Unicode MS" charset="0"/>
+                <a:cs typeface="Arial Unicode MS" charset="0"/>
+              </a:rPr>
+              <a:t>Modifiche</a:t>
+            </a:r>
+            <a:r>
+              <a:rPr lang="en-US" sz="4400" dirty="0" smtClean="0">
+                <a:solidFill>
+                  <a:srgbClr val="000080"/>
+                </a:solidFill>
+                <a:ea typeface="Arial Unicode MS" charset="0"/>
+                <a:cs typeface="Arial Unicode MS" charset="0"/>
+              </a:rPr>
+              <a:t> </a:t>
+            </a:r>
+            <a:r>
+              <a:rPr lang="en-US" sz="4400" dirty="0" err="1" smtClean="0">
+                <a:solidFill>
+                  <a:srgbClr val="000080"/>
+                </a:solidFill>
+                <a:ea typeface="Arial Unicode MS" charset="0"/>
+                <a:cs typeface="Arial Unicode MS" charset="0"/>
+              </a:rPr>
+              <a:t>apportate</a:t>
+            </a:r>
+            <a:endParaRPr lang="en-US" sz="4400" dirty="0">
               <a:solidFill>
                 <a:srgbClr val="000080"/>
               </a:solidFill>
@@ -11986,13 +13643,13 @@
               </a:tabLst>
             </a:pPr>
             <a:r>
-              <a:rPr lang="it-IT" sz="3200" b="1" dirty="0" smtClean="0">
+              <a:rPr lang="it-IT" sz="3200" b="1" dirty="0" err="1" smtClean="0">
                 <a:solidFill>
                   <a:srgbClr val="000000"/>
                 </a:solidFill>
                 <a:cs typeface="Arial" charset="0"/>
               </a:rPr>
-              <a:t>Benefici</a:t>
+              <a:t>IdP</a:t>
             </a:r>
             <a:r>
               <a:rPr lang="it-IT" sz="3200" dirty="0" smtClean="0">
@@ -12001,7 +13658,79 @@
                 </a:solidFill>
                 <a:cs typeface="Arial" charset="0"/>
               </a:rPr>
-              <a:t>: grazie a queste estensione la federazione IDEM è in grado di raggiungere e includere applicazioni che usano protocolli di autenticazione sofisticati.</a:t>
+              <a:t>: </a:t>
+            </a:r>
+            <a:r>
+              <a:rPr lang="it-IT" sz="3200" dirty="0" err="1" smtClean="0">
+                <a:solidFill>
+                  <a:srgbClr val="000000"/>
+                </a:solidFill>
+                <a:cs typeface="Arial" charset="0"/>
+              </a:rPr>
+              <a:t>deploy</a:t>
+            </a:r>
+            <a:r>
+              <a:rPr lang="it-IT" sz="3200" dirty="0" smtClean="0">
+                <a:solidFill>
+                  <a:srgbClr val="000000"/>
+                </a:solidFill>
+                <a:cs typeface="Arial" charset="0"/>
+              </a:rPr>
+              <a:t> di una </a:t>
+            </a:r>
+            <a:r>
+              <a:rPr lang="it-IT" sz="3200" dirty="0" err="1" smtClean="0">
+                <a:solidFill>
+                  <a:srgbClr val="000000"/>
+                </a:solidFill>
+                <a:cs typeface="Arial" charset="0"/>
+              </a:rPr>
+              <a:t>servlet</a:t>
+            </a:r>
+            <a:r>
+              <a:rPr lang="it-IT" sz="3200" dirty="0" smtClean="0">
+                <a:solidFill>
+                  <a:srgbClr val="000000"/>
+                </a:solidFill>
+                <a:cs typeface="Arial" charset="0"/>
+              </a:rPr>
+              <a:t> per fornire gli elenchi di utenti e gruppi da LDAP e attivazione (tramite configurazione) del Basic </a:t>
+            </a:r>
+            <a:r>
+              <a:rPr lang="it-IT" sz="3200" dirty="0" err="1" smtClean="0">
+                <a:solidFill>
+                  <a:srgbClr val="000000"/>
+                </a:solidFill>
+                <a:cs typeface="Arial" charset="0"/>
+              </a:rPr>
+              <a:t>Authentication</a:t>
+            </a:r>
+            <a:r>
+              <a:rPr lang="it-IT" sz="3200" dirty="0" smtClean="0">
+                <a:solidFill>
+                  <a:srgbClr val="000000"/>
+                </a:solidFill>
+                <a:cs typeface="Arial" charset="0"/>
+              </a:rPr>
+              <a:t> Login </a:t>
+            </a:r>
+            <a:r>
+              <a:rPr lang="it-IT" sz="3200" dirty="0" err="1" smtClean="0">
+                <a:solidFill>
+                  <a:srgbClr val="000000"/>
+                </a:solidFill>
+                <a:cs typeface="Arial" charset="0"/>
+              </a:rPr>
+              <a:t>Handler</a:t>
+            </a:r>
+            <a:r>
+              <a:rPr lang="it-IT" sz="3200" dirty="0" smtClean="0">
+                <a:solidFill>
+                  <a:srgbClr val="000000"/>
+                </a:solidFill>
+                <a:cs typeface="Arial" charset="0"/>
+              </a:rPr>
+              <a:t>.</a:t>
             </a:r>
           </a:p>
           <a:p>
@@ -12082,13 +13811,40 @@
               </a:tabLst>
             </a:pPr>
             <a:r>
-              <a:rPr lang="it-IT" sz="3200" b="1" dirty="0" smtClean="0">
+              <a:rPr lang="en-US" sz="3200" b="1" dirty="0" smtClean="0">
                 <a:solidFill>
                   <a:srgbClr val="000000"/>
                 </a:solidFill>
                 <a:cs typeface="Arial" charset="0"/>
               </a:rPr>
-              <a:t>Esempio</a:t>
+              <a:t>SP</a:t>
+            </a:r>
+            <a:r>
+              <a:rPr lang="en-US" sz="3200" dirty="0" smtClean="0">
+                <a:solidFill>
+                  <a:srgbClr val="000000"/>
+                </a:solidFill>
+                <a:cs typeface="Arial" charset="0"/>
+              </a:rPr>
+              <a:t>: </a:t>
+            </a:r>
+            <a:r>
+              <a:rPr lang="en-US" sz="3200" dirty="0" smtClean="0">
+                <a:solidFill>
+                  <a:srgbClr val="000000"/>
+                </a:solidFill>
+                <a:cs typeface="Arial" charset="0"/>
+              </a:rPr>
+              <a:t>d</a:t>
+            </a:r>
+            <a:r>
+              <a:rPr lang="it-IT" sz="3200" dirty="0" err="1" smtClean="0">
+                <a:solidFill>
+                  <a:srgbClr val="000000"/>
+                </a:solidFill>
+                <a:cs typeface="Arial" charset="0"/>
+              </a:rPr>
+              <a:t>eploy</a:t>
             </a:r>
             <a:r>
               <a:rPr lang="it-IT" sz="3200" dirty="0" smtClean="0">
@@ -12097,7 +13853,16 @@
                 </a:solidFill>
                 <a:cs typeface="Arial" charset="0"/>
               </a:rPr>
-              <a:t>: il problema ci si è presentato nel momento in cui per </a:t>
+              <a:t> di librerie per PAM (moduli di autorizzazione dei sistemi Linux) e configurazione </a:t>
+            </a:r>
+            <a:r>
+              <a:rPr lang="it-IT" sz="3200" dirty="0" smtClean="0">
+                <a:solidFill>
+                  <a:srgbClr val="000000"/>
+                </a:solidFill>
+                <a:cs typeface="Arial" charset="0"/>
+              </a:rPr>
+              <a:t>di </a:t>
             </a:r>
             <a:r>
               <a:rPr lang="it-IT" sz="3200" dirty="0" err="1" smtClean="0">
@@ -12106,7 +13871,7 @@
                 </a:solidFill>
                 <a:cs typeface="Arial" charset="0"/>
               </a:rPr>
-              <a:t>GarrBox</a:t>
+              <a:t>Shibboleth</a:t>
             </a:r>
             <a:r>
               <a:rPr lang="it-IT" sz="3200" dirty="0" smtClean="0">
@@ -12115,7 +13880,33 @@
                 </a:solidFill>
                 <a:cs typeface="Arial" charset="0"/>
               </a:rPr>
-              <a:t> abbiamo dovuto integrare l’interfaccia Amazon S3, che ha un suo schema autorizzativo non basato su </a:t>
+              <a:t> </a:t>
+            </a:r>
+            <a:r>
+              <a:rPr lang="it-IT" sz="3200" dirty="0" smtClean="0">
+                <a:solidFill>
+                  <a:srgbClr val="000000"/>
+                </a:solidFill>
+                <a:cs typeface="Arial" charset="0"/>
+              </a:rPr>
+              <a:t>SP.</a:t>
+            </a:r>
+            <a:br>
+              <a:rPr lang="it-IT" sz="3200" dirty="0" smtClean="0">
+                <a:solidFill>
+                  <a:srgbClr val="000000"/>
+                </a:solidFill>
+                <a:cs typeface="Arial" charset="0"/>
+              </a:rPr>
+            </a:br>
+            <a:r>
+              <a:rPr lang="it-IT" sz="3200" dirty="0" smtClean="0">
+                <a:solidFill>
+                  <a:srgbClr val="000000"/>
+                </a:solidFill>
+                <a:cs typeface="Arial" charset="0"/>
+              </a:rPr>
+              <a:t>Sono inoltre state realizzate delle API per integrare l’autenticazione </a:t>
             </a:r>
             <a:r>
               <a:rPr lang="it-IT" sz="3200" dirty="0" err="1" smtClean="0">
@@ -12124,7 +13915,43 @@
                 </a:solidFill>
                 <a:cs typeface="Arial" charset="0"/>
               </a:rPr>
-              <a:t>username+password</a:t>
+              <a:t>Shibboleth</a:t>
+            </a:r>
+            <a:r>
+              <a:rPr lang="it-IT" sz="3200" dirty="0" smtClean="0">
+                <a:solidFill>
+                  <a:srgbClr val="000000"/>
+                </a:solidFill>
+                <a:cs typeface="Arial" charset="0"/>
+              </a:rPr>
+              <a:t> in </a:t>
+            </a:r>
+            <a:r>
+              <a:rPr lang="it-IT" sz="3200" dirty="0" err="1" smtClean="0">
+                <a:solidFill>
+                  <a:srgbClr val="000000"/>
+                </a:solidFill>
+                <a:cs typeface="Arial" charset="0"/>
+              </a:rPr>
+              <a:t>applicazionei</a:t>
+            </a:r>
+            <a:r>
+              <a:rPr lang="it-IT" sz="3200" dirty="0" smtClean="0">
+                <a:solidFill>
+                  <a:srgbClr val="000000"/>
+                </a:solidFill>
+                <a:cs typeface="Arial" charset="0"/>
+              </a:rPr>
+              <a:t> Java e </a:t>
+            </a:r>
+            <a:r>
+              <a:rPr lang="it-IT" sz="3200" dirty="0" err="1" smtClean="0">
+                <a:solidFill>
+                  <a:srgbClr val="000000"/>
+                </a:solidFill>
+                <a:cs typeface="Arial" charset="0"/>
+              </a:rPr>
+              <a:t>Python</a:t>
             </a:r>
             <a:r>
               <a:rPr lang="it-IT" sz="3200" dirty="0" smtClean="0">
@@ -12262,7 +14089,379 @@
                 <a:ea typeface="Arial Unicode MS" charset="0"/>
                 <a:cs typeface="Arial Unicode MS" charset="0"/>
               </a:rPr>
-              <a:t>②</a:t>
+              <a:t>③</a:t>
+            </a:r>
+            <a:r>
+              <a:rPr lang="en-US" sz="4400" b="1" dirty="0" smtClean="0">
+                <a:solidFill>
+                  <a:srgbClr val="000080"/>
+                </a:solidFill>
+                <a:ea typeface="Arial Unicode MS" charset="0"/>
+                <a:cs typeface="Arial Unicode MS" charset="0"/>
+              </a:rPr>
+              <a:t> </a:t>
+            </a:r>
+            <a:r>
+              <a:rPr lang="it-IT" sz="4400" dirty="0" smtClean="0">
+                <a:solidFill>
+                  <a:srgbClr val="000080"/>
+                </a:solidFill>
+                <a:ea typeface="Arial Unicode MS" charset="0"/>
+                <a:cs typeface="Arial Unicode MS" charset="0"/>
+              </a:rPr>
+              <a:t>Scopo e benefici</a:t>
+            </a:r>
+            <a:endParaRPr lang="it-IT" sz="4400" dirty="0">
+              <a:solidFill>
+                <a:srgbClr val="000080"/>
+              </a:solidFill>
+              <a:ea typeface="Arial Unicode MS" charset="0"/>
+              <a:cs typeface="Arial Unicode MS" charset="0"/>
+            </a:endParaRPr>
+          </a:p>
+        </p:txBody>
+      </p:sp>
+      <p:sp>
+        <p:nvSpPr>
+          <p:cNvPr id="4098" name="Rectangle 2"/>
+          <p:cNvSpPr>
+            <a:spLocks noChangeArrowheads="1"/>
+          </p:cNvSpPr>
+          <p:nvPr/>
+        </p:nvSpPr>
+        <p:spPr bwMode="auto">
+          <a:xfrm>
+            <a:off x="671513" y="1511300"/>
+            <a:ext cx="9072562" cy="5414963"/>
+          </a:xfrm>
+          <a:prstGeom prst="rect">
+            <a:avLst/>
+          </a:prstGeom>
+          <a:noFill/>
+          <a:ln w="9525">
+            <a:noFill/>
+            <a:round/>
+            <a:headEnd/>
+            <a:tailEnd/>
+          </a:ln>
+          <a:effectLst/>
+        </p:spPr>
+        <p:txBody>
+          <a:bodyPr lIns="90000" tIns="46800" rIns="90000" bIns="46800"/>
+          <a:lstStyle/>
+          <a:p>
+            <a:pPr marL="319088" indent="-319088" hangingPunct="1">
+              <a:spcBef>
+                <a:spcPts val="800"/>
+              </a:spcBef>
+              <a:buClr>
+                <a:srgbClr val="808080"/>
+              </a:buClr>
+              <a:buSzPct val="65000"/>
+              <a:buFont typeface="Wingdings" charset="2"/>
+              <a:buChar char=""/>
+              <a:tabLst>
+                <a:tab pos="319088" algn="l"/>
+                <a:tab pos="776288" algn="l"/>
+                <a:tab pos="1233488" algn="l"/>
+                <a:tab pos="1690688" algn="l"/>
+                <a:tab pos="2147888" algn="l"/>
+                <a:tab pos="2605088" algn="l"/>
+                <a:tab pos="3062288" algn="l"/>
+                <a:tab pos="3519488" algn="l"/>
+                <a:tab pos="3976688" algn="l"/>
+                <a:tab pos="4433888" algn="l"/>
+                <a:tab pos="4891088" algn="l"/>
+                <a:tab pos="5348288" algn="l"/>
+                <a:tab pos="5805488" algn="l"/>
+                <a:tab pos="6262688" algn="l"/>
+                <a:tab pos="6719888" algn="l"/>
+                <a:tab pos="7177088" algn="l"/>
+                <a:tab pos="7634288" algn="l"/>
+                <a:tab pos="8091488" algn="l"/>
+                <a:tab pos="8548688" algn="l"/>
+                <a:tab pos="9005888" algn="l"/>
+                <a:tab pos="9463088" algn="l"/>
+              </a:tabLst>
+            </a:pPr>
+            <a:r>
+              <a:rPr lang="it-IT" sz="3200" b="1" dirty="0" smtClean="0">
+                <a:solidFill>
+                  <a:srgbClr val="000000"/>
+                </a:solidFill>
+                <a:cs typeface="Arial" charset="0"/>
+              </a:rPr>
+              <a:t>Benefici</a:t>
+            </a:r>
+            <a:r>
+              <a:rPr lang="it-IT" sz="3200" dirty="0" smtClean="0">
+                <a:solidFill>
+                  <a:srgbClr val="000000"/>
+                </a:solidFill>
+                <a:cs typeface="Arial" charset="0"/>
+              </a:rPr>
+              <a:t>: grazie a queste estensione la federazione IDEM è in grado di raggiungere e includere applicazioni che usano protocolli di autenticazione sofisticati.</a:t>
+            </a:r>
+          </a:p>
+          <a:p>
+            <a:pPr marL="319088" indent="-319088" hangingPunct="1">
+              <a:spcBef>
+                <a:spcPts val="800"/>
+              </a:spcBef>
+              <a:buClr>
+                <a:srgbClr val="808080"/>
+              </a:buClr>
+              <a:buSzPct val="65000"/>
+              <a:buFont typeface="Wingdings" charset="2"/>
+              <a:buChar char=""/>
+              <a:tabLst>
+                <a:tab pos="319088" algn="l"/>
+                <a:tab pos="776288" algn="l"/>
+                <a:tab pos="1233488" algn="l"/>
+                <a:tab pos="1690688" algn="l"/>
+                <a:tab pos="2147888" algn="l"/>
+                <a:tab pos="2605088" algn="l"/>
+                <a:tab pos="3062288" algn="l"/>
+                <a:tab pos="3519488" algn="l"/>
+                <a:tab pos="3976688" algn="l"/>
+                <a:tab pos="4433888" algn="l"/>
+                <a:tab pos="4891088" algn="l"/>
+                <a:tab pos="5348288" algn="l"/>
+                <a:tab pos="5805488" algn="l"/>
+                <a:tab pos="6262688" algn="l"/>
+                <a:tab pos="6719888" algn="l"/>
+                <a:tab pos="7177088" algn="l"/>
+                <a:tab pos="7634288" algn="l"/>
+                <a:tab pos="8091488" algn="l"/>
+                <a:tab pos="8548688" algn="l"/>
+                <a:tab pos="9005888" algn="l"/>
+                <a:tab pos="9463088" algn="l"/>
+              </a:tabLst>
+            </a:pPr>
+            <a:endParaRPr lang="it-IT" sz="3200" dirty="0" smtClean="0">
+              <a:solidFill>
+                <a:srgbClr val="000000"/>
+              </a:solidFill>
+              <a:cs typeface="Arial" charset="0"/>
+            </a:endParaRPr>
+          </a:p>
+          <a:p>
+            <a:pPr marL="319088" lvl="1" indent="-319088" hangingPunct="1">
+              <a:spcBef>
+                <a:spcPts val="800"/>
+              </a:spcBef>
+              <a:buClr>
+                <a:srgbClr val="808080"/>
+              </a:buClr>
+              <a:buSzPct val="65000"/>
+              <a:buFont typeface="Wingdings" charset="2"/>
+              <a:buChar char=""/>
+              <a:tabLst>
+                <a:tab pos="319088" algn="l"/>
+                <a:tab pos="776288" algn="l"/>
+                <a:tab pos="1233488" algn="l"/>
+                <a:tab pos="1690688" algn="l"/>
+                <a:tab pos="2147888" algn="l"/>
+                <a:tab pos="2605088" algn="l"/>
+                <a:tab pos="3062288" algn="l"/>
+                <a:tab pos="3519488" algn="l"/>
+                <a:tab pos="3976688" algn="l"/>
+                <a:tab pos="4433888" algn="l"/>
+                <a:tab pos="4891088" algn="l"/>
+                <a:tab pos="5348288" algn="l"/>
+                <a:tab pos="5805488" algn="l"/>
+                <a:tab pos="6262688" algn="l"/>
+                <a:tab pos="6719888" algn="l"/>
+                <a:tab pos="7177088" algn="l"/>
+                <a:tab pos="7634288" algn="l"/>
+                <a:tab pos="8091488" algn="l"/>
+                <a:tab pos="8548688" algn="l"/>
+                <a:tab pos="9005888" algn="l"/>
+                <a:tab pos="9463088" algn="l"/>
+              </a:tabLst>
+            </a:pPr>
+            <a:r>
+              <a:rPr lang="it-IT" sz="3200" b="1" dirty="0" smtClean="0">
+                <a:solidFill>
+                  <a:srgbClr val="000000"/>
+                </a:solidFill>
+                <a:cs typeface="Arial" charset="0"/>
+              </a:rPr>
+              <a:t>Esempio</a:t>
+            </a:r>
+            <a:r>
+              <a:rPr lang="it-IT" sz="3200" dirty="0" smtClean="0">
+                <a:solidFill>
+                  <a:srgbClr val="000000"/>
+                </a:solidFill>
+                <a:cs typeface="Arial" charset="0"/>
+              </a:rPr>
+              <a:t>: il problema ci si è presentato nel momento in cui per </a:t>
+            </a:r>
+            <a:r>
+              <a:rPr lang="it-IT" sz="3200" dirty="0" err="1" smtClean="0">
+                <a:solidFill>
+                  <a:srgbClr val="000000"/>
+                </a:solidFill>
+                <a:cs typeface="Arial" charset="0"/>
+              </a:rPr>
+              <a:t>GarrBox</a:t>
+            </a:r>
+            <a:r>
+              <a:rPr lang="it-IT" sz="3200" dirty="0" smtClean="0">
+                <a:solidFill>
+                  <a:srgbClr val="000000"/>
+                </a:solidFill>
+                <a:cs typeface="Arial" charset="0"/>
+              </a:rPr>
+              <a:t> abbiamo dovuto integrare l’interfaccia Amazon S3, che ha un suo schema autorizzativo non basato su </a:t>
+            </a:r>
+            <a:r>
+              <a:rPr lang="it-IT" sz="3200" dirty="0" err="1" smtClean="0">
+                <a:solidFill>
+                  <a:srgbClr val="000000"/>
+                </a:solidFill>
+                <a:cs typeface="Arial" charset="0"/>
+              </a:rPr>
+              <a:t>username+password</a:t>
+            </a:r>
+            <a:r>
+              <a:rPr lang="it-IT" sz="3200" dirty="0" smtClean="0">
+                <a:solidFill>
+                  <a:srgbClr val="000000"/>
+                </a:solidFill>
+                <a:cs typeface="Arial" charset="0"/>
+              </a:rPr>
+              <a:t>.</a:t>
+            </a:r>
+            <a:endParaRPr lang="it-IT" sz="2800" dirty="0" smtClean="0">
+              <a:solidFill>
+                <a:srgbClr val="000000"/>
+              </a:solidFill>
+              <a:cs typeface="Arial" charset="0"/>
+            </a:endParaRPr>
+          </a:p>
+        </p:txBody>
+      </p:sp>
+    </p:spTree>
+  </p:cSld>
+  <p:clrMapOvr>
+    <a:masterClrMapping/>
+  </p:clrMapOvr>
+  <p:transition spd="med"/>
+  <p:timing>
+    <p:tnLst>
+      <p:par>
+        <p:cTn id="1" dur="indefinite" restart="never" nodeType="tmRoot">
+          <p:childTnLst>
+            <p:seq concurrent="1" nextAc="seek">
+              <p:cTn id="2" dur="indefinite" nodeType="mainSeq"/>
+              <p:prevCondLst>
+                <p:cond evt="onPrev" delay="0">
+                  <p:tgtEl>
+                    <p:sldTgt/>
+                  </p:tgtEl>
+                </p:cond>
+              </p:prevCondLst>
+              <p:nextCondLst>
+                <p:cond evt="onNext" delay="0">
+                  <p:tgtEl>
+                    <p:sldTgt/>
+                  </p:tgtEl>
+                </p:cond>
+              </p:nextCondLst>
+            </p:seq>
+          </p:childTnLst>
+        </p:cTn>
+      </p:par>
+    </p:tnLst>
+  </p:timing>
+</p:sld>
+</file>
+
+<file path=ppt/slides/slide9.xml><?xml version="1.0" encoding="utf-8"?>
+<p:sld xmlns:a="http://schemas.openxmlformats.org/drawingml/2006/main" xmlns:r="http://schemas.openxmlformats.org/officeDocument/2006/relationships" xmlns:p="http://schemas.openxmlformats.org/presentationml/2006/main">
+  <p:cSld>
+    <p:spTree>
+      <p:nvGrpSpPr>
+        <p:cNvPr id="1" name=""/>
+        <p:cNvGrpSpPr/>
+        <p:nvPr/>
+      </p:nvGrpSpPr>
+      <p:grpSpPr>
+        <a:xfrm>
+          <a:off x="0" y="0"/>
+          <a:ext cx="0" cy="0"/>
+          <a:chOff x="0" y="0"/>
+          <a:chExt cx="0" cy="0"/>
+        </a:xfrm>
+      </p:grpSpPr>
+      <p:sp>
+        <p:nvSpPr>
+          <p:cNvPr id="4097" name="Text Box 1"/>
+          <p:cNvSpPr txBox="1">
+            <a:spLocks noChangeArrowheads="1"/>
+          </p:cNvSpPr>
+          <p:nvPr/>
+        </p:nvSpPr>
+        <p:spPr bwMode="auto">
+          <a:xfrm>
+            <a:off x="503238" y="306388"/>
+            <a:ext cx="9072562" cy="1257300"/>
+          </a:xfrm>
+          <a:prstGeom prst="rect">
+            <a:avLst/>
+          </a:prstGeom>
+          <a:noFill/>
+          <a:ln w="9525">
+            <a:noFill/>
+            <a:round/>
+            <a:headEnd/>
+            <a:tailEnd/>
+          </a:ln>
+          <a:effectLst/>
+        </p:spPr>
+        <p:txBody>
+          <a:bodyPr/>
+          <a:lstStyle/>
+          <a:p>
+            <a:pPr algn="ctr" hangingPunct="1">
+              <a:buClrTx/>
+              <a:buFontTx/>
+              <a:buNone/>
+              <a:tabLst>
+                <a:tab pos="0" algn="l"/>
+                <a:tab pos="457200" algn="l"/>
+                <a:tab pos="914400" algn="l"/>
+                <a:tab pos="1371600" algn="l"/>
+                <a:tab pos="1828800" algn="l"/>
+                <a:tab pos="2286000" algn="l"/>
+                <a:tab pos="2743200" algn="l"/>
+                <a:tab pos="3200400" algn="l"/>
+                <a:tab pos="3657600" algn="l"/>
+                <a:tab pos="4114800" algn="l"/>
+                <a:tab pos="4572000" algn="l"/>
+                <a:tab pos="5029200" algn="l"/>
+                <a:tab pos="5486400" algn="l"/>
+                <a:tab pos="5943600" algn="l"/>
+                <a:tab pos="6400800" algn="l"/>
+                <a:tab pos="6858000" algn="l"/>
+                <a:tab pos="7315200" algn="l"/>
+                <a:tab pos="7772400" algn="l"/>
+                <a:tab pos="8229600" algn="l"/>
+                <a:tab pos="8686800" algn="l"/>
+                <a:tab pos="9144000" algn="l"/>
+              </a:tabLst>
+            </a:pPr>
+            <a:r>
+              <a:rPr lang="it-IT" sz="4400" b="1" dirty="0">
+                <a:solidFill>
+                  <a:srgbClr val="000080"/>
+                </a:solidFill>
+                <a:ea typeface="Arial Unicode MS" charset="0"/>
+                <a:cs typeface="Arial Unicode MS" charset="0"/>
+              </a:rPr>
+              <a:t>③</a:t>
             </a:r>
             <a:r>
               <a:rPr lang="en-US" sz="4400" b="1" dirty="0" smtClean="0">
@@ -12316,7 +14515,7 @@
           <a:graphicData uri="http://schemas.openxmlformats.org/presentationml/2006/ole">
             <mc:AlternateContent xmlns:mc="http://schemas.openxmlformats.org/markup-compatibility/2006">
               <mc:Choice xmlns:v="urn:schemas-microsoft-com:vml" Requires="v">
-                <p:oleObj spid="_x0000_s2056" name="Visio" r:id="rId4" imgW="5788679" imgH="4132634" progId="Visio.Drawing.11">
+                <p:oleObj spid="_x0000_s2058" name="Visio" r:id="rId4" imgW="5788679" imgH="4132634" progId="Visio.Drawing.11">
                   <p:embed/>
                 </p:oleObj>
               </mc:Choice>
@@ -12411,486 +14610,6 @@
               <a:solidFill>
                 <a:schemeClr val="tx1"/>
               </a:solidFill>
-            </a:endParaRPr>
-          </a:p>
-        </p:txBody>
-      </p:sp>
-    </p:spTree>
-  </p:cSld>
-  <p:clrMapOvr>
-    <a:masterClrMapping/>
-  </p:clrMapOvr>
-  <p:transition spd="med"/>
-  <p:timing>
-    <p:tnLst>
-      <p:par>
-        <p:cTn id="1" dur="indefinite" restart="never" nodeType="tmRoot">
-          <p:childTnLst>
-            <p:seq concurrent="1" nextAc="seek">
-              <p:cTn id="2" dur="indefinite" nodeType="mainSeq"/>
-              <p:prevCondLst>
-                <p:cond evt="onPrev" delay="0">
-                  <p:tgtEl>
-                    <p:sldTgt/>
-                  </p:tgtEl>
-                </p:cond>
-              </p:prevCondLst>
-              <p:nextCondLst>
-                <p:cond evt="onNext" delay="0">
-                  <p:tgtEl>
-                    <p:sldTgt/>
-                  </p:tgtEl>
-                </p:cond>
-              </p:nextCondLst>
-            </p:seq>
-          </p:childTnLst>
-        </p:cTn>
-      </p:par>
-    </p:tnLst>
-  </p:timing>
-</p:sld>
-</file>
-
-<file path=ppt/slides/slide9.xml><?xml version="1.0" encoding="utf-8"?>
-<p:sld xmlns:a="http://schemas.openxmlformats.org/drawingml/2006/main" xmlns:r="http://schemas.openxmlformats.org/officeDocument/2006/relationships" xmlns:p="http://schemas.openxmlformats.org/presentationml/2006/main">
-  <p:cSld>
-    <p:spTree>
-      <p:nvGrpSpPr>
-        <p:cNvPr id="1" name=""/>
-        <p:cNvGrpSpPr/>
-        <p:nvPr/>
-      </p:nvGrpSpPr>
-      <p:grpSpPr>
-        <a:xfrm>
-          <a:off x="0" y="0"/>
-          <a:ext cx="0" cy="0"/>
-          <a:chOff x="0" y="0"/>
-          <a:chExt cx="0" cy="0"/>
-        </a:xfrm>
-      </p:grpSpPr>
-      <p:sp>
-        <p:nvSpPr>
-          <p:cNvPr id="4097" name="Text Box 1"/>
-          <p:cNvSpPr txBox="1">
-            <a:spLocks noChangeArrowheads="1"/>
-          </p:cNvSpPr>
-          <p:nvPr/>
-        </p:nvSpPr>
-        <p:spPr bwMode="auto">
-          <a:xfrm>
-            <a:off x="503238" y="306388"/>
-            <a:ext cx="9072562" cy="1257300"/>
-          </a:xfrm>
-          <a:prstGeom prst="rect">
-            <a:avLst/>
-          </a:prstGeom>
-          <a:noFill/>
-          <a:ln w="9525">
-            <a:noFill/>
-            <a:round/>
-            <a:headEnd/>
-            <a:tailEnd/>
-          </a:ln>
-          <a:effectLst/>
-        </p:spPr>
-        <p:txBody>
-          <a:bodyPr/>
-          <a:lstStyle/>
-          <a:p>
-            <a:pPr algn="ctr" hangingPunct="1">
-              <a:buClrTx/>
-              <a:buFontTx/>
-              <a:buNone/>
-              <a:tabLst>
-                <a:tab pos="0" algn="l"/>
-                <a:tab pos="457200" algn="l"/>
-                <a:tab pos="914400" algn="l"/>
-                <a:tab pos="1371600" algn="l"/>
-                <a:tab pos="1828800" algn="l"/>
-                <a:tab pos="2286000" algn="l"/>
-                <a:tab pos="2743200" algn="l"/>
-                <a:tab pos="3200400" algn="l"/>
-                <a:tab pos="3657600" algn="l"/>
-                <a:tab pos="4114800" algn="l"/>
-                <a:tab pos="4572000" algn="l"/>
-                <a:tab pos="5029200" algn="l"/>
-                <a:tab pos="5486400" algn="l"/>
-                <a:tab pos="5943600" algn="l"/>
-                <a:tab pos="6400800" algn="l"/>
-                <a:tab pos="6858000" algn="l"/>
-                <a:tab pos="7315200" algn="l"/>
-                <a:tab pos="7772400" algn="l"/>
-                <a:tab pos="8229600" algn="l"/>
-                <a:tab pos="8686800" algn="l"/>
-                <a:tab pos="9144000" algn="l"/>
-              </a:tabLst>
-            </a:pPr>
-            <a:r>
-              <a:rPr lang="it-IT" sz="4400" b="1" dirty="0" smtClean="0">
-                <a:solidFill>
-                  <a:srgbClr val="000080"/>
-                </a:solidFill>
-                <a:ea typeface="Arial Unicode MS" charset="0"/>
-                <a:cs typeface="Arial Unicode MS" charset="0"/>
-              </a:rPr>
-              <a:t>②</a:t>
-            </a:r>
-            <a:r>
-              <a:rPr lang="en-US" sz="4400" b="1" dirty="0" smtClean="0">
-                <a:solidFill>
-                  <a:srgbClr val="000080"/>
-                </a:solidFill>
-                <a:ea typeface="Arial Unicode MS" charset="0"/>
-                <a:cs typeface="Arial Unicode MS" charset="0"/>
-              </a:rPr>
-              <a:t> </a:t>
-            </a:r>
-            <a:r>
-              <a:rPr lang="it-IT" sz="4400" dirty="0" smtClean="0">
-                <a:solidFill>
-                  <a:srgbClr val="000080"/>
-                </a:solidFill>
-                <a:ea typeface="Arial Unicode MS" charset="0"/>
-                <a:cs typeface="Arial Unicode MS" charset="0"/>
-              </a:rPr>
-              <a:t>Riassunto modifiche apportate</a:t>
-            </a:r>
-            <a:endParaRPr lang="it-IT" sz="4400" dirty="0">
-              <a:solidFill>
-                <a:srgbClr val="000080"/>
-              </a:solidFill>
-              <a:ea typeface="Arial Unicode MS" charset="0"/>
-              <a:cs typeface="Arial Unicode MS" charset="0"/>
-            </a:endParaRPr>
-          </a:p>
-        </p:txBody>
-      </p:sp>
-      <p:sp>
-        <p:nvSpPr>
-          <p:cNvPr id="4098" name="Rectangle 2"/>
-          <p:cNvSpPr>
-            <a:spLocks noChangeArrowheads="1"/>
-          </p:cNvSpPr>
-          <p:nvPr/>
-        </p:nvSpPr>
-        <p:spPr bwMode="auto">
-          <a:xfrm>
-            <a:off x="671513" y="1511300"/>
-            <a:ext cx="9072562" cy="5414963"/>
-          </a:xfrm>
-          <a:prstGeom prst="rect">
-            <a:avLst/>
-          </a:prstGeom>
-          <a:noFill/>
-          <a:ln w="9525">
-            <a:noFill/>
-            <a:round/>
-            <a:headEnd/>
-            <a:tailEnd/>
-          </a:ln>
-          <a:effectLst/>
-        </p:spPr>
-        <p:txBody>
-          <a:bodyPr lIns="90000" tIns="46800" rIns="90000" bIns="46800"/>
-          <a:lstStyle/>
-          <a:p>
-            <a:pPr marL="319088" indent="-319088" hangingPunct="1">
-              <a:spcBef>
-                <a:spcPts val="800"/>
-              </a:spcBef>
-              <a:buClr>
-                <a:srgbClr val="808080"/>
-              </a:buClr>
-              <a:buSzPct val="65000"/>
-              <a:buFont typeface="Wingdings" charset="2"/>
-              <a:buChar char=""/>
-              <a:tabLst>
-                <a:tab pos="319088" algn="l"/>
-                <a:tab pos="776288" algn="l"/>
-                <a:tab pos="1233488" algn="l"/>
-                <a:tab pos="1690688" algn="l"/>
-                <a:tab pos="2147888" algn="l"/>
-                <a:tab pos="2605088" algn="l"/>
-                <a:tab pos="3062288" algn="l"/>
-                <a:tab pos="3519488" algn="l"/>
-                <a:tab pos="3976688" algn="l"/>
-                <a:tab pos="4433888" algn="l"/>
-                <a:tab pos="4891088" algn="l"/>
-                <a:tab pos="5348288" algn="l"/>
-                <a:tab pos="5805488" algn="l"/>
-                <a:tab pos="6262688" algn="l"/>
-                <a:tab pos="6719888" algn="l"/>
-                <a:tab pos="7177088" algn="l"/>
-                <a:tab pos="7634288" algn="l"/>
-                <a:tab pos="8091488" algn="l"/>
-                <a:tab pos="8548688" algn="l"/>
-                <a:tab pos="9005888" algn="l"/>
-                <a:tab pos="9463088" algn="l"/>
-              </a:tabLst>
-            </a:pPr>
-            <a:r>
-              <a:rPr lang="it-IT" sz="3200" b="1" dirty="0" err="1" smtClean="0">
-                <a:solidFill>
-                  <a:srgbClr val="000000"/>
-                </a:solidFill>
-                <a:cs typeface="Arial" charset="0"/>
-              </a:rPr>
-              <a:t>IdP</a:t>
-            </a:r>
-            <a:r>
-              <a:rPr lang="it-IT" sz="3200" dirty="0" smtClean="0">
-                <a:solidFill>
-                  <a:srgbClr val="000000"/>
-                </a:solidFill>
-                <a:cs typeface="Arial" charset="0"/>
-              </a:rPr>
-              <a:t>: </a:t>
-            </a:r>
-            <a:r>
-              <a:rPr lang="it-IT" sz="3200" dirty="0" err="1" smtClean="0">
-                <a:solidFill>
-                  <a:srgbClr val="000000"/>
-                </a:solidFill>
-                <a:cs typeface="Arial" charset="0"/>
-              </a:rPr>
-              <a:t>deploy</a:t>
-            </a:r>
-            <a:r>
-              <a:rPr lang="it-IT" sz="3200" dirty="0" smtClean="0">
-                <a:solidFill>
-                  <a:srgbClr val="000000"/>
-                </a:solidFill>
-                <a:cs typeface="Arial" charset="0"/>
-              </a:rPr>
-              <a:t> di un </a:t>
-            </a:r>
-            <a:r>
-              <a:rPr lang="it-IT" sz="3200" dirty="0" err="1" smtClean="0">
-                <a:solidFill>
-                  <a:srgbClr val="000000"/>
-                </a:solidFill>
-                <a:cs typeface="Arial" charset="0"/>
-              </a:rPr>
-              <a:t>LoginHandler</a:t>
-            </a:r>
-            <a:r>
-              <a:rPr lang="it-IT" sz="3200" dirty="0" smtClean="0">
-                <a:solidFill>
-                  <a:srgbClr val="000000"/>
-                </a:solidFill>
-                <a:cs typeface="Arial" charset="0"/>
-              </a:rPr>
-              <a:t> e di un </a:t>
-            </a:r>
-            <a:r>
-              <a:rPr lang="it-IT" sz="3200" dirty="0" err="1" smtClean="0">
-                <a:solidFill>
-                  <a:srgbClr val="000000"/>
-                </a:solidFill>
-                <a:cs typeface="Arial" charset="0"/>
-              </a:rPr>
-              <a:t>DataConnector</a:t>
-            </a:r>
-            <a:r>
-              <a:rPr lang="it-IT" sz="3200" dirty="0" smtClean="0">
-                <a:solidFill>
-                  <a:srgbClr val="000000"/>
-                </a:solidFill>
-                <a:cs typeface="Arial" charset="0"/>
-              </a:rPr>
-              <a:t> e loro attivazione (tramite configurazione), </a:t>
-            </a:r>
-            <a:r>
-              <a:rPr lang="it-IT" sz="3200" dirty="0" err="1" smtClean="0">
-                <a:solidFill>
-                  <a:srgbClr val="000000"/>
-                </a:solidFill>
-                <a:cs typeface="Arial" charset="0"/>
-              </a:rPr>
-              <a:t>deploy</a:t>
-            </a:r>
-            <a:r>
-              <a:rPr lang="it-IT" sz="3200" dirty="0" smtClean="0">
-                <a:solidFill>
-                  <a:srgbClr val="000000"/>
-                </a:solidFill>
-                <a:cs typeface="Arial" charset="0"/>
-              </a:rPr>
-              <a:t> di una </a:t>
-            </a:r>
-            <a:r>
-              <a:rPr lang="it-IT" sz="3200" dirty="0" err="1" smtClean="0">
-                <a:solidFill>
-                  <a:srgbClr val="000000"/>
-                </a:solidFill>
-                <a:cs typeface="Arial" charset="0"/>
-              </a:rPr>
-              <a:t>servlet</a:t>
-            </a:r>
-            <a:r>
-              <a:rPr lang="it-IT" sz="3200" dirty="0" smtClean="0">
-                <a:solidFill>
-                  <a:srgbClr val="000000"/>
-                </a:solidFill>
-                <a:cs typeface="Arial" charset="0"/>
-              </a:rPr>
-              <a:t> per l’invio via posta elettronica della Secret </a:t>
-            </a:r>
-            <a:r>
-              <a:rPr lang="it-IT" sz="3200" dirty="0" err="1" smtClean="0">
-                <a:solidFill>
-                  <a:srgbClr val="000000"/>
-                </a:solidFill>
-                <a:cs typeface="Arial" charset="0"/>
-              </a:rPr>
-              <a:t>Key</a:t>
-            </a:r>
-            <a:r>
-              <a:rPr lang="it-IT" sz="3200" dirty="0" smtClean="0">
-                <a:solidFill>
-                  <a:srgbClr val="000000"/>
-                </a:solidFill>
-                <a:cs typeface="Arial" charset="0"/>
-              </a:rPr>
-              <a:t> all’utente.</a:t>
-            </a:r>
-          </a:p>
-          <a:p>
-            <a:pPr marL="319088" indent="-319088" hangingPunct="1">
-              <a:spcBef>
-                <a:spcPts val="800"/>
-              </a:spcBef>
-              <a:buClr>
-                <a:srgbClr val="808080"/>
-              </a:buClr>
-              <a:buSzPct val="65000"/>
-              <a:buFont typeface="Wingdings" charset="2"/>
-              <a:buChar char=""/>
-              <a:tabLst>
-                <a:tab pos="319088" algn="l"/>
-                <a:tab pos="776288" algn="l"/>
-                <a:tab pos="1233488" algn="l"/>
-                <a:tab pos="1690688" algn="l"/>
-                <a:tab pos="2147888" algn="l"/>
-                <a:tab pos="2605088" algn="l"/>
-                <a:tab pos="3062288" algn="l"/>
-                <a:tab pos="3519488" algn="l"/>
-                <a:tab pos="3976688" algn="l"/>
-                <a:tab pos="4433888" algn="l"/>
-                <a:tab pos="4891088" algn="l"/>
-                <a:tab pos="5348288" algn="l"/>
-                <a:tab pos="5805488" algn="l"/>
-                <a:tab pos="6262688" algn="l"/>
-                <a:tab pos="6719888" algn="l"/>
-                <a:tab pos="7177088" algn="l"/>
-                <a:tab pos="7634288" algn="l"/>
-                <a:tab pos="8091488" algn="l"/>
-                <a:tab pos="8548688" algn="l"/>
-                <a:tab pos="9005888" algn="l"/>
-                <a:tab pos="9463088" algn="l"/>
-              </a:tabLst>
-            </a:pPr>
-            <a:endParaRPr lang="it-IT" sz="3200" dirty="0" smtClean="0">
-              <a:solidFill>
-                <a:srgbClr val="000000"/>
-              </a:solidFill>
-              <a:cs typeface="Arial" charset="0"/>
-            </a:endParaRPr>
-          </a:p>
-          <a:p>
-            <a:pPr marL="319088" lvl="1" indent="-319088" hangingPunct="1">
-              <a:spcBef>
-                <a:spcPts val="800"/>
-              </a:spcBef>
-              <a:buClr>
-                <a:srgbClr val="808080"/>
-              </a:buClr>
-              <a:buSzPct val="65000"/>
-              <a:buFont typeface="Wingdings" charset="2"/>
-              <a:buChar char=""/>
-              <a:tabLst>
-                <a:tab pos="319088" algn="l"/>
-                <a:tab pos="776288" algn="l"/>
-                <a:tab pos="1233488" algn="l"/>
-                <a:tab pos="1690688" algn="l"/>
-                <a:tab pos="2147888" algn="l"/>
-                <a:tab pos="2605088" algn="l"/>
-                <a:tab pos="3062288" algn="l"/>
-                <a:tab pos="3519488" algn="l"/>
-                <a:tab pos="3976688" algn="l"/>
-                <a:tab pos="4433888" algn="l"/>
-                <a:tab pos="4891088" algn="l"/>
-                <a:tab pos="5348288" algn="l"/>
-                <a:tab pos="5805488" algn="l"/>
-                <a:tab pos="6262688" algn="l"/>
-                <a:tab pos="6719888" algn="l"/>
-                <a:tab pos="7177088" algn="l"/>
-                <a:tab pos="7634288" algn="l"/>
-                <a:tab pos="8091488" algn="l"/>
-                <a:tab pos="8548688" algn="l"/>
-                <a:tab pos="9005888" algn="l"/>
-                <a:tab pos="9463088" algn="l"/>
-              </a:tabLst>
-            </a:pPr>
-            <a:r>
-              <a:rPr lang="en-US" sz="3200" b="1" dirty="0" smtClean="0">
-                <a:solidFill>
-                  <a:srgbClr val="000000"/>
-                </a:solidFill>
-                <a:cs typeface="Arial" charset="0"/>
-              </a:rPr>
-              <a:t>SP</a:t>
-            </a:r>
-            <a:r>
-              <a:rPr lang="en-US" sz="3200" dirty="0" smtClean="0">
-                <a:solidFill>
-                  <a:srgbClr val="000000"/>
-                </a:solidFill>
-                <a:cs typeface="Arial" charset="0"/>
-              </a:rPr>
-              <a:t>: </a:t>
-            </a:r>
-            <a:r>
-              <a:rPr lang="it-IT" sz="3200" dirty="0" smtClean="0">
-                <a:solidFill>
-                  <a:srgbClr val="000000"/>
-                </a:solidFill>
-                <a:cs typeface="Arial" charset="0"/>
-              </a:rPr>
-              <a:t>modifiche solo a livello dei file di configurazione del </a:t>
-            </a:r>
-            <a:r>
-              <a:rPr lang="it-IT" sz="3200" dirty="0" err="1" smtClean="0">
-                <a:solidFill>
-                  <a:srgbClr val="000000"/>
-                </a:solidFill>
-                <a:cs typeface="Arial" charset="0"/>
-              </a:rPr>
-              <a:t>Shibboleth</a:t>
-            </a:r>
-            <a:r>
-              <a:rPr lang="it-IT" sz="3200" dirty="0" smtClean="0">
-                <a:solidFill>
-                  <a:srgbClr val="000000"/>
-                </a:solidFill>
-                <a:cs typeface="Arial" charset="0"/>
-              </a:rPr>
-              <a:t> SP</a:t>
-            </a:r>
-            <a:r>
-              <a:rPr lang="en-US" sz="3200" dirty="0" smtClean="0">
-                <a:solidFill>
-                  <a:srgbClr val="000000"/>
-                </a:solidFill>
-                <a:cs typeface="Arial" charset="0"/>
-              </a:rPr>
-              <a:t>.</a:t>
-            </a:r>
-            <a:endParaRPr lang="en-US" sz="2800" dirty="0" smtClean="0">
-              <a:solidFill>
-                <a:srgbClr val="000000"/>
-              </a:solidFill>
-              <a:cs typeface="Arial" charset="0"/>
             </a:endParaRPr>
           </a:p>
         </p:txBody>
